--- a/ppt_of_sprint/sprint3.pptx
+++ b/ppt_of_sprint/sprint3.pptx
@@ -2,7 +2,7 @@
 <file path=ppt/presentation.xml><?xml version="1.0" encoding="utf-8"?>
 <p:presentation xmlns:a="http://schemas.openxmlformats.org/drawingml/2006/main" xmlns:r="http://schemas.openxmlformats.org/officeDocument/2006/relationships" xmlns:p="http://schemas.openxmlformats.org/presentationml/2006/main" autoCompressPictures="0">
   <p:sldMasterIdLst>
-    <p:sldMasterId id="2147483668" r:id="rId1"/>
+    <p:sldMasterId id="2147483686" r:id="rId1"/>
   </p:sldMasterIdLst>
   <p:sldIdLst>
     <p:sldId id="256" r:id="rId2"/>
@@ -116,7 +116,7 @@
 </file>
 
 <file path=ppt/slideLayouts/slideLayout1.xml><?xml version="1.0" encoding="utf-8"?>
-<p:sldLayout xmlns:a="http://schemas.openxmlformats.org/drawingml/2006/main" xmlns:r="http://schemas.openxmlformats.org/officeDocument/2006/relationships" xmlns:p="http://schemas.openxmlformats.org/presentationml/2006/main" showMasterSp="0" type="title" preserve="1">
+<p:sldLayout xmlns:a="http://schemas.openxmlformats.org/drawingml/2006/main" xmlns:r="http://schemas.openxmlformats.org/officeDocument/2006/relationships" xmlns:p="http://schemas.openxmlformats.org/presentationml/2006/main" type="title" preserve="1">
   <p:cSld name="标题幻灯片">
     <p:spTree>
       <p:nvGrpSpPr>
@@ -132,328 +132,6 @@
           <a:chExt cx="0" cy="0"/>
         </a:xfrm>
       </p:grpSpPr>
-      <p:grpSp>
-        <p:nvGrpSpPr>
-          <p:cNvPr id="25" name="Group 24"/>
-          <p:cNvGrpSpPr/>
-          <p:nvPr/>
-        </p:nvGrpSpPr>
-        <p:grpSpPr>
-          <a:xfrm>
-            <a:off x="203200" y="0"/>
-            <a:ext cx="3778250" cy="6858001"/>
-            <a:chOff x="203200" y="0"/>
-            <a:chExt cx="3778250" cy="6858001"/>
-          </a:xfrm>
-        </p:grpSpPr>
-        <p:sp>
-          <p:nvSpPr>
-            <p:cNvPr id="14" name="Freeform 6"/>
-            <p:cNvSpPr/>
-            <p:nvPr/>
-          </p:nvSpPr>
-          <p:spPr bwMode="auto">
-            <a:xfrm>
-              <a:off x="641350" y="0"/>
-              <a:ext cx="1365250" cy="3971925"/>
-            </a:xfrm>
-            <a:custGeom>
-              <a:avLst/>
-              <a:gdLst/>
-              <a:ahLst/>
-              <a:cxnLst/>
-              <a:rect l="0" t="0" r="r" b="b"/>
-              <a:pathLst>
-                <a:path w="860" h="2502">
-                  <a:moveTo>
-                    <a:pt x="0" y="2445"/>
-                  </a:moveTo>
-                  <a:lnTo>
-                    <a:pt x="228" y="2502"/>
-                  </a:lnTo>
-                  <a:lnTo>
-                    <a:pt x="860" y="0"/>
-                  </a:lnTo>
-                  <a:lnTo>
-                    <a:pt x="620" y="0"/>
-                  </a:lnTo>
-                  <a:lnTo>
-                    <a:pt x="0" y="2445"/>
-                  </a:lnTo>
-                  <a:close/>
-                </a:path>
-              </a:pathLst>
-            </a:custGeom>
-            <a:solidFill>
-              <a:schemeClr val="accent1"/>
-            </a:solidFill>
-            <a:ln>
-              <a:noFill/>
-            </a:ln>
-          </p:spPr>
-        </p:sp>
-        <p:sp>
-          <p:nvSpPr>
-            <p:cNvPr id="15" name="Freeform 7"/>
-            <p:cNvSpPr/>
-            <p:nvPr/>
-          </p:nvSpPr>
-          <p:spPr bwMode="auto">
-            <a:xfrm>
-              <a:off x="203200" y="0"/>
-              <a:ext cx="1336675" cy="3862388"/>
-            </a:xfrm>
-            <a:custGeom>
-              <a:avLst/>
-              <a:gdLst/>
-              <a:ahLst/>
-              <a:cxnLst/>
-              <a:rect l="0" t="0" r="r" b="b"/>
-              <a:pathLst>
-                <a:path w="842" h="2433">
-                  <a:moveTo>
-                    <a:pt x="842" y="0"/>
-                  </a:moveTo>
-                  <a:lnTo>
-                    <a:pt x="602" y="0"/>
-                  </a:lnTo>
-                  <a:lnTo>
-                    <a:pt x="0" y="2376"/>
-                  </a:lnTo>
-                  <a:lnTo>
-                    <a:pt x="228" y="2433"/>
-                  </a:lnTo>
-                  <a:lnTo>
-                    <a:pt x="842" y="0"/>
-                  </a:lnTo>
-                  <a:close/>
-                </a:path>
-              </a:pathLst>
-            </a:custGeom>
-            <a:solidFill>
-              <a:schemeClr val="tx1">
-                <a:lumMod val="65000"/>
-                <a:lumOff val="35000"/>
-              </a:schemeClr>
-            </a:solidFill>
-            <a:ln>
-              <a:noFill/>
-            </a:ln>
-          </p:spPr>
-        </p:sp>
-        <p:sp>
-          <p:nvSpPr>
-            <p:cNvPr id="16" name="Freeform 8"/>
-            <p:cNvSpPr/>
-            <p:nvPr/>
-          </p:nvSpPr>
-          <p:spPr bwMode="auto">
-            <a:xfrm>
-              <a:off x="207963" y="3776663"/>
-              <a:ext cx="1936750" cy="3081338"/>
-            </a:xfrm>
-            <a:custGeom>
-              <a:avLst/>
-              <a:gdLst/>
-              <a:ahLst/>
-              <a:cxnLst/>
-              <a:rect l="0" t="0" r="r" b="b"/>
-              <a:pathLst>
-                <a:path w="1220" h="1941">
-                  <a:moveTo>
-                    <a:pt x="0" y="0"/>
-                  </a:moveTo>
-                  <a:lnTo>
-                    <a:pt x="1166" y="1941"/>
-                  </a:lnTo>
-                  <a:lnTo>
-                    <a:pt x="1220" y="1941"/>
-                  </a:lnTo>
-                  <a:lnTo>
-                    <a:pt x="0" y="0"/>
-                  </a:lnTo>
-                  <a:close/>
-                </a:path>
-              </a:pathLst>
-            </a:custGeom>
-            <a:solidFill>
-              <a:schemeClr val="tx1">
-                <a:lumMod val="85000"/>
-                <a:lumOff val="15000"/>
-              </a:schemeClr>
-            </a:solidFill>
-            <a:ln>
-              <a:noFill/>
-            </a:ln>
-          </p:spPr>
-        </p:sp>
-        <p:sp>
-          <p:nvSpPr>
-            <p:cNvPr id="20" name="Freeform 9"/>
-            <p:cNvSpPr/>
-            <p:nvPr/>
-          </p:nvSpPr>
-          <p:spPr bwMode="auto">
-            <a:xfrm>
-              <a:off x="646113" y="3886200"/>
-              <a:ext cx="2373313" cy="2971800"/>
-            </a:xfrm>
-            <a:custGeom>
-              <a:avLst/>
-              <a:gdLst/>
-              <a:ahLst/>
-              <a:cxnLst/>
-              <a:rect l="0" t="0" r="r" b="b"/>
-              <a:pathLst>
-                <a:path w="1495" h="1872">
-                  <a:moveTo>
-                    <a:pt x="1495" y="1872"/>
-                  </a:moveTo>
-                  <a:lnTo>
-                    <a:pt x="0" y="0"/>
-                  </a:lnTo>
-                  <a:lnTo>
-                    <a:pt x="1442" y="1872"/>
-                  </a:lnTo>
-                  <a:lnTo>
-                    <a:pt x="1495" y="1872"/>
-                  </a:lnTo>
-                  <a:close/>
-                </a:path>
-              </a:pathLst>
-            </a:custGeom>
-            <a:solidFill>
-              <a:schemeClr val="accent1">
-                <a:lumMod val="50000"/>
-              </a:schemeClr>
-            </a:solidFill>
-            <a:ln>
-              <a:noFill/>
-            </a:ln>
-          </p:spPr>
-        </p:sp>
-        <p:sp>
-          <p:nvSpPr>
-            <p:cNvPr id="21" name="Freeform 10"/>
-            <p:cNvSpPr/>
-            <p:nvPr/>
-          </p:nvSpPr>
-          <p:spPr bwMode="auto">
-            <a:xfrm>
-              <a:off x="641350" y="3881438"/>
-              <a:ext cx="3340100" cy="2976563"/>
-            </a:xfrm>
-            <a:custGeom>
-              <a:avLst/>
-              <a:gdLst/>
-              <a:ahLst/>
-              <a:cxnLst/>
-              <a:rect l="0" t="0" r="r" b="b"/>
-              <a:pathLst>
-                <a:path w="2104" h="1875">
-                  <a:moveTo>
-                    <a:pt x="0" y="0"/>
-                  </a:moveTo>
-                  <a:lnTo>
-                    <a:pt x="3" y="3"/>
-                  </a:lnTo>
-                  <a:lnTo>
-                    <a:pt x="1498" y="1875"/>
-                  </a:lnTo>
-                  <a:lnTo>
-                    <a:pt x="2104" y="1875"/>
-                  </a:lnTo>
-                  <a:lnTo>
-                    <a:pt x="228" y="57"/>
-                  </a:lnTo>
-                  <a:lnTo>
-                    <a:pt x="0" y="0"/>
-                  </a:lnTo>
-                  <a:close/>
-                </a:path>
-              </a:pathLst>
-            </a:custGeom>
-            <a:solidFill>
-              <a:schemeClr val="accent1">
-                <a:lumMod val="75000"/>
-              </a:schemeClr>
-            </a:solidFill>
-            <a:ln>
-              <a:noFill/>
-            </a:ln>
-          </p:spPr>
-        </p:sp>
-        <p:sp>
-          <p:nvSpPr>
-            <p:cNvPr id="22" name="Freeform 11"/>
-            <p:cNvSpPr/>
-            <p:nvPr/>
-          </p:nvSpPr>
-          <p:spPr bwMode="auto">
-            <a:xfrm>
-              <a:off x="203200" y="3771900"/>
-              <a:ext cx="2660650" cy="3086100"/>
-            </a:xfrm>
-            <a:custGeom>
-              <a:avLst/>
-              <a:gdLst/>
-              <a:ahLst/>
-              <a:cxnLst/>
-              <a:rect l="0" t="0" r="r" b="b"/>
-              <a:pathLst>
-                <a:path w="1676" h="1944">
-                  <a:moveTo>
-                    <a:pt x="1676" y="1944"/>
-                  </a:moveTo>
-                  <a:lnTo>
-                    <a:pt x="264" y="111"/>
-                  </a:lnTo>
-                  <a:lnTo>
-                    <a:pt x="225" y="60"/>
-                  </a:lnTo>
-                  <a:lnTo>
-                    <a:pt x="228" y="60"/>
-                  </a:lnTo>
-                  <a:lnTo>
-                    <a:pt x="264" y="111"/>
-                  </a:lnTo>
-                  <a:lnTo>
-                    <a:pt x="234" y="69"/>
-                  </a:lnTo>
-                  <a:lnTo>
-                    <a:pt x="228" y="57"/>
-                  </a:lnTo>
-                  <a:lnTo>
-                    <a:pt x="222" y="54"/>
-                  </a:lnTo>
-                  <a:lnTo>
-                    <a:pt x="0" y="0"/>
-                  </a:lnTo>
-                  <a:lnTo>
-                    <a:pt x="3" y="3"/>
-                  </a:lnTo>
-                  <a:lnTo>
-                    <a:pt x="1223" y="1944"/>
-                  </a:lnTo>
-                  <a:lnTo>
-                    <a:pt x="1676" y="1944"/>
-                  </a:lnTo>
-                  <a:close/>
-                </a:path>
-              </a:pathLst>
-            </a:custGeom>
-            <a:solidFill>
-              <a:schemeClr val="tx1">
-                <a:lumMod val="75000"/>
-                <a:lumOff val="25000"/>
-              </a:schemeClr>
-            </a:solidFill>
-            <a:ln>
-              <a:noFill/>
-            </a:ln>
-          </p:spPr>
-        </p:sp>
-      </p:grpSp>
       <p:sp>
         <p:nvSpPr>
           <p:cNvPr id="2" name="Title 1"/>
@@ -466,8 +144,8 @@
         </p:nvSpPr>
         <p:spPr>
           <a:xfrm>
-            <a:off x="1739673" y="914401"/>
-            <a:ext cx="6947127" cy="3488266"/>
+            <a:off x="1942416" y="2514601"/>
+            <a:ext cx="6600451" cy="2262781"/>
           </a:xfrm>
         </p:spPr>
         <p:txBody>
@@ -475,10 +153,8 @@
             <a:normAutofit/>
           </a:bodyPr>
           <a:lstStyle>
-            <a:lvl1pPr algn="r">
-              <a:defRPr sz="5400">
-                <a:effectLst/>
-              </a:defRPr>
+            <a:lvl1pPr>
+              <a:defRPr sz="5400"/>
             </a:lvl1pPr>
           </a:lstStyle>
           <a:p>
@@ -502,20 +178,21 @@
         </p:nvSpPr>
         <p:spPr>
           <a:xfrm>
-            <a:off x="2924238" y="4402666"/>
-            <a:ext cx="5762563" cy="1364531"/>
+            <a:off x="1942416" y="4777380"/>
+            <a:ext cx="6600451" cy="1126283"/>
           </a:xfrm>
         </p:spPr>
         <p:txBody>
-          <a:bodyPr anchor="t">
-            <a:normAutofit/>
-          </a:bodyPr>
+          <a:bodyPr anchor="t"/>
           <a:lstStyle>
-            <a:lvl1pPr marL="0" indent="0" algn="r">
-              <a:buNone/>
-              <a:defRPr sz="1800">
+            <a:lvl1pPr marL="0" indent="0" algn="l">
+              <a:buNone/>
+              <a:defRPr>
                 <a:solidFill>
-                  <a:schemeClr val="tx1"/>
+                  <a:schemeClr val="tx1">
+                    <a:lumMod val="65000"/>
+                    <a:lumOff val="35000"/>
+                  </a:schemeClr>
                 </a:solidFill>
               </a:defRPr>
             </a:lvl1pPr>
@@ -619,12 +296,7 @@
             <p:ph type="dt" sz="half" idx="10"/>
           </p:nvPr>
         </p:nvSpPr>
-        <p:spPr>
-          <a:xfrm>
-            <a:off x="7325773" y="6117336"/>
-            <a:ext cx="857473" cy="365125"/>
-          </a:xfrm>
-        </p:spPr>
+        <p:spPr/>
         <p:txBody>
           <a:bodyPr/>
           <a:lstStyle/>
@@ -648,34 +320,105 @@
             <p:ph type="ftr" sz="quarter" idx="11"/>
           </p:nvPr>
         </p:nvSpPr>
+        <p:spPr/>
+        <p:txBody>
+          <a:bodyPr/>
+          <a:lstStyle/>
+          <a:p>
+            <a:endParaRPr lang="en-US" dirty="0"/>
+          </a:p>
+        </p:txBody>
+      </p:sp>
+      <p:sp>
+        <p:nvSpPr>
+          <p:cNvPr id="9" name="Freeform 8"/>
+          <p:cNvSpPr/>
+          <p:nvPr/>
+        </p:nvSpPr>
+        <p:spPr bwMode="auto">
+          <a:xfrm>
+            <a:off x="-31719" y="4321158"/>
+            <a:ext cx="1395473" cy="781781"/>
+          </a:xfrm>
+          <a:custGeom>
+            <a:avLst/>
+            <a:gdLst/>
+            <a:ahLst/>
+            <a:cxnLst/>
+            <a:rect l="l" t="t" r="r" b="b"/>
+            <a:pathLst>
+              <a:path w="8042" h="10000">
+                <a:moveTo>
+                  <a:pt x="5799" y="10000"/>
+                </a:moveTo>
+                <a:cubicBezTo>
+                  <a:pt x="5880" y="10000"/>
+                  <a:pt x="5934" y="9940"/>
+                  <a:pt x="5961" y="9880"/>
+                </a:cubicBezTo>
+                <a:cubicBezTo>
+                  <a:pt x="5961" y="9820"/>
+                  <a:pt x="5988" y="9820"/>
+                  <a:pt x="5988" y="9820"/>
+                </a:cubicBezTo>
+                <a:lnTo>
+                  <a:pt x="8042" y="5260"/>
+                </a:lnTo>
+                <a:cubicBezTo>
+                  <a:pt x="8096" y="5140"/>
+                  <a:pt x="8096" y="4901"/>
+                  <a:pt x="8042" y="4721"/>
+                </a:cubicBezTo>
+                <a:lnTo>
+                  <a:pt x="5988" y="221"/>
+                </a:lnTo>
+                <a:cubicBezTo>
+                  <a:pt x="5988" y="160"/>
+                  <a:pt x="5961" y="160"/>
+                  <a:pt x="5961" y="160"/>
+                </a:cubicBezTo>
+                <a:cubicBezTo>
+                  <a:pt x="5934" y="101"/>
+                  <a:pt x="5880" y="41"/>
+                  <a:pt x="5799" y="41"/>
+                </a:cubicBezTo>
+                <a:lnTo>
+                  <a:pt x="18" y="0"/>
+                </a:lnTo>
+                <a:cubicBezTo>
+                  <a:pt x="12" y="3330"/>
+                  <a:pt x="6" y="6661"/>
+                  <a:pt x="0" y="9991"/>
+                </a:cubicBezTo>
+                <a:lnTo>
+                  <a:pt x="5799" y="10000"/>
+                </a:lnTo>
+                <a:close/>
+              </a:path>
+            </a:pathLst>
+          </a:custGeom>
+          <a:solidFill>
+            <a:schemeClr val="accent1"/>
+          </a:solidFill>
+          <a:ln>
+            <a:noFill/>
+          </a:ln>
+        </p:spPr>
+      </p:sp>
+      <p:sp>
+        <p:nvSpPr>
+          <p:cNvPr id="6" name="Slide Number Placeholder 5"/>
+          <p:cNvSpPr>
+            <a:spLocks noGrp="1"/>
+          </p:cNvSpPr>
+          <p:nvPr>
+            <p:ph type="sldNum" sz="quarter" idx="12"/>
+          </p:nvPr>
+        </p:nvSpPr>
         <p:spPr>
           <a:xfrm>
-            <a:off x="3623733" y="6117336"/>
-            <a:ext cx="3609438" cy="365125"/>
-          </a:xfrm>
-        </p:spPr>
-        <p:txBody>
-          <a:bodyPr/>
-          <a:lstStyle/>
-          <a:p>
-            <a:endParaRPr lang="en-US" dirty="0"/>
-          </a:p>
-        </p:txBody>
-      </p:sp>
-      <p:sp>
-        <p:nvSpPr>
-          <p:cNvPr id="6" name="Slide Number Placeholder 5"/>
-          <p:cNvSpPr>
-            <a:spLocks noGrp="1"/>
-          </p:cNvSpPr>
-          <p:nvPr>
-            <p:ph type="sldNum" sz="quarter" idx="12"/>
-          </p:nvPr>
-        </p:nvSpPr>
-        <p:spPr>
-          <a:xfrm>
-            <a:off x="8275320" y="6117336"/>
-            <a:ext cx="411480" cy="365125"/>
+            <a:off x="423334" y="4529541"/>
+            <a:ext cx="584978" cy="365125"/>
           </a:xfrm>
         </p:spPr>
         <p:txBody>
@@ -691,120 +434,10 @@
           </a:p>
         </p:txBody>
       </p:sp>
-      <p:sp>
-        <p:nvSpPr>
-          <p:cNvPr id="23" name="Freeform 12"/>
-          <p:cNvSpPr/>
-          <p:nvPr/>
-        </p:nvSpPr>
-        <p:spPr bwMode="auto">
-          <a:xfrm>
-            <a:off x="203200" y="3771900"/>
-            <a:ext cx="361950" cy="90488"/>
-          </a:xfrm>
-          <a:custGeom>
-            <a:avLst/>
-            <a:gdLst/>
-            <a:ahLst/>
-            <a:cxnLst/>
-            <a:rect l="0" t="0" r="r" b="b"/>
-            <a:pathLst>
-              <a:path w="228" h="57">
-                <a:moveTo>
-                  <a:pt x="228" y="57"/>
-                </a:moveTo>
-                <a:lnTo>
-                  <a:pt x="0" y="0"/>
-                </a:lnTo>
-                <a:lnTo>
-                  <a:pt x="222" y="54"/>
-                </a:lnTo>
-                <a:lnTo>
-                  <a:pt x="228" y="57"/>
-                </a:lnTo>
-                <a:close/>
-              </a:path>
-            </a:pathLst>
-          </a:custGeom>
-          <a:solidFill>
-            <a:srgbClr val="29ABE2"/>
-          </a:solidFill>
-          <a:ln>
-            <a:noFill/>
-          </a:ln>
-          <a:extLst>
-            <a:ext uri="{91240B29-F687-4f45-9708-019B960494DF}">
-              <a14:hiddenLine xmlns="" xmlns:a14="http://schemas.microsoft.com/office/drawing/2010/main" w="9525">
-                <a:solidFill>
-                  <a:srgbClr val="000000"/>
-                </a:solidFill>
-                <a:round/>
-                <a:headEnd/>
-                <a:tailEnd/>
-              </a14:hiddenLine>
-            </a:ext>
-          </a:extLst>
-        </p:spPr>
-      </p:sp>
-      <p:sp>
-        <p:nvSpPr>
-          <p:cNvPr id="24" name="Freeform 13"/>
-          <p:cNvSpPr/>
-          <p:nvPr/>
-        </p:nvSpPr>
-        <p:spPr bwMode="auto">
-          <a:xfrm>
-            <a:off x="560388" y="3867150"/>
-            <a:ext cx="61913" cy="80963"/>
-          </a:xfrm>
-          <a:custGeom>
-            <a:avLst/>
-            <a:gdLst/>
-            <a:ahLst/>
-            <a:cxnLst/>
-            <a:rect l="0" t="0" r="r" b="b"/>
-            <a:pathLst>
-              <a:path w="39" h="51">
-                <a:moveTo>
-                  <a:pt x="0" y="0"/>
-                </a:moveTo>
-                <a:lnTo>
-                  <a:pt x="39" y="51"/>
-                </a:lnTo>
-                <a:lnTo>
-                  <a:pt x="3" y="0"/>
-                </a:lnTo>
-                <a:lnTo>
-                  <a:pt x="0" y="0"/>
-                </a:lnTo>
-                <a:close/>
-              </a:path>
-            </a:pathLst>
-          </a:custGeom>
-          <a:solidFill>
-            <a:srgbClr val="29ABE2"/>
-          </a:solidFill>
-          <a:ln>
-            <a:noFill/>
-          </a:ln>
-          <a:extLst>
-            <a:ext uri="{91240B29-F687-4f45-9708-019B960494DF}">
-              <a14:hiddenLine xmlns="" xmlns:a14="http://schemas.microsoft.com/office/drawing/2010/main" w="9525">
-                <a:solidFill>
-                  <a:srgbClr val="000000"/>
-                </a:solidFill>
-                <a:round/>
-                <a:headEnd/>
-                <a:tailEnd/>
-              </a14:hiddenLine>
-            </a:ext>
-          </a:extLst>
-        </p:spPr>
-      </p:sp>
     </p:spTree>
     <p:extLst>
       <p:ext uri="{BB962C8B-B14F-4D97-AF65-F5344CB8AC3E}">
-        <p14:creationId xmlns:p14="http://schemas.microsoft.com/office/powerpoint/2010/main" val="736948043"/>
+        <p14:creationId xmlns:p14="http://schemas.microsoft.com/office/powerpoint/2010/main" val="3656360016"/>
       </p:ext>
     </p:extLst>
   </p:cSld>
@@ -815,299 +448,6 @@
 </file>
 
 <file path=ppt/slideLayouts/slideLayout10.xml><?xml version="1.0" encoding="utf-8"?>
-<p:sldLayout xmlns:a="http://schemas.openxmlformats.org/drawingml/2006/main" xmlns:r="http://schemas.openxmlformats.org/officeDocument/2006/relationships" xmlns:p="http://schemas.openxmlformats.org/presentationml/2006/main" preserve="1">
-  <p:cSld name="带描述的全景图片">
-    <p:spTree>
-      <p:nvGrpSpPr>
-        <p:cNvPr id="1" name=""/>
-        <p:cNvGrpSpPr/>
-        <p:nvPr/>
-      </p:nvGrpSpPr>
-      <p:grpSpPr>
-        <a:xfrm>
-          <a:off x="0" y="0"/>
-          <a:ext cx="0" cy="0"/>
-          <a:chOff x="0" y="0"/>
-          <a:chExt cx="0" cy="0"/>
-        </a:xfrm>
-      </p:grpSpPr>
-      <p:sp>
-        <p:nvSpPr>
-          <p:cNvPr id="2" name="Title 1"/>
-          <p:cNvSpPr>
-            <a:spLocks noGrp="1"/>
-          </p:cNvSpPr>
-          <p:nvPr>
-            <p:ph type="title"/>
-          </p:nvPr>
-        </p:nvSpPr>
-        <p:spPr>
-          <a:xfrm>
-            <a:off x="1113523" y="4732865"/>
-            <a:ext cx="7515991" cy="566738"/>
-          </a:xfrm>
-        </p:spPr>
-        <p:txBody>
-          <a:bodyPr anchor="b">
-            <a:normAutofit/>
-          </a:bodyPr>
-          <a:lstStyle>
-            <a:lvl1pPr algn="ctr">
-              <a:defRPr sz="2400" b="0"/>
-            </a:lvl1pPr>
-          </a:lstStyle>
-          <a:p>
-            <a:r>
-              <a:rPr lang="zh-CN" altLang="en-US" smtClean="0"/>
-              <a:t>单击此处编辑母版标题样式</a:t>
-            </a:r>
-            <a:endParaRPr lang="en-US" dirty="0"/>
-          </a:p>
-        </p:txBody>
-      </p:sp>
-      <p:sp>
-        <p:nvSpPr>
-          <p:cNvPr id="3" name="Picture Placeholder 2"/>
-          <p:cNvSpPr>
-            <a:spLocks noGrp="1" noChangeAspect="1"/>
-          </p:cNvSpPr>
-          <p:nvPr>
-            <p:ph type="pic" idx="1"/>
-          </p:nvPr>
-        </p:nvSpPr>
-        <p:spPr>
-          <a:xfrm>
-            <a:off x="1789975" y="932112"/>
-            <a:ext cx="6171065" cy="3164976"/>
-          </a:xfrm>
-          <a:prstGeom prst="roundRect">
-            <a:avLst>
-              <a:gd name="adj" fmla="val 4380"/>
-            </a:avLst>
-          </a:prstGeom>
-          <a:ln w="38100">
-            <a:gradFill flip="none" rotWithShape="1">
-              <a:gsLst>
-                <a:gs pos="0">
-                  <a:schemeClr val="bg2"/>
-                </a:gs>
-                <a:gs pos="100000">
-                  <a:schemeClr val="bg2">
-                    <a:lumMod val="75000"/>
-                  </a:schemeClr>
-                </a:gs>
-              </a:gsLst>
-              <a:lin ang="5400000" scaled="0"/>
-              <a:tileRect/>
-            </a:gradFill>
-          </a:ln>
-          <a:effectLst>
-            <a:innerShdw blurRad="57150" dist="38100" dir="14460000">
-              <a:srgbClr val="000000">
-                <a:alpha val="70000"/>
-              </a:srgbClr>
-            </a:innerShdw>
-          </a:effectLst>
-        </p:spPr>
-        <p:txBody>
-          <a:bodyPr anchor="t">
-            <a:normAutofit/>
-          </a:bodyPr>
-          <a:lstStyle>
-            <a:lvl1pPr marL="0" indent="0" algn="ctr">
-              <a:buNone/>
-              <a:defRPr sz="1600"/>
-            </a:lvl1pPr>
-            <a:lvl2pPr marL="457200" indent="0">
-              <a:buNone/>
-              <a:defRPr sz="1600"/>
-            </a:lvl2pPr>
-            <a:lvl3pPr marL="914400" indent="0">
-              <a:buNone/>
-              <a:defRPr sz="1600"/>
-            </a:lvl3pPr>
-            <a:lvl4pPr marL="1371600" indent="0">
-              <a:buNone/>
-              <a:defRPr sz="1600"/>
-            </a:lvl4pPr>
-            <a:lvl5pPr marL="1828800" indent="0">
-              <a:buNone/>
-              <a:defRPr sz="1600"/>
-            </a:lvl5pPr>
-            <a:lvl6pPr marL="2286000" indent="0">
-              <a:buNone/>
-              <a:defRPr sz="1600"/>
-            </a:lvl6pPr>
-            <a:lvl7pPr marL="2743200" indent="0">
-              <a:buNone/>
-              <a:defRPr sz="1600"/>
-            </a:lvl7pPr>
-            <a:lvl8pPr marL="3200400" indent="0">
-              <a:buNone/>
-              <a:defRPr sz="1600"/>
-            </a:lvl8pPr>
-            <a:lvl9pPr marL="3657600" indent="0">
-              <a:buNone/>
-              <a:defRPr sz="1600"/>
-            </a:lvl9pPr>
-          </a:lstStyle>
-          <a:p>
-            <a:r>
-              <a:rPr lang="zh-CN" altLang="en-US" smtClean="0"/>
-              <a:t>单击图标添加图片</a:t>
-            </a:r>
-            <a:endParaRPr lang="en-US" dirty="0"/>
-          </a:p>
-        </p:txBody>
-      </p:sp>
-      <p:sp>
-        <p:nvSpPr>
-          <p:cNvPr id="4" name="Text Placeholder 3"/>
-          <p:cNvSpPr>
-            <a:spLocks noGrp="1"/>
-          </p:cNvSpPr>
-          <p:nvPr>
-            <p:ph type="body" sz="half" idx="2"/>
-          </p:nvPr>
-        </p:nvSpPr>
-        <p:spPr>
-          <a:xfrm>
-            <a:off x="1113523" y="5299603"/>
-            <a:ext cx="7515991" cy="493712"/>
-          </a:xfrm>
-        </p:spPr>
-        <p:txBody>
-          <a:bodyPr>
-            <a:normAutofit/>
-          </a:bodyPr>
-          <a:lstStyle>
-            <a:lvl1pPr marL="0" indent="0" algn="ctr">
-              <a:buNone/>
-              <a:defRPr sz="1400"/>
-            </a:lvl1pPr>
-            <a:lvl2pPr marL="457200" indent="0">
-              <a:buNone/>
-              <a:defRPr sz="1200"/>
-            </a:lvl2pPr>
-            <a:lvl3pPr marL="914400" indent="0">
-              <a:buNone/>
-              <a:defRPr sz="1000"/>
-            </a:lvl3pPr>
-            <a:lvl4pPr marL="1371600" indent="0">
-              <a:buNone/>
-              <a:defRPr sz="900"/>
-            </a:lvl4pPr>
-            <a:lvl5pPr marL="1828800" indent="0">
-              <a:buNone/>
-              <a:defRPr sz="900"/>
-            </a:lvl5pPr>
-            <a:lvl6pPr marL="2286000" indent="0">
-              <a:buNone/>
-              <a:defRPr sz="900"/>
-            </a:lvl6pPr>
-            <a:lvl7pPr marL="2743200" indent="0">
-              <a:buNone/>
-              <a:defRPr sz="900"/>
-            </a:lvl7pPr>
-            <a:lvl8pPr marL="3200400" indent="0">
-              <a:buNone/>
-              <a:defRPr sz="900"/>
-            </a:lvl8pPr>
-            <a:lvl9pPr marL="3657600" indent="0">
-              <a:buNone/>
-              <a:defRPr sz="900"/>
-            </a:lvl9pPr>
-          </a:lstStyle>
-          <a:p>
-            <a:pPr lvl="0"/>
-            <a:r>
-              <a:rPr lang="zh-CN" altLang="en-US" smtClean="0"/>
-              <a:t>单击此处编辑母版文本样式</a:t>
-            </a:r>
-          </a:p>
-        </p:txBody>
-      </p:sp>
-      <p:sp>
-        <p:nvSpPr>
-          <p:cNvPr id="5" name="Date Placeholder 4"/>
-          <p:cNvSpPr>
-            <a:spLocks noGrp="1"/>
-          </p:cNvSpPr>
-          <p:nvPr>
-            <p:ph type="dt" sz="half" idx="10"/>
-          </p:nvPr>
-        </p:nvSpPr>
-        <p:spPr/>
-        <p:txBody>
-          <a:bodyPr/>
-          <a:lstStyle/>
-          <a:p>
-            <a:fld id="{B61BEF0D-F0BB-DE4B-95CE-6DB70DBA9567}" type="datetimeFigureOut">
-              <a:rPr lang="en-US" smtClean="0"/>
-              <a:pPr/>
-              <a:t>10/22/2015</a:t>
-            </a:fld>
-            <a:endParaRPr lang="en-US" dirty="0"/>
-          </a:p>
-        </p:txBody>
-      </p:sp>
-      <p:sp>
-        <p:nvSpPr>
-          <p:cNvPr id="6" name="Footer Placeholder 5"/>
-          <p:cNvSpPr>
-            <a:spLocks noGrp="1"/>
-          </p:cNvSpPr>
-          <p:nvPr>
-            <p:ph type="ftr" sz="quarter" idx="11"/>
-          </p:nvPr>
-        </p:nvSpPr>
-        <p:spPr/>
-        <p:txBody>
-          <a:bodyPr/>
-          <a:lstStyle/>
-          <a:p>
-            <a:endParaRPr lang="en-US" dirty="0"/>
-          </a:p>
-        </p:txBody>
-      </p:sp>
-      <p:sp>
-        <p:nvSpPr>
-          <p:cNvPr id="7" name="Slide Number Placeholder 6"/>
-          <p:cNvSpPr>
-            <a:spLocks noGrp="1"/>
-          </p:cNvSpPr>
-          <p:nvPr>
-            <p:ph type="sldNum" sz="quarter" idx="12"/>
-          </p:nvPr>
-        </p:nvSpPr>
-        <p:spPr/>
-        <p:txBody>
-          <a:bodyPr/>
-          <a:lstStyle/>
-          <a:p>
-            <a:fld id="{D57F1E4F-1CFF-5643-939E-217C01CDF565}" type="slidenum">
-              <a:rPr lang="en-US" smtClean="0"/>
-              <a:pPr/>
-              <a:t>‹#›</a:t>
-            </a:fld>
-            <a:endParaRPr lang="en-US" dirty="0"/>
-          </a:p>
-        </p:txBody>
-      </p:sp>
-    </p:spTree>
-    <p:extLst>
-      <p:ext uri="{BB962C8B-B14F-4D97-AF65-F5344CB8AC3E}">
-        <p14:creationId xmlns:p14="http://schemas.microsoft.com/office/powerpoint/2010/main" val="9867177"/>
-      </p:ext>
-    </p:extLst>
-  </p:cSld>
-  <p:clrMapOvr>
-    <a:masterClrMapping/>
-  </p:clrMapOvr>
-</p:sldLayout>
-</file>
-
-<file path=ppt/slideLayouts/slideLayout11.xml><?xml version="1.0" encoding="utf-8"?>
 <p:sldLayout xmlns:a="http://schemas.openxmlformats.org/drawingml/2006/main" xmlns:r="http://schemas.openxmlformats.org/officeDocument/2006/relationships" xmlns:p="http://schemas.openxmlformats.org/presentationml/2006/main" preserve="1">
   <p:cSld name="标题和描述">
     <p:spTree>
@@ -1136,8 +476,8 @@
         </p:nvSpPr>
         <p:spPr>
           <a:xfrm>
-            <a:off x="1113524" y="685800"/>
-            <a:ext cx="7515991" cy="3048000"/>
+            <a:off x="1942415" y="609600"/>
+            <a:ext cx="6591985" cy="3117040"/>
           </a:xfrm>
         </p:spPr>
         <p:txBody>
@@ -1145,8 +485,8 @@
             <a:normAutofit/>
           </a:bodyPr>
           <a:lstStyle>
-            <a:lvl1pPr algn="ctr">
-              <a:defRPr sz="3200" b="0" cap="none"/>
+            <a:lvl1pPr algn="l">
+              <a:defRPr sz="4800" b="0" cap="none"/>
             </a:lvl1pPr>
           </a:lstStyle>
           <a:p>
@@ -1170,8 +510,8 @@
         </p:nvSpPr>
         <p:spPr>
           <a:xfrm>
-            <a:off x="1113524" y="4343400"/>
-            <a:ext cx="7515992" cy="1447800"/>
+            <a:off x="1942415" y="4354046"/>
+            <a:ext cx="6591985" cy="1555864"/>
           </a:xfrm>
         </p:spPr>
         <p:txBody>
@@ -1179,11 +519,14 @@
             <a:normAutofit/>
           </a:bodyPr>
           <a:lstStyle>
-            <a:lvl1pPr marL="0" indent="0" algn="ctr">
-              <a:buNone/>
-              <a:defRPr sz="2000">
+            <a:lvl1pPr marL="0" indent="0" algn="l">
+              <a:buNone/>
+              <a:defRPr sz="1800">
                 <a:solidFill>
-                  <a:schemeClr val="tx1"/>
+                  <a:schemeClr val="tx1">
+                    <a:lumMod val="65000"/>
+                    <a:lumOff val="35000"/>
+                  </a:schemeClr>
                 </a:solidFill>
               </a:defRPr>
             </a:lvl1pPr>
@@ -1322,6 +665,86 @@
       </p:sp>
       <p:sp>
         <p:nvSpPr>
+          <p:cNvPr id="10" name="Freeform 11"/>
+          <p:cNvSpPr/>
+          <p:nvPr/>
+        </p:nvSpPr>
+        <p:spPr bwMode="auto">
+          <a:xfrm flipV="1">
+            <a:off x="58" y="3166527"/>
+            <a:ext cx="1358356" cy="508005"/>
+          </a:xfrm>
+          <a:custGeom>
+            <a:avLst/>
+            <a:gdLst/>
+            <a:ahLst/>
+            <a:cxnLst/>
+            <a:rect l="l" t="t" r="r" b="b"/>
+            <a:pathLst>
+              <a:path w="7908" h="10000">
+                <a:moveTo>
+                  <a:pt x="7908" y="4694"/>
+                </a:moveTo>
+                <a:lnTo>
+                  <a:pt x="6575" y="188"/>
+                </a:lnTo>
+                <a:cubicBezTo>
+                  <a:pt x="6566" y="157"/>
+                  <a:pt x="6555" y="125"/>
+                  <a:pt x="6546" y="94"/>
+                </a:cubicBezTo>
+                <a:cubicBezTo>
+                  <a:pt x="6519" y="0"/>
+                  <a:pt x="6491" y="0"/>
+                  <a:pt x="6463" y="0"/>
+                </a:cubicBezTo>
+                <a:lnTo>
+                  <a:pt x="5935" y="0"/>
+                </a:lnTo>
+                <a:lnTo>
+                  <a:pt x="0" y="62"/>
+                </a:lnTo>
+                <a:lnTo>
+                  <a:pt x="0" y="10000"/>
+                </a:lnTo>
+                <a:lnTo>
+                  <a:pt x="5935" y="9952"/>
+                </a:lnTo>
+                <a:lnTo>
+                  <a:pt x="6463" y="9952"/>
+                </a:lnTo>
+                <a:cubicBezTo>
+                  <a:pt x="6491" y="9952"/>
+                  <a:pt x="6519" y="9859"/>
+                  <a:pt x="6546" y="9859"/>
+                </a:cubicBezTo>
+                <a:cubicBezTo>
+                  <a:pt x="6546" y="9764"/>
+                  <a:pt x="6575" y="9764"/>
+                  <a:pt x="6575" y="9764"/>
+                </a:cubicBezTo>
+                <a:lnTo>
+                  <a:pt x="7908" y="5258"/>
+                </a:lnTo>
+                <a:cubicBezTo>
+                  <a:pt x="7963" y="5070"/>
+                  <a:pt x="7963" y="4883"/>
+                  <a:pt x="7908" y="4694"/>
+                </a:cubicBezTo>
+                <a:close/>
+              </a:path>
+            </a:pathLst>
+          </a:custGeom>
+          <a:solidFill>
+            <a:schemeClr val="accent1"/>
+          </a:solidFill>
+          <a:ln>
+            <a:noFill/>
+          </a:ln>
+        </p:spPr>
+      </p:sp>
+      <p:sp>
+        <p:nvSpPr>
           <p:cNvPr id="6" name="Slide Number Placeholder 5"/>
           <p:cNvSpPr>
             <a:spLocks noGrp="1"/>
@@ -1330,7 +753,12 @@
             <p:ph type="sldNum" sz="quarter" idx="12"/>
           </p:nvPr>
         </p:nvSpPr>
-        <p:spPr/>
+        <p:spPr>
+          <a:xfrm>
+            <a:off x="511228" y="3244140"/>
+            <a:ext cx="584978" cy="365125"/>
+          </a:xfrm>
+        </p:spPr>
         <p:txBody>
           <a:bodyPr/>
           <a:lstStyle/>
@@ -1347,7 +775,7 @@
     </p:spTree>
     <p:extLst>
       <p:ext uri="{BB962C8B-B14F-4D97-AF65-F5344CB8AC3E}">
-        <p14:creationId xmlns:p14="http://schemas.microsoft.com/office/powerpoint/2010/main" val="1253473878"/>
+        <p14:creationId xmlns:p14="http://schemas.microsoft.com/office/powerpoint/2010/main" val="1347157540"/>
       </p:ext>
     </p:extLst>
   </p:cSld>
@@ -1357,7 +785,7 @@
 </p:sldLayout>
 </file>
 
-<file path=ppt/slideLayouts/slideLayout12.xml><?xml version="1.0" encoding="utf-8"?>
+<file path=ppt/slideLayouts/slideLayout11.xml><?xml version="1.0" encoding="utf-8"?>
 <p:sldLayout xmlns:a="http://schemas.openxmlformats.org/drawingml/2006/main" xmlns:r="http://schemas.openxmlformats.org/officeDocument/2006/relationships" xmlns:p="http://schemas.openxmlformats.org/presentationml/2006/main" preserve="1">
   <p:cSld name="带描述的引言">
     <p:spTree>
@@ -1376,250 +804,18 @@
       </p:grpSpPr>
       <p:sp>
         <p:nvSpPr>
-          <p:cNvPr id="14" name="TextBox 13"/>
-          <p:cNvSpPr txBox="1"/>
-          <p:nvPr/>
+          <p:cNvPr id="2" name="Title 1"/>
+          <p:cNvSpPr>
+            <a:spLocks noGrp="1"/>
+          </p:cNvSpPr>
+          <p:nvPr>
+            <p:ph type="title"/>
+          </p:nvPr>
         </p:nvSpPr>
         <p:spPr>
           <a:xfrm>
-            <a:off x="969421" y="863023"/>
-            <a:ext cx="457319" cy="584776"/>
-          </a:xfrm>
-          <a:prstGeom prst="rect">
-            <a:avLst/>
-          </a:prstGeom>
-        </p:spPr>
-        <p:txBody>
-          <a:bodyPr vert="horz" lIns="91440" tIns="45720" rIns="91440" bIns="45720" rtlCol="0" anchor="ctr">
-            <a:noAutofit/>
-          </a:bodyPr>
-          <a:lstStyle>
-            <a:lvl1pPr>
-              <a:spcBef>
-                <a:spcPct val="0"/>
-              </a:spcBef>
-              <a:buNone/>
-              <a:defRPr sz="3200" b="0" cap="all">
-                <a:ln w="3175" cmpd="sng">
-                  <a:noFill/>
-                </a:ln>
-                <a:effectLst>
-                  <a:glow rad="38100">
-                    <a:schemeClr val="bg1">
-                      <a:lumMod val="65000"/>
-                      <a:lumOff val="35000"/>
-                      <a:alpha val="40000"/>
-                    </a:schemeClr>
-                  </a:glow>
-                  <a:outerShdw blurRad="28575" dist="38100" dir="14040000" algn="tl" rotWithShape="0">
-                    <a:srgbClr val="000000">
-                      <a:alpha val="25000"/>
-                    </a:srgbClr>
-                  </a:outerShdw>
-                </a:effectLst>
-              </a:defRPr>
-            </a:lvl1pPr>
-            <a:lvl2pPr>
-              <a:defRPr>
-                <a:solidFill>
-                  <a:schemeClr val="tx2"/>
-                </a:solidFill>
-              </a:defRPr>
-            </a:lvl2pPr>
-            <a:lvl3pPr>
-              <a:defRPr>
-                <a:solidFill>
-                  <a:schemeClr val="tx2"/>
-                </a:solidFill>
-              </a:defRPr>
-            </a:lvl3pPr>
-            <a:lvl4pPr>
-              <a:defRPr>
-                <a:solidFill>
-                  <a:schemeClr val="tx2"/>
-                </a:solidFill>
-              </a:defRPr>
-            </a:lvl4pPr>
-            <a:lvl5pPr>
-              <a:defRPr>
-                <a:solidFill>
-                  <a:schemeClr val="tx2"/>
-                </a:solidFill>
-              </a:defRPr>
-            </a:lvl5pPr>
-            <a:lvl6pPr>
-              <a:defRPr>
-                <a:solidFill>
-                  <a:schemeClr val="tx2"/>
-                </a:solidFill>
-              </a:defRPr>
-            </a:lvl6pPr>
-            <a:lvl7pPr>
-              <a:defRPr>
-                <a:solidFill>
-                  <a:schemeClr val="tx2"/>
-                </a:solidFill>
-              </a:defRPr>
-            </a:lvl7pPr>
-            <a:lvl8pPr>
-              <a:defRPr>
-                <a:solidFill>
-                  <a:schemeClr val="tx2"/>
-                </a:solidFill>
-              </a:defRPr>
-            </a:lvl8pPr>
-            <a:lvl9pPr>
-              <a:defRPr>
-                <a:solidFill>
-                  <a:schemeClr val="tx2"/>
-                </a:solidFill>
-              </a:defRPr>
-            </a:lvl9pPr>
-          </a:lstStyle>
-          <a:p>
-            <a:pPr lvl="0"/>
-            <a:r>
-              <a:rPr lang="en-US" sz="8000" dirty="0">
-                <a:solidFill>
-                  <a:schemeClr val="tx1"/>
-                </a:solidFill>
-                <a:effectLst/>
-              </a:rPr>
-              <a:t>“</a:t>
-            </a:r>
-          </a:p>
-        </p:txBody>
-      </p:sp>
-      <p:sp>
-        <p:nvSpPr>
-          <p:cNvPr id="15" name="TextBox 14"/>
-          <p:cNvSpPr txBox="1"/>
-          <p:nvPr/>
-        </p:nvSpPr>
-        <p:spPr>
-          <a:xfrm>
-            <a:off x="8172197" y="2819399"/>
-            <a:ext cx="457319" cy="584776"/>
-          </a:xfrm>
-          <a:prstGeom prst="rect">
-            <a:avLst/>
-          </a:prstGeom>
-        </p:spPr>
-        <p:txBody>
-          <a:bodyPr vert="horz" lIns="91440" tIns="45720" rIns="91440" bIns="45720" rtlCol="0" anchor="ctr">
-            <a:noAutofit/>
-          </a:bodyPr>
-          <a:lstStyle>
-            <a:lvl1pPr>
-              <a:spcBef>
-                <a:spcPct val="0"/>
-              </a:spcBef>
-              <a:buNone/>
-              <a:defRPr sz="3200" b="0" cap="all">
-                <a:ln w="3175" cmpd="sng">
-                  <a:noFill/>
-                </a:ln>
-                <a:effectLst>
-                  <a:glow rad="38100">
-                    <a:schemeClr val="bg1">
-                      <a:lumMod val="65000"/>
-                      <a:lumOff val="35000"/>
-                      <a:alpha val="40000"/>
-                    </a:schemeClr>
-                  </a:glow>
-                  <a:outerShdw blurRad="28575" dist="38100" dir="14040000" algn="tl" rotWithShape="0">
-                    <a:srgbClr val="000000">
-                      <a:alpha val="25000"/>
-                    </a:srgbClr>
-                  </a:outerShdw>
-                </a:effectLst>
-              </a:defRPr>
-            </a:lvl1pPr>
-            <a:lvl2pPr>
-              <a:defRPr>
-                <a:solidFill>
-                  <a:schemeClr val="tx2"/>
-                </a:solidFill>
-              </a:defRPr>
-            </a:lvl2pPr>
-            <a:lvl3pPr>
-              <a:defRPr>
-                <a:solidFill>
-                  <a:schemeClr val="tx2"/>
-                </a:solidFill>
-              </a:defRPr>
-            </a:lvl3pPr>
-            <a:lvl4pPr>
-              <a:defRPr>
-                <a:solidFill>
-                  <a:schemeClr val="tx2"/>
-                </a:solidFill>
-              </a:defRPr>
-            </a:lvl4pPr>
-            <a:lvl5pPr>
-              <a:defRPr>
-                <a:solidFill>
-                  <a:schemeClr val="tx2"/>
-                </a:solidFill>
-              </a:defRPr>
-            </a:lvl5pPr>
-            <a:lvl6pPr>
-              <a:defRPr>
-                <a:solidFill>
-                  <a:schemeClr val="tx2"/>
-                </a:solidFill>
-              </a:defRPr>
-            </a:lvl6pPr>
-            <a:lvl7pPr>
-              <a:defRPr>
-                <a:solidFill>
-                  <a:schemeClr val="tx2"/>
-                </a:solidFill>
-              </a:defRPr>
-            </a:lvl7pPr>
-            <a:lvl8pPr>
-              <a:defRPr>
-                <a:solidFill>
-                  <a:schemeClr val="tx2"/>
-                </a:solidFill>
-              </a:defRPr>
-            </a:lvl8pPr>
-            <a:lvl9pPr>
-              <a:defRPr>
-                <a:solidFill>
-                  <a:schemeClr val="tx2"/>
-                </a:solidFill>
-              </a:defRPr>
-            </a:lvl9pPr>
-          </a:lstStyle>
-          <a:p>
-            <a:pPr lvl="0" algn="r"/>
-            <a:r>
-              <a:rPr lang="en-US" sz="8000" dirty="0">
-                <a:solidFill>
-                  <a:schemeClr val="tx1"/>
-                </a:solidFill>
-                <a:effectLst/>
-              </a:rPr>
-              <a:t>”</a:t>
-            </a:r>
-          </a:p>
-        </p:txBody>
-      </p:sp>
-      <p:sp>
-        <p:nvSpPr>
-          <p:cNvPr id="2" name="Title 1"/>
-          <p:cNvSpPr>
-            <a:spLocks noGrp="1"/>
-          </p:cNvSpPr>
-          <p:nvPr>
-            <p:ph type="title"/>
-          </p:nvPr>
-        </p:nvSpPr>
-        <p:spPr>
-          <a:xfrm>
-            <a:off x="1426741" y="685801"/>
-            <a:ext cx="6974115" cy="2743199"/>
+            <a:off x="2188123" y="609600"/>
+            <a:ext cx="6109587" cy="2895600"/>
           </a:xfrm>
         </p:spPr>
         <p:txBody>
@@ -1627,37 +823,96 @@
             <a:normAutofit/>
           </a:bodyPr>
           <a:lstStyle>
-            <a:lvl1pPr algn="ctr">
-              <a:defRPr sz="3200" b="0" cap="none">
+            <a:lvl1pPr algn="l">
+              <a:defRPr sz="4800" b="0" cap="none"/>
+            </a:lvl1pPr>
+          </a:lstStyle>
+          <a:p>
+            <a:r>
+              <a:rPr lang="zh-CN" altLang="en-US" smtClean="0"/>
+              <a:t>单击此处编辑母版标题样式</a:t>
+            </a:r>
+            <a:endParaRPr lang="en-US" dirty="0"/>
+          </a:p>
+        </p:txBody>
+      </p:sp>
+      <p:sp>
+        <p:nvSpPr>
+          <p:cNvPr id="13" name="Text Placeholder 9"/>
+          <p:cNvSpPr>
+            <a:spLocks noGrp="1"/>
+          </p:cNvSpPr>
+          <p:nvPr>
+            <p:ph type="body" sz="quarter" idx="13"/>
+          </p:nvPr>
+        </p:nvSpPr>
+        <p:spPr>
+          <a:xfrm>
+            <a:off x="2415972" y="3505200"/>
+            <a:ext cx="5653888" cy="381000"/>
+          </a:xfrm>
+        </p:spPr>
+        <p:txBody>
+          <a:bodyPr anchor="ctr">
+            <a:noAutofit/>
+          </a:bodyPr>
+          <a:lstStyle>
+            <a:lvl1pPr marL="0" indent="0">
+              <a:buFontTx/>
+              <a:buNone/>
+              <a:defRPr sz="1600">
                 <a:solidFill>
-                  <a:schemeClr val="tx1"/>
+                  <a:schemeClr val="tx1">
+                    <a:lumMod val="50000"/>
+                    <a:lumOff val="50000"/>
+                  </a:schemeClr>
                 </a:solidFill>
               </a:defRPr>
             </a:lvl1pPr>
+            <a:lvl2pPr marL="457200" indent="0">
+              <a:buFontTx/>
+              <a:buNone/>
+              <a:defRPr/>
+            </a:lvl2pPr>
+            <a:lvl3pPr marL="914400" indent="0">
+              <a:buFontTx/>
+              <a:buNone/>
+              <a:defRPr/>
+            </a:lvl3pPr>
+            <a:lvl4pPr marL="1371600" indent="0">
+              <a:buFontTx/>
+              <a:buNone/>
+              <a:defRPr/>
+            </a:lvl4pPr>
+            <a:lvl5pPr marL="1828800" indent="0">
+              <a:buFontTx/>
+              <a:buNone/>
+              <a:defRPr/>
+            </a:lvl5pPr>
           </a:lstStyle>
           <a:p>
+            <a:pPr lvl="0"/>
             <a:r>
               <a:rPr lang="zh-CN" altLang="en-US" smtClean="0"/>
-              <a:t>单击此处编辑母版标题样式</a:t>
-            </a:r>
-            <a:endParaRPr lang="en-US" dirty="0"/>
-          </a:p>
-        </p:txBody>
-      </p:sp>
-      <p:sp>
-        <p:nvSpPr>
-          <p:cNvPr id="10" name="Text Placeholder 9"/>
-          <p:cNvSpPr>
-            <a:spLocks noGrp="1"/>
-          </p:cNvSpPr>
-          <p:nvPr>
-            <p:ph type="body" sz="quarter" idx="13"/>
+              <a:t>单击此处编辑母版文本样式</a:t>
+            </a:r>
+          </a:p>
+        </p:txBody>
+      </p:sp>
+      <p:sp>
+        <p:nvSpPr>
+          <p:cNvPr id="3" name="Text Placeholder 2"/>
+          <p:cNvSpPr>
+            <a:spLocks noGrp="1"/>
+          </p:cNvSpPr>
+          <p:nvPr>
+            <p:ph type="body" idx="1"/>
           </p:nvPr>
         </p:nvSpPr>
         <p:spPr>
           <a:xfrm>
-            <a:off x="1598235" y="3428999"/>
-            <a:ext cx="6631128" cy="381000"/>
+            <a:off x="1942415" y="4354046"/>
+            <a:ext cx="6591985" cy="1555864"/>
           </a:xfrm>
         </p:spPr>
         <p:txBody>
@@ -1665,67 +920,14 @@
             <a:normAutofit/>
           </a:bodyPr>
           <a:lstStyle>
-            <a:lvl1pPr marL="0" indent="0">
-              <a:buFontTx/>
-              <a:buNone/>
-              <a:defRPr sz="1800"/>
-            </a:lvl1pPr>
-            <a:lvl2pPr marL="457200" indent="0">
-              <a:buFontTx/>
-              <a:buNone/>
-              <a:defRPr/>
-            </a:lvl2pPr>
-            <a:lvl3pPr marL="914400" indent="0">
-              <a:buFontTx/>
-              <a:buNone/>
-              <a:defRPr/>
-            </a:lvl3pPr>
-            <a:lvl4pPr marL="1371600" indent="0">
-              <a:buFontTx/>
-              <a:buNone/>
-              <a:defRPr/>
-            </a:lvl4pPr>
-            <a:lvl5pPr marL="1828800" indent="0">
-              <a:buFontTx/>
-              <a:buNone/>
-              <a:defRPr/>
-            </a:lvl5pPr>
-          </a:lstStyle>
-          <a:p>
-            <a:pPr lvl="0"/>
-            <a:r>
-              <a:rPr lang="zh-CN" altLang="en-US" smtClean="0"/>
-              <a:t>单击此处编辑母版文本样式</a:t>
-            </a:r>
-          </a:p>
-        </p:txBody>
-      </p:sp>
-      <p:sp>
-        <p:nvSpPr>
-          <p:cNvPr id="3" name="Text Placeholder 2"/>
-          <p:cNvSpPr>
-            <a:spLocks noGrp="1"/>
-          </p:cNvSpPr>
-          <p:nvPr>
-            <p:ph type="body" idx="1"/>
-          </p:nvPr>
-        </p:nvSpPr>
-        <p:spPr>
-          <a:xfrm>
-            <a:off x="1113523" y="4343400"/>
-            <a:ext cx="7515991" cy="1447800"/>
-          </a:xfrm>
-        </p:spPr>
-        <p:txBody>
-          <a:bodyPr anchor="ctr">
-            <a:normAutofit/>
-          </a:bodyPr>
-          <a:lstStyle>
-            <a:lvl1pPr marL="0" indent="0" algn="ctr">
-              <a:buNone/>
-              <a:defRPr sz="2000">
+            <a:lvl1pPr marL="0" indent="0" algn="l">
+              <a:buNone/>
+              <a:defRPr sz="1800">
                 <a:solidFill>
-                  <a:schemeClr val="tx1"/>
+                  <a:schemeClr val="tx1">
+                    <a:lumMod val="65000"/>
+                    <a:lumOff val="35000"/>
+                  </a:schemeClr>
                 </a:solidFill>
               </a:defRPr>
             </a:lvl1pPr>
@@ -1864,6 +1066,86 @@
       </p:sp>
       <p:sp>
         <p:nvSpPr>
+          <p:cNvPr id="19" name="Freeform 11"/>
+          <p:cNvSpPr/>
+          <p:nvPr/>
+        </p:nvSpPr>
+        <p:spPr bwMode="auto">
+          <a:xfrm flipV="1">
+            <a:off x="58" y="3166527"/>
+            <a:ext cx="1358356" cy="508005"/>
+          </a:xfrm>
+          <a:custGeom>
+            <a:avLst/>
+            <a:gdLst/>
+            <a:ahLst/>
+            <a:cxnLst/>
+            <a:rect l="l" t="t" r="r" b="b"/>
+            <a:pathLst>
+              <a:path w="7908" h="10000">
+                <a:moveTo>
+                  <a:pt x="7908" y="4694"/>
+                </a:moveTo>
+                <a:lnTo>
+                  <a:pt x="6575" y="188"/>
+                </a:lnTo>
+                <a:cubicBezTo>
+                  <a:pt x="6566" y="157"/>
+                  <a:pt x="6555" y="125"/>
+                  <a:pt x="6546" y="94"/>
+                </a:cubicBezTo>
+                <a:cubicBezTo>
+                  <a:pt x="6519" y="0"/>
+                  <a:pt x="6491" y="0"/>
+                  <a:pt x="6463" y="0"/>
+                </a:cubicBezTo>
+                <a:lnTo>
+                  <a:pt x="5935" y="0"/>
+                </a:lnTo>
+                <a:lnTo>
+                  <a:pt x="0" y="62"/>
+                </a:lnTo>
+                <a:lnTo>
+                  <a:pt x="0" y="10000"/>
+                </a:lnTo>
+                <a:lnTo>
+                  <a:pt x="5935" y="9952"/>
+                </a:lnTo>
+                <a:lnTo>
+                  <a:pt x="6463" y="9952"/>
+                </a:lnTo>
+                <a:cubicBezTo>
+                  <a:pt x="6491" y="9952"/>
+                  <a:pt x="6519" y="9859"/>
+                  <a:pt x="6546" y="9859"/>
+                </a:cubicBezTo>
+                <a:cubicBezTo>
+                  <a:pt x="6546" y="9764"/>
+                  <a:pt x="6575" y="9764"/>
+                  <a:pt x="6575" y="9764"/>
+                </a:cubicBezTo>
+                <a:lnTo>
+                  <a:pt x="7908" y="5258"/>
+                </a:lnTo>
+                <a:cubicBezTo>
+                  <a:pt x="7963" y="5070"/>
+                  <a:pt x="7963" y="4883"/>
+                  <a:pt x="7908" y="4694"/>
+                </a:cubicBezTo>
+                <a:close/>
+              </a:path>
+            </a:pathLst>
+          </a:custGeom>
+          <a:solidFill>
+            <a:schemeClr val="accent1"/>
+          </a:solidFill>
+          <a:ln>
+            <a:noFill/>
+          </a:ln>
+        </p:spPr>
+      </p:sp>
+      <p:sp>
+        <p:nvSpPr>
           <p:cNvPr id="6" name="Slide Number Placeholder 5"/>
           <p:cNvSpPr>
             <a:spLocks noGrp="1"/>
@@ -1872,7 +1154,12 @@
             <p:ph type="sldNum" sz="quarter" idx="12"/>
           </p:nvPr>
         </p:nvSpPr>
-        <p:spPr/>
+        <p:spPr>
+          <a:xfrm>
+            <a:off x="511228" y="3244140"/>
+            <a:ext cx="584978" cy="365125"/>
+          </a:xfrm>
+        </p:spPr>
         <p:txBody>
           <a:bodyPr/>
           <a:lstStyle/>
@@ -1886,10 +1173,86 @@
           </a:p>
         </p:txBody>
       </p:sp>
+      <p:sp>
+        <p:nvSpPr>
+          <p:cNvPr id="14" name="TextBox 13"/>
+          <p:cNvSpPr txBox="1"/>
+          <p:nvPr/>
+        </p:nvSpPr>
+        <p:spPr>
+          <a:xfrm>
+            <a:off x="1808316" y="648005"/>
+            <a:ext cx="457319" cy="584776"/>
+          </a:xfrm>
+          <a:prstGeom prst="rect">
+            <a:avLst/>
+          </a:prstGeom>
+        </p:spPr>
+        <p:txBody>
+          <a:bodyPr vert="horz" lIns="91440" tIns="45720" rIns="91440" bIns="45720" rtlCol="0" anchor="ctr">
+            <a:noAutofit/>
+          </a:bodyPr>
+          <a:lstStyle/>
+          <a:p>
+            <a:pPr lvl="0"/>
+            <a:r>
+              <a:rPr lang="en-US" sz="8000" baseline="0" dirty="0">
+                <a:ln w="3175" cmpd="sng">
+                  <a:noFill/>
+                </a:ln>
+                <a:solidFill>
+                  <a:schemeClr val="accent1"/>
+                </a:solidFill>
+                <a:effectLst/>
+                <a:latin typeface="Arial"/>
+              </a:rPr>
+              <a:t>“</a:t>
+            </a:r>
+          </a:p>
+        </p:txBody>
+      </p:sp>
+      <p:sp>
+        <p:nvSpPr>
+          <p:cNvPr id="15" name="TextBox 14"/>
+          <p:cNvSpPr txBox="1"/>
+          <p:nvPr/>
+        </p:nvSpPr>
+        <p:spPr>
+          <a:xfrm>
+            <a:off x="8169533" y="2905306"/>
+            <a:ext cx="457319" cy="584776"/>
+          </a:xfrm>
+          <a:prstGeom prst="rect">
+            <a:avLst/>
+          </a:prstGeom>
+        </p:spPr>
+        <p:txBody>
+          <a:bodyPr vert="horz" lIns="91440" tIns="45720" rIns="91440" bIns="45720" rtlCol="0" anchor="ctr">
+            <a:noAutofit/>
+          </a:bodyPr>
+          <a:lstStyle/>
+          <a:p>
+            <a:pPr lvl="0"/>
+            <a:r>
+              <a:rPr lang="en-US" sz="8000" baseline="0" dirty="0">
+                <a:ln w="3175" cmpd="sng">
+                  <a:noFill/>
+                </a:ln>
+                <a:solidFill>
+                  <a:schemeClr val="accent1"/>
+                </a:solidFill>
+                <a:effectLst/>
+                <a:latin typeface="Arial"/>
+              </a:rPr>
+              <a:t>”</a:t>
+            </a:r>
+          </a:p>
+        </p:txBody>
+      </p:sp>
     </p:spTree>
     <p:extLst>
       <p:ext uri="{BB962C8B-B14F-4D97-AF65-F5344CB8AC3E}">
-        <p14:creationId xmlns:p14="http://schemas.microsoft.com/office/powerpoint/2010/main" val="2485039283"/>
+        <p14:creationId xmlns:p14="http://schemas.microsoft.com/office/powerpoint/2010/main" val="4102420125"/>
       </p:ext>
     </p:extLst>
   </p:cSld>
@@ -1899,7 +1262,7 @@
 </p:sldLayout>
 </file>
 
-<file path=ppt/slideLayouts/slideLayout13.xml><?xml version="1.0" encoding="utf-8"?>
+<file path=ppt/slideLayouts/slideLayout12.xml><?xml version="1.0" encoding="utf-8"?>
 <p:sldLayout xmlns:a="http://schemas.openxmlformats.org/drawingml/2006/main" xmlns:r="http://schemas.openxmlformats.org/officeDocument/2006/relationships" xmlns:p="http://schemas.openxmlformats.org/presentationml/2006/main" preserve="1">
   <p:cSld name="名片">
     <p:spTree>
@@ -1928,8 +1291,8 @@
         </p:nvSpPr>
         <p:spPr>
           <a:xfrm>
-            <a:off x="1113525" y="3308581"/>
-            <a:ext cx="7515989" cy="1468800"/>
+            <a:off x="1942415" y="2438401"/>
+            <a:ext cx="6591985" cy="2724845"/>
           </a:xfrm>
         </p:spPr>
         <p:txBody>
@@ -1937,8 +1300,8 @@
             <a:normAutofit/>
           </a:bodyPr>
           <a:lstStyle>
-            <a:lvl1pPr algn="r">
-              <a:defRPr sz="3200" b="0" cap="none"/>
+            <a:lvl1pPr algn="l">
+              <a:defRPr sz="4800" b="0"/>
             </a:lvl1pPr>
           </a:lstStyle>
           <a:p>
@@ -1952,116 +1315,41 @@
       </p:sp>
       <p:sp>
         <p:nvSpPr>
-          <p:cNvPr id="3" name="Text Placeholder 2"/>
-          <p:cNvSpPr>
-            <a:spLocks noGrp="1"/>
-          </p:cNvSpPr>
-          <p:nvPr>
-            <p:ph type="body" idx="1"/>
+          <p:cNvPr id="4" name="Text Placeholder 3"/>
+          <p:cNvSpPr>
+            <a:spLocks noGrp="1"/>
+          </p:cNvSpPr>
+          <p:nvPr>
+            <p:ph type="body" sz="half" idx="2"/>
           </p:nvPr>
         </p:nvSpPr>
         <p:spPr>
           <a:xfrm>
-            <a:off x="1113524" y="4777381"/>
-            <a:ext cx="7515990" cy="860400"/>
+            <a:off x="1942415" y="5181600"/>
+            <a:ext cx="6591985" cy="729622"/>
           </a:xfrm>
         </p:spPr>
         <p:txBody>
-          <a:bodyPr anchor="t">
+          <a:bodyPr vert="horz" lIns="91440" tIns="45720" rIns="91440" bIns="45720" rtlCol="0" anchor="t">
             <a:normAutofit/>
           </a:bodyPr>
           <a:lstStyle>
-            <a:lvl1pPr marL="0" indent="0" algn="r">
-              <a:buNone/>
-              <a:defRPr sz="2000">
+            <a:lvl1pPr>
+              <a:buNone/>
+              <a:defRPr lang="en-US">
                 <a:solidFill>
-                  <a:schemeClr val="tx1"/>
+                  <a:schemeClr val="tx1">
+                    <a:lumMod val="65000"/>
+                    <a:lumOff val="35000"/>
+                  </a:schemeClr>
                 </a:solidFill>
               </a:defRPr>
             </a:lvl1pPr>
-            <a:lvl2pPr marL="457200" indent="0">
-              <a:buNone/>
-              <a:defRPr sz="1800">
-                <a:solidFill>
-                  <a:schemeClr val="tx1">
-                    <a:tint val="75000"/>
-                  </a:schemeClr>
-                </a:solidFill>
-              </a:defRPr>
-            </a:lvl2pPr>
-            <a:lvl3pPr marL="914400" indent="0">
-              <a:buNone/>
-              <a:defRPr sz="1600">
-                <a:solidFill>
-                  <a:schemeClr val="tx1">
-                    <a:tint val="75000"/>
-                  </a:schemeClr>
-                </a:solidFill>
-              </a:defRPr>
-            </a:lvl3pPr>
-            <a:lvl4pPr marL="1371600" indent="0">
-              <a:buNone/>
-              <a:defRPr sz="1400">
-                <a:solidFill>
-                  <a:schemeClr val="tx1">
-                    <a:tint val="75000"/>
-                  </a:schemeClr>
-                </a:solidFill>
-              </a:defRPr>
-            </a:lvl4pPr>
-            <a:lvl5pPr marL="1828800" indent="0">
-              <a:buNone/>
-              <a:defRPr sz="1400">
-                <a:solidFill>
-                  <a:schemeClr val="tx1">
-                    <a:tint val="75000"/>
-                  </a:schemeClr>
-                </a:solidFill>
-              </a:defRPr>
-            </a:lvl5pPr>
-            <a:lvl6pPr marL="2286000" indent="0">
-              <a:buNone/>
-              <a:defRPr sz="1400">
-                <a:solidFill>
-                  <a:schemeClr val="tx1">
-                    <a:tint val="75000"/>
-                  </a:schemeClr>
-                </a:solidFill>
-              </a:defRPr>
-            </a:lvl6pPr>
-            <a:lvl7pPr marL="2743200" indent="0">
-              <a:buNone/>
-              <a:defRPr sz="1400">
-                <a:solidFill>
-                  <a:schemeClr val="tx1">
-                    <a:tint val="75000"/>
-                  </a:schemeClr>
-                </a:solidFill>
-              </a:defRPr>
-            </a:lvl7pPr>
-            <a:lvl8pPr marL="3200400" indent="0">
-              <a:buNone/>
-              <a:defRPr sz="1400">
-                <a:solidFill>
-                  <a:schemeClr val="tx1">
-                    <a:tint val="75000"/>
-                  </a:schemeClr>
-                </a:solidFill>
-              </a:defRPr>
-            </a:lvl8pPr>
-            <a:lvl9pPr marL="3657600" indent="0">
-              <a:buNone/>
-              <a:defRPr sz="1400">
-                <a:solidFill>
-                  <a:schemeClr val="tx1">
-                    <a:tint val="75000"/>
-                  </a:schemeClr>
-                </a:solidFill>
-              </a:defRPr>
-            </a:lvl9pPr>
           </a:lstStyle>
           <a:p>
-            <a:pPr lvl="0"/>
+            <a:pPr marL="0" lvl="0" indent="0">
+              <a:buNone/>
+            </a:pPr>
             <a:r>
               <a:rPr lang="zh-CN" altLang="en-US" smtClean="0"/>
               <a:t>单击此处编辑母版文本样式</a:t>
@@ -2071,7 +1359,7 @@
       </p:sp>
       <p:sp>
         <p:nvSpPr>
-          <p:cNvPr id="4" name="Date Placeholder 3"/>
+          <p:cNvPr id="5" name="Date Placeholder 4"/>
           <p:cNvSpPr>
             <a:spLocks noGrp="1"/>
           </p:cNvSpPr>
@@ -2095,7 +1383,7 @@
       </p:sp>
       <p:sp>
         <p:nvSpPr>
-          <p:cNvPr id="5" name="Footer Placeholder 4"/>
+          <p:cNvPr id="6" name="Footer Placeholder 5"/>
           <p:cNvSpPr>
             <a:spLocks noGrp="1"/>
           </p:cNvSpPr>
@@ -2114,7 +1402,87 @@
       </p:sp>
       <p:sp>
         <p:nvSpPr>
-          <p:cNvPr id="6" name="Slide Number Placeholder 5"/>
+          <p:cNvPr id="11" name="Freeform 11"/>
+          <p:cNvSpPr/>
+          <p:nvPr/>
+        </p:nvSpPr>
+        <p:spPr bwMode="auto">
+          <a:xfrm flipV="1">
+            <a:off x="58" y="4910660"/>
+            <a:ext cx="1358356" cy="508005"/>
+          </a:xfrm>
+          <a:custGeom>
+            <a:avLst/>
+            <a:gdLst/>
+            <a:ahLst/>
+            <a:cxnLst/>
+            <a:rect l="l" t="t" r="r" b="b"/>
+            <a:pathLst>
+              <a:path w="7908" h="10000">
+                <a:moveTo>
+                  <a:pt x="7908" y="4694"/>
+                </a:moveTo>
+                <a:lnTo>
+                  <a:pt x="6575" y="188"/>
+                </a:lnTo>
+                <a:cubicBezTo>
+                  <a:pt x="6566" y="157"/>
+                  <a:pt x="6555" y="125"/>
+                  <a:pt x="6546" y="94"/>
+                </a:cubicBezTo>
+                <a:cubicBezTo>
+                  <a:pt x="6519" y="0"/>
+                  <a:pt x="6491" y="0"/>
+                  <a:pt x="6463" y="0"/>
+                </a:cubicBezTo>
+                <a:lnTo>
+                  <a:pt x="5935" y="0"/>
+                </a:lnTo>
+                <a:lnTo>
+                  <a:pt x="0" y="62"/>
+                </a:lnTo>
+                <a:lnTo>
+                  <a:pt x="0" y="10000"/>
+                </a:lnTo>
+                <a:lnTo>
+                  <a:pt x="5935" y="9952"/>
+                </a:lnTo>
+                <a:lnTo>
+                  <a:pt x="6463" y="9952"/>
+                </a:lnTo>
+                <a:cubicBezTo>
+                  <a:pt x="6491" y="9952"/>
+                  <a:pt x="6519" y="9859"/>
+                  <a:pt x="6546" y="9859"/>
+                </a:cubicBezTo>
+                <a:cubicBezTo>
+                  <a:pt x="6546" y="9764"/>
+                  <a:pt x="6575" y="9764"/>
+                  <a:pt x="6575" y="9764"/>
+                </a:cubicBezTo>
+                <a:lnTo>
+                  <a:pt x="7908" y="5258"/>
+                </a:lnTo>
+                <a:cubicBezTo>
+                  <a:pt x="7963" y="5070"/>
+                  <a:pt x="7963" y="4883"/>
+                  <a:pt x="7908" y="4694"/>
+                </a:cubicBezTo>
+                <a:close/>
+              </a:path>
+            </a:pathLst>
+          </a:custGeom>
+          <a:solidFill>
+            <a:schemeClr val="accent1"/>
+          </a:solidFill>
+          <a:ln>
+            <a:noFill/>
+          </a:ln>
+        </p:spPr>
+      </p:sp>
+      <p:sp>
+        <p:nvSpPr>
+          <p:cNvPr id="7" name="Slide Number Placeholder 6"/>
           <p:cNvSpPr>
             <a:spLocks noGrp="1"/>
           </p:cNvSpPr>
@@ -2122,7 +1490,12 @@
             <p:ph type="sldNum" sz="quarter" idx="12"/>
           </p:nvPr>
         </p:nvSpPr>
-        <p:spPr/>
+        <p:spPr>
+          <a:xfrm>
+            <a:off x="511228" y="4983088"/>
+            <a:ext cx="584978" cy="365125"/>
+          </a:xfrm>
+        </p:spPr>
         <p:txBody>
           <a:bodyPr/>
           <a:lstStyle/>
@@ -2139,7 +1512,7 @@
     </p:spTree>
     <p:extLst>
       <p:ext uri="{BB962C8B-B14F-4D97-AF65-F5344CB8AC3E}">
-        <p14:creationId xmlns:p14="http://schemas.microsoft.com/office/powerpoint/2010/main" val="3667338254"/>
+        <p14:creationId xmlns:p14="http://schemas.microsoft.com/office/powerpoint/2010/main" val="3106992346"/>
       </p:ext>
     </p:extLst>
   </p:cSld>
@@ -2149,7 +1522,7 @@
 </p:sldLayout>
 </file>
 
-<file path=ppt/slideLayouts/slideLayout14.xml><?xml version="1.0" encoding="utf-8"?>
+<file path=ppt/slideLayouts/slideLayout13.xml><?xml version="1.0" encoding="utf-8"?>
 <p:sldLayout xmlns:a="http://schemas.openxmlformats.org/drawingml/2006/main" xmlns:r="http://schemas.openxmlformats.org/officeDocument/2006/relationships" xmlns:p="http://schemas.openxmlformats.org/presentationml/2006/main" preserve="1">
   <p:cSld name="引言名片">
     <p:spTree>
@@ -2168,13 +1541,303 @@
       </p:grpSpPr>
       <p:sp>
         <p:nvSpPr>
-          <p:cNvPr id="14" name="TextBox 13"/>
+          <p:cNvPr id="13" name="Title 1"/>
+          <p:cNvSpPr>
+            <a:spLocks noGrp="1"/>
+          </p:cNvSpPr>
+          <p:nvPr>
+            <p:ph type="title"/>
+          </p:nvPr>
+        </p:nvSpPr>
+        <p:spPr>
+          <a:xfrm>
+            <a:off x="2188123" y="609600"/>
+            <a:ext cx="6109587" cy="2895600"/>
+          </a:xfrm>
+        </p:spPr>
+        <p:txBody>
+          <a:bodyPr anchor="ctr">
+            <a:normAutofit/>
+          </a:bodyPr>
+          <a:lstStyle>
+            <a:lvl1pPr algn="l">
+              <a:defRPr sz="4800" b="0" cap="none"/>
+            </a:lvl1pPr>
+          </a:lstStyle>
+          <a:p>
+            <a:r>
+              <a:rPr lang="zh-CN" altLang="en-US" smtClean="0"/>
+              <a:t>单击此处编辑母版标题样式</a:t>
+            </a:r>
+            <a:endParaRPr lang="en-US" dirty="0"/>
+          </a:p>
+        </p:txBody>
+      </p:sp>
+      <p:sp>
+        <p:nvSpPr>
+          <p:cNvPr id="21" name="Text Placeholder 9"/>
+          <p:cNvSpPr>
+            <a:spLocks noGrp="1"/>
+          </p:cNvSpPr>
+          <p:nvPr>
+            <p:ph type="body" sz="quarter" idx="13"/>
+          </p:nvPr>
+        </p:nvSpPr>
+        <p:spPr>
+          <a:xfrm>
+            <a:off x="1942415" y="4343400"/>
+            <a:ext cx="6688292" cy="838200"/>
+          </a:xfrm>
+        </p:spPr>
+        <p:txBody>
+          <a:bodyPr anchor="b">
+            <a:noAutofit/>
+          </a:bodyPr>
+          <a:lstStyle>
+            <a:lvl1pPr marL="0" indent="0">
+              <a:buFontTx/>
+              <a:buNone/>
+              <a:defRPr sz="2400">
+                <a:solidFill>
+                  <a:schemeClr val="accent1"/>
+                </a:solidFill>
+              </a:defRPr>
+            </a:lvl1pPr>
+            <a:lvl2pPr marL="457200" indent="0">
+              <a:buFontTx/>
+              <a:buNone/>
+              <a:defRPr/>
+            </a:lvl2pPr>
+            <a:lvl3pPr marL="914400" indent="0">
+              <a:buFontTx/>
+              <a:buNone/>
+              <a:defRPr/>
+            </a:lvl3pPr>
+            <a:lvl4pPr marL="1371600" indent="0">
+              <a:buFontTx/>
+              <a:buNone/>
+              <a:defRPr/>
+            </a:lvl4pPr>
+            <a:lvl5pPr marL="1828800" indent="0">
+              <a:buFontTx/>
+              <a:buNone/>
+              <a:defRPr/>
+            </a:lvl5pPr>
+          </a:lstStyle>
+          <a:p>
+            <a:pPr lvl="0"/>
+            <a:r>
+              <a:rPr lang="zh-CN" altLang="en-US" smtClean="0"/>
+              <a:t>单击此处编辑母版文本样式</a:t>
+            </a:r>
+          </a:p>
+        </p:txBody>
+      </p:sp>
+      <p:sp>
+        <p:nvSpPr>
+          <p:cNvPr id="4" name="Text Placeholder 3"/>
+          <p:cNvSpPr>
+            <a:spLocks noGrp="1"/>
+          </p:cNvSpPr>
+          <p:nvPr>
+            <p:ph type="body" sz="half" idx="2"/>
+          </p:nvPr>
+        </p:nvSpPr>
+        <p:spPr>
+          <a:xfrm>
+            <a:off x="1942415" y="5181600"/>
+            <a:ext cx="6688292" cy="729622"/>
+          </a:xfrm>
+        </p:spPr>
+        <p:txBody>
+          <a:bodyPr vert="horz" lIns="91440" tIns="45720" rIns="91440" bIns="45720" rtlCol="0" anchor="t">
+            <a:normAutofit/>
+          </a:bodyPr>
+          <a:lstStyle>
+            <a:lvl1pPr>
+              <a:buNone/>
+              <a:defRPr lang="en-US">
+                <a:solidFill>
+                  <a:schemeClr val="tx1">
+                    <a:lumMod val="65000"/>
+                    <a:lumOff val="35000"/>
+                  </a:schemeClr>
+                </a:solidFill>
+              </a:defRPr>
+            </a:lvl1pPr>
+          </a:lstStyle>
+          <a:p>
+            <a:pPr marL="0" lvl="0" indent="0">
+              <a:buNone/>
+            </a:pPr>
+            <a:r>
+              <a:rPr lang="zh-CN" altLang="en-US" smtClean="0"/>
+              <a:t>单击此处编辑母版文本样式</a:t>
+            </a:r>
+          </a:p>
+        </p:txBody>
+      </p:sp>
+      <p:sp>
+        <p:nvSpPr>
+          <p:cNvPr id="5" name="Date Placeholder 4"/>
+          <p:cNvSpPr>
+            <a:spLocks noGrp="1"/>
+          </p:cNvSpPr>
+          <p:nvPr>
+            <p:ph type="dt" sz="half" idx="10"/>
+          </p:nvPr>
+        </p:nvSpPr>
+        <p:spPr/>
+        <p:txBody>
+          <a:bodyPr/>
+          <a:lstStyle/>
+          <a:p>
+            <a:fld id="{B61BEF0D-F0BB-DE4B-95CE-6DB70DBA9567}" type="datetimeFigureOut">
+              <a:rPr lang="en-US" smtClean="0"/>
+              <a:pPr/>
+              <a:t>10/22/2015</a:t>
+            </a:fld>
+            <a:endParaRPr lang="en-US" dirty="0"/>
+          </a:p>
+        </p:txBody>
+      </p:sp>
+      <p:sp>
+        <p:nvSpPr>
+          <p:cNvPr id="6" name="Footer Placeholder 5"/>
+          <p:cNvSpPr>
+            <a:spLocks noGrp="1"/>
+          </p:cNvSpPr>
+          <p:nvPr>
+            <p:ph type="ftr" sz="quarter" idx="11"/>
+          </p:nvPr>
+        </p:nvSpPr>
+        <p:spPr/>
+        <p:txBody>
+          <a:bodyPr/>
+          <a:lstStyle/>
+          <a:p>
+            <a:endParaRPr lang="en-US" dirty="0"/>
+          </a:p>
+        </p:txBody>
+      </p:sp>
+      <p:sp>
+        <p:nvSpPr>
+          <p:cNvPr id="20" name="Freeform 11"/>
+          <p:cNvSpPr/>
+          <p:nvPr/>
+        </p:nvSpPr>
+        <p:spPr bwMode="auto">
+          <a:xfrm flipV="1">
+            <a:off x="58" y="4910660"/>
+            <a:ext cx="1358356" cy="508005"/>
+          </a:xfrm>
+          <a:custGeom>
+            <a:avLst/>
+            <a:gdLst/>
+            <a:ahLst/>
+            <a:cxnLst/>
+            <a:rect l="l" t="t" r="r" b="b"/>
+            <a:pathLst>
+              <a:path w="7908" h="10000">
+                <a:moveTo>
+                  <a:pt x="7908" y="4694"/>
+                </a:moveTo>
+                <a:lnTo>
+                  <a:pt x="6575" y="188"/>
+                </a:lnTo>
+                <a:cubicBezTo>
+                  <a:pt x="6566" y="157"/>
+                  <a:pt x="6555" y="125"/>
+                  <a:pt x="6546" y="94"/>
+                </a:cubicBezTo>
+                <a:cubicBezTo>
+                  <a:pt x="6519" y="0"/>
+                  <a:pt x="6491" y="0"/>
+                  <a:pt x="6463" y="0"/>
+                </a:cubicBezTo>
+                <a:lnTo>
+                  <a:pt x="5935" y="0"/>
+                </a:lnTo>
+                <a:lnTo>
+                  <a:pt x="0" y="62"/>
+                </a:lnTo>
+                <a:lnTo>
+                  <a:pt x="0" y="10000"/>
+                </a:lnTo>
+                <a:lnTo>
+                  <a:pt x="5935" y="9952"/>
+                </a:lnTo>
+                <a:lnTo>
+                  <a:pt x="6463" y="9952"/>
+                </a:lnTo>
+                <a:cubicBezTo>
+                  <a:pt x="6491" y="9952"/>
+                  <a:pt x="6519" y="9859"/>
+                  <a:pt x="6546" y="9859"/>
+                </a:cubicBezTo>
+                <a:cubicBezTo>
+                  <a:pt x="6546" y="9764"/>
+                  <a:pt x="6575" y="9764"/>
+                  <a:pt x="6575" y="9764"/>
+                </a:cubicBezTo>
+                <a:lnTo>
+                  <a:pt x="7908" y="5258"/>
+                </a:lnTo>
+                <a:cubicBezTo>
+                  <a:pt x="7963" y="5070"/>
+                  <a:pt x="7963" y="4883"/>
+                  <a:pt x="7908" y="4694"/>
+                </a:cubicBezTo>
+                <a:close/>
+              </a:path>
+            </a:pathLst>
+          </a:custGeom>
+          <a:solidFill>
+            <a:schemeClr val="accent1"/>
+          </a:solidFill>
+          <a:ln>
+            <a:noFill/>
+          </a:ln>
+        </p:spPr>
+      </p:sp>
+      <p:sp>
+        <p:nvSpPr>
+          <p:cNvPr id="7" name="Slide Number Placeholder 6"/>
+          <p:cNvSpPr>
+            <a:spLocks noGrp="1"/>
+          </p:cNvSpPr>
+          <p:nvPr>
+            <p:ph type="sldNum" sz="quarter" idx="12"/>
+          </p:nvPr>
+        </p:nvSpPr>
+        <p:spPr>
+          <a:xfrm>
+            <a:off x="511228" y="4983088"/>
+            <a:ext cx="584978" cy="365125"/>
+          </a:xfrm>
+        </p:spPr>
+        <p:txBody>
+          <a:bodyPr/>
+          <a:lstStyle/>
+          <a:p>
+            <a:fld id="{D57F1E4F-1CFF-5643-939E-217C01CDF565}" type="slidenum">
+              <a:rPr lang="en-US" smtClean="0"/>
+              <a:pPr/>
+              <a:t>‹#›</a:t>
+            </a:fld>
+            <a:endParaRPr lang="en-US" dirty="0"/>
+          </a:p>
+        </p:txBody>
+      </p:sp>
+      <p:sp>
+        <p:nvSpPr>
+          <p:cNvPr id="11" name="TextBox 10"/>
           <p:cNvSpPr txBox="1"/>
           <p:nvPr/>
         </p:nvSpPr>
         <p:spPr>
           <a:xfrm>
-            <a:off x="969421" y="863023"/>
+            <a:off x="1808316" y="648005"/>
             <a:ext cx="457319" cy="584776"/>
           </a:xfrm>
           <a:prstGeom prst="rect">
@@ -2185,97 +1848,19 @@
           <a:bodyPr vert="horz" lIns="91440" tIns="45720" rIns="91440" bIns="45720" rtlCol="0" anchor="ctr">
             <a:noAutofit/>
           </a:bodyPr>
-          <a:lstStyle>
-            <a:lvl1pPr>
-              <a:spcBef>
-                <a:spcPct val="0"/>
-              </a:spcBef>
-              <a:buNone/>
-              <a:defRPr sz="3200" b="0" cap="all">
+          <a:lstStyle/>
+          <a:p>
+            <a:pPr lvl="0"/>
+            <a:r>
+              <a:rPr lang="en-US" sz="8000" baseline="0" dirty="0">
                 <a:ln w="3175" cmpd="sng">
                   <a:noFill/>
                 </a:ln>
-                <a:effectLst>
-                  <a:glow rad="38100">
-                    <a:schemeClr val="bg1">
-                      <a:lumMod val="65000"/>
-                      <a:lumOff val="35000"/>
-                      <a:alpha val="40000"/>
-                    </a:schemeClr>
-                  </a:glow>
-                  <a:outerShdw blurRad="28575" dist="38100" dir="14040000" algn="tl" rotWithShape="0">
-                    <a:srgbClr val="000000">
-                      <a:alpha val="25000"/>
-                    </a:srgbClr>
-                  </a:outerShdw>
-                </a:effectLst>
-              </a:defRPr>
-            </a:lvl1pPr>
-            <a:lvl2pPr>
-              <a:defRPr>
                 <a:solidFill>
-                  <a:schemeClr val="tx2"/>
-                </a:solidFill>
-              </a:defRPr>
-            </a:lvl2pPr>
-            <a:lvl3pPr>
-              <a:defRPr>
-                <a:solidFill>
-                  <a:schemeClr val="tx2"/>
-                </a:solidFill>
-              </a:defRPr>
-            </a:lvl3pPr>
-            <a:lvl4pPr>
-              <a:defRPr>
-                <a:solidFill>
-                  <a:schemeClr val="tx2"/>
-                </a:solidFill>
-              </a:defRPr>
-            </a:lvl4pPr>
-            <a:lvl5pPr>
-              <a:defRPr>
-                <a:solidFill>
-                  <a:schemeClr val="tx2"/>
-                </a:solidFill>
-              </a:defRPr>
-            </a:lvl5pPr>
-            <a:lvl6pPr>
-              <a:defRPr>
-                <a:solidFill>
-                  <a:schemeClr val="tx2"/>
-                </a:solidFill>
-              </a:defRPr>
-            </a:lvl6pPr>
-            <a:lvl7pPr>
-              <a:defRPr>
-                <a:solidFill>
-                  <a:schemeClr val="tx2"/>
-                </a:solidFill>
-              </a:defRPr>
-            </a:lvl7pPr>
-            <a:lvl8pPr>
-              <a:defRPr>
-                <a:solidFill>
-                  <a:schemeClr val="tx2"/>
-                </a:solidFill>
-              </a:defRPr>
-            </a:lvl8pPr>
-            <a:lvl9pPr>
-              <a:defRPr>
-                <a:solidFill>
-                  <a:schemeClr val="tx2"/>
-                </a:solidFill>
-              </a:defRPr>
-            </a:lvl9pPr>
-          </a:lstStyle>
-          <a:p>
-            <a:pPr lvl="0"/>
-            <a:r>
-              <a:rPr lang="en-US" sz="8000" dirty="0">
-                <a:solidFill>
-                  <a:schemeClr val="tx1"/>
+                  <a:schemeClr val="accent1"/>
                 </a:solidFill>
                 <a:effectLst/>
+                <a:latin typeface="Arial"/>
               </a:rPr>
               <a:t>“</a:t>
             </a:r>
@@ -2284,13 +1869,13 @@
       </p:sp>
       <p:sp>
         <p:nvSpPr>
-          <p:cNvPr id="15" name="TextBox 14"/>
+          <p:cNvPr id="12" name="TextBox 11"/>
           <p:cNvSpPr txBox="1"/>
           <p:nvPr/>
         </p:nvSpPr>
         <p:spPr>
           <a:xfrm>
-            <a:off x="8172197" y="2819399"/>
+            <a:off x="8169533" y="2905306"/>
             <a:ext cx="457319" cy="584776"/>
           </a:xfrm>
           <a:prstGeom prst="rect">
@@ -2301,379 +1886,29 @@
           <a:bodyPr vert="horz" lIns="91440" tIns="45720" rIns="91440" bIns="45720" rtlCol="0" anchor="ctr">
             <a:noAutofit/>
           </a:bodyPr>
-          <a:lstStyle>
-            <a:lvl1pPr>
-              <a:spcBef>
-                <a:spcPct val="0"/>
-              </a:spcBef>
-              <a:buNone/>
-              <a:defRPr sz="3200" b="0" cap="all">
-                <a:ln w="3175" cmpd="sng">
-                  <a:noFill/>
-                </a:ln>
-                <a:effectLst>
-                  <a:glow rad="38100">
-                    <a:schemeClr val="bg1">
-                      <a:lumMod val="65000"/>
-                      <a:lumOff val="35000"/>
-                      <a:alpha val="40000"/>
-                    </a:schemeClr>
-                  </a:glow>
-                  <a:outerShdw blurRad="28575" dist="38100" dir="14040000" algn="tl" rotWithShape="0">
-                    <a:srgbClr val="000000">
-                      <a:alpha val="25000"/>
-                    </a:srgbClr>
-                  </a:outerShdw>
-                </a:effectLst>
-              </a:defRPr>
-            </a:lvl1pPr>
-            <a:lvl2pPr>
-              <a:defRPr>
-                <a:solidFill>
-                  <a:schemeClr val="tx2"/>
-                </a:solidFill>
-              </a:defRPr>
-            </a:lvl2pPr>
-            <a:lvl3pPr>
-              <a:defRPr>
-                <a:solidFill>
-                  <a:schemeClr val="tx2"/>
-                </a:solidFill>
-              </a:defRPr>
-            </a:lvl3pPr>
-            <a:lvl4pPr>
-              <a:defRPr>
-                <a:solidFill>
-                  <a:schemeClr val="tx2"/>
-                </a:solidFill>
-              </a:defRPr>
-            </a:lvl4pPr>
-            <a:lvl5pPr>
-              <a:defRPr>
-                <a:solidFill>
-                  <a:schemeClr val="tx2"/>
-                </a:solidFill>
-              </a:defRPr>
-            </a:lvl5pPr>
-            <a:lvl6pPr>
-              <a:defRPr>
-                <a:solidFill>
-                  <a:schemeClr val="tx2"/>
-                </a:solidFill>
-              </a:defRPr>
-            </a:lvl6pPr>
-            <a:lvl7pPr>
-              <a:defRPr>
-                <a:solidFill>
-                  <a:schemeClr val="tx2"/>
-                </a:solidFill>
-              </a:defRPr>
-            </a:lvl7pPr>
-            <a:lvl8pPr>
-              <a:defRPr>
-                <a:solidFill>
-                  <a:schemeClr val="tx2"/>
-                </a:solidFill>
-              </a:defRPr>
-            </a:lvl8pPr>
-            <a:lvl9pPr>
-              <a:defRPr>
-                <a:solidFill>
-                  <a:schemeClr val="tx2"/>
-                </a:solidFill>
-              </a:defRPr>
-            </a:lvl9pPr>
-          </a:lstStyle>
-          <a:p>
-            <a:pPr lvl="0" algn="r"/>
-            <a:r>
-              <a:rPr lang="en-US" sz="8000" dirty="0">
-                <a:solidFill>
-                  <a:schemeClr val="tx1"/>
-                </a:solidFill>
-                <a:effectLst/>
-              </a:rPr>
-              <a:t>”</a:t>
-            </a:r>
-          </a:p>
-        </p:txBody>
-      </p:sp>
-      <p:sp>
-        <p:nvSpPr>
-          <p:cNvPr id="2" name="Title 1"/>
-          <p:cNvSpPr>
-            <a:spLocks noGrp="1"/>
-          </p:cNvSpPr>
-          <p:nvPr>
-            <p:ph type="title"/>
-          </p:nvPr>
-        </p:nvSpPr>
-        <p:spPr>
-          <a:xfrm>
-            <a:off x="1426741" y="685801"/>
-            <a:ext cx="6974115" cy="2743199"/>
-          </a:xfrm>
-        </p:spPr>
-        <p:txBody>
-          <a:bodyPr anchor="ctr">
-            <a:normAutofit/>
-          </a:bodyPr>
-          <a:lstStyle>
-            <a:lvl1pPr algn="ctr">
-              <a:defRPr sz="3200" b="0" cap="none">
-                <a:solidFill>
-                  <a:schemeClr val="tx1"/>
-                </a:solidFill>
-              </a:defRPr>
-            </a:lvl1pPr>
-          </a:lstStyle>
-          <a:p>
-            <a:r>
-              <a:rPr lang="zh-CN" altLang="en-US" smtClean="0"/>
-              <a:t>单击此处编辑母版标题样式</a:t>
-            </a:r>
-            <a:endParaRPr lang="en-US" dirty="0"/>
-          </a:p>
-        </p:txBody>
-      </p:sp>
-      <p:sp>
-        <p:nvSpPr>
-          <p:cNvPr id="10" name="Text Placeholder 9"/>
-          <p:cNvSpPr>
-            <a:spLocks noGrp="1"/>
-          </p:cNvSpPr>
-          <p:nvPr>
-            <p:ph type="body" sz="quarter" idx="13"/>
-          </p:nvPr>
-        </p:nvSpPr>
-        <p:spPr>
-          <a:xfrm>
-            <a:off x="1113525" y="3886200"/>
-            <a:ext cx="7515990" cy="889000"/>
-          </a:xfrm>
-        </p:spPr>
-        <p:txBody>
-          <a:bodyPr vert="horz" lIns="91440" tIns="45720" rIns="91440" bIns="45720" rtlCol="0" anchor="b">
-            <a:normAutofit/>
-          </a:bodyPr>
-          <a:lstStyle>
-            <a:lvl1pPr algn="r">
-              <a:buNone/>
-              <a:defRPr lang="en-US" sz="2400" b="0" cap="none" dirty="0">
+          <a:lstStyle/>
+          <a:p>
+            <a:pPr lvl="0"/>
+            <a:r>
+              <a:rPr lang="en-US" sz="8000" baseline="0" dirty="0">
                 <a:ln w="3175" cmpd="sng">
                   <a:noFill/>
                 </a:ln>
                 <a:solidFill>
-                  <a:schemeClr val="tx1"/>
+                  <a:schemeClr val="accent1"/>
                 </a:solidFill>
                 <a:effectLst/>
-              </a:defRPr>
-            </a:lvl1pPr>
-          </a:lstStyle>
-          <a:p>
-            <a:pPr marL="0" lvl="0">
-              <a:spcBef>
-                <a:spcPct val="0"/>
-              </a:spcBef>
-              <a:buNone/>
-            </a:pPr>
-            <a:r>
-              <a:rPr lang="zh-CN" altLang="en-US" smtClean="0"/>
-              <a:t>单击此处编辑母版文本样式</a:t>
-            </a:r>
-          </a:p>
-        </p:txBody>
-      </p:sp>
-      <p:sp>
-        <p:nvSpPr>
-          <p:cNvPr id="3" name="Text Placeholder 2"/>
-          <p:cNvSpPr>
-            <a:spLocks noGrp="1"/>
-          </p:cNvSpPr>
-          <p:nvPr>
-            <p:ph type="body" idx="1"/>
-          </p:nvPr>
-        </p:nvSpPr>
-        <p:spPr>
-          <a:xfrm>
-            <a:off x="1113524" y="4775200"/>
-            <a:ext cx="7515990" cy="1016000"/>
-          </a:xfrm>
-        </p:spPr>
-        <p:txBody>
-          <a:bodyPr anchor="t">
-            <a:normAutofit/>
-          </a:bodyPr>
-          <a:lstStyle>
-            <a:lvl1pPr marL="0" indent="0" algn="r">
-              <a:buNone/>
-              <a:defRPr sz="1800">
-                <a:solidFill>
-                  <a:schemeClr val="tx1"/>
-                </a:solidFill>
-              </a:defRPr>
-            </a:lvl1pPr>
-            <a:lvl2pPr marL="457200" indent="0">
-              <a:buNone/>
-              <a:defRPr sz="1800">
-                <a:solidFill>
-                  <a:schemeClr val="tx1">
-                    <a:tint val="75000"/>
-                  </a:schemeClr>
-                </a:solidFill>
-              </a:defRPr>
-            </a:lvl2pPr>
-            <a:lvl3pPr marL="914400" indent="0">
-              <a:buNone/>
-              <a:defRPr sz="1600">
-                <a:solidFill>
-                  <a:schemeClr val="tx1">
-                    <a:tint val="75000"/>
-                  </a:schemeClr>
-                </a:solidFill>
-              </a:defRPr>
-            </a:lvl3pPr>
-            <a:lvl4pPr marL="1371600" indent="0">
-              <a:buNone/>
-              <a:defRPr sz="1400">
-                <a:solidFill>
-                  <a:schemeClr val="tx1">
-                    <a:tint val="75000"/>
-                  </a:schemeClr>
-                </a:solidFill>
-              </a:defRPr>
-            </a:lvl4pPr>
-            <a:lvl5pPr marL="1828800" indent="0">
-              <a:buNone/>
-              <a:defRPr sz="1400">
-                <a:solidFill>
-                  <a:schemeClr val="tx1">
-                    <a:tint val="75000"/>
-                  </a:schemeClr>
-                </a:solidFill>
-              </a:defRPr>
-            </a:lvl5pPr>
-            <a:lvl6pPr marL="2286000" indent="0">
-              <a:buNone/>
-              <a:defRPr sz="1400">
-                <a:solidFill>
-                  <a:schemeClr val="tx1">
-                    <a:tint val="75000"/>
-                  </a:schemeClr>
-                </a:solidFill>
-              </a:defRPr>
-            </a:lvl6pPr>
-            <a:lvl7pPr marL="2743200" indent="0">
-              <a:buNone/>
-              <a:defRPr sz="1400">
-                <a:solidFill>
-                  <a:schemeClr val="tx1">
-                    <a:tint val="75000"/>
-                  </a:schemeClr>
-                </a:solidFill>
-              </a:defRPr>
-            </a:lvl7pPr>
-            <a:lvl8pPr marL="3200400" indent="0">
-              <a:buNone/>
-              <a:defRPr sz="1400">
-                <a:solidFill>
-                  <a:schemeClr val="tx1">
-                    <a:tint val="75000"/>
-                  </a:schemeClr>
-                </a:solidFill>
-              </a:defRPr>
-            </a:lvl8pPr>
-            <a:lvl9pPr marL="3657600" indent="0">
-              <a:buNone/>
-              <a:defRPr sz="1400">
-                <a:solidFill>
-                  <a:schemeClr val="tx1">
-                    <a:tint val="75000"/>
-                  </a:schemeClr>
-                </a:solidFill>
-              </a:defRPr>
-            </a:lvl9pPr>
-          </a:lstStyle>
-          <a:p>
-            <a:pPr lvl="0"/>
-            <a:r>
-              <a:rPr lang="zh-CN" altLang="en-US" smtClean="0"/>
-              <a:t>单击此处编辑母版文本样式</a:t>
-            </a:r>
-          </a:p>
-        </p:txBody>
-      </p:sp>
-      <p:sp>
-        <p:nvSpPr>
-          <p:cNvPr id="4" name="Date Placeholder 3"/>
-          <p:cNvSpPr>
-            <a:spLocks noGrp="1"/>
-          </p:cNvSpPr>
-          <p:nvPr>
-            <p:ph type="dt" sz="half" idx="10"/>
-          </p:nvPr>
-        </p:nvSpPr>
-        <p:spPr/>
-        <p:txBody>
-          <a:bodyPr/>
-          <a:lstStyle/>
-          <a:p>
-            <a:fld id="{B61BEF0D-F0BB-DE4B-95CE-6DB70DBA9567}" type="datetimeFigureOut">
-              <a:rPr lang="en-US" smtClean="0"/>
-              <a:pPr/>
-              <a:t>10/22/2015</a:t>
-            </a:fld>
-            <a:endParaRPr lang="en-US" dirty="0"/>
-          </a:p>
-        </p:txBody>
-      </p:sp>
-      <p:sp>
-        <p:nvSpPr>
-          <p:cNvPr id="5" name="Footer Placeholder 4"/>
-          <p:cNvSpPr>
-            <a:spLocks noGrp="1"/>
-          </p:cNvSpPr>
-          <p:nvPr>
-            <p:ph type="ftr" sz="quarter" idx="11"/>
-          </p:nvPr>
-        </p:nvSpPr>
-        <p:spPr/>
-        <p:txBody>
-          <a:bodyPr/>
-          <a:lstStyle/>
-          <a:p>
-            <a:endParaRPr lang="en-US" dirty="0"/>
-          </a:p>
-        </p:txBody>
-      </p:sp>
-      <p:sp>
-        <p:nvSpPr>
-          <p:cNvPr id="6" name="Slide Number Placeholder 5"/>
-          <p:cNvSpPr>
-            <a:spLocks noGrp="1"/>
-          </p:cNvSpPr>
-          <p:nvPr>
-            <p:ph type="sldNum" sz="quarter" idx="12"/>
-          </p:nvPr>
-        </p:nvSpPr>
-        <p:spPr/>
-        <p:txBody>
-          <a:bodyPr/>
-          <a:lstStyle/>
-          <a:p>
-            <a:fld id="{D57F1E4F-1CFF-5643-939E-217C01CDF565}" type="slidenum">
-              <a:rPr lang="en-US" smtClean="0"/>
-              <a:pPr/>
-              <a:t>‹#›</a:t>
-            </a:fld>
-            <a:endParaRPr lang="en-US" dirty="0"/>
+                <a:latin typeface="Arial"/>
+              </a:rPr>
+              <a:t>”</a:t>
+            </a:r>
           </a:p>
         </p:txBody>
       </p:sp>
     </p:spTree>
     <p:extLst>
       <p:ext uri="{BB962C8B-B14F-4D97-AF65-F5344CB8AC3E}">
-        <p14:creationId xmlns:p14="http://schemas.microsoft.com/office/powerpoint/2010/main" val="3453054461"/>
+        <p14:creationId xmlns:p14="http://schemas.microsoft.com/office/powerpoint/2010/main" val="183155346"/>
       </p:ext>
     </p:extLst>
   </p:cSld>
@@ -2683,7 +1918,7 @@
 </p:sldLayout>
 </file>
 
-<file path=ppt/slideLayouts/slideLayout15.xml><?xml version="1.0" encoding="utf-8"?>
+<file path=ppt/slideLayouts/slideLayout14.xml><?xml version="1.0" encoding="utf-8"?>
 <p:sldLayout xmlns:a="http://schemas.openxmlformats.org/drawingml/2006/main" xmlns:r="http://schemas.openxmlformats.org/officeDocument/2006/relationships" xmlns:p="http://schemas.openxmlformats.org/presentationml/2006/main" preserve="1">
   <p:cSld name="真或假">
     <p:spTree>
@@ -2712,68 +1947,123 @@
         </p:nvSpPr>
         <p:spPr>
           <a:xfrm>
-            <a:off x="1113525" y="685801"/>
-            <a:ext cx="7515991" cy="2727325"/>
+            <a:off x="1942416" y="627407"/>
+            <a:ext cx="6591984" cy="2880020"/>
           </a:xfrm>
         </p:spPr>
         <p:txBody>
-          <a:bodyPr vert="horz" lIns="91440" tIns="45720" rIns="91440" bIns="45720" rtlCol="0" anchor="ctr">
+          <a:bodyPr anchor="ctr">
+            <a:normAutofit/>
+          </a:bodyPr>
+          <a:lstStyle>
+            <a:lvl1pPr algn="l">
+              <a:defRPr sz="4800" b="0"/>
+            </a:lvl1pPr>
+          </a:lstStyle>
+          <a:p>
+            <a:r>
+              <a:rPr lang="zh-CN" altLang="en-US" smtClean="0"/>
+              <a:t>单击此处编辑母版标题样式</a:t>
+            </a:r>
+            <a:endParaRPr lang="en-US" dirty="0"/>
+          </a:p>
+        </p:txBody>
+      </p:sp>
+      <p:sp>
+        <p:nvSpPr>
+          <p:cNvPr id="21" name="Text Placeholder 9"/>
+          <p:cNvSpPr>
+            <a:spLocks noGrp="1"/>
+          </p:cNvSpPr>
+          <p:nvPr>
+            <p:ph type="body" sz="quarter" idx="13"/>
+          </p:nvPr>
+        </p:nvSpPr>
+        <p:spPr>
+          <a:xfrm>
+            <a:off x="1942415" y="4343400"/>
+            <a:ext cx="6591985" cy="838200"/>
+          </a:xfrm>
+        </p:spPr>
+        <p:txBody>
+          <a:bodyPr anchor="b">
+            <a:noAutofit/>
+          </a:bodyPr>
+          <a:lstStyle>
+            <a:lvl1pPr marL="0" indent="0">
+              <a:buFontTx/>
+              <a:buNone/>
+              <a:defRPr sz="2400">
+                <a:solidFill>
+                  <a:schemeClr val="accent1"/>
+                </a:solidFill>
+              </a:defRPr>
+            </a:lvl1pPr>
+            <a:lvl2pPr marL="457200" indent="0">
+              <a:buFontTx/>
+              <a:buNone/>
+              <a:defRPr/>
+            </a:lvl2pPr>
+            <a:lvl3pPr marL="914400" indent="0">
+              <a:buFontTx/>
+              <a:buNone/>
+              <a:defRPr/>
+            </a:lvl3pPr>
+            <a:lvl4pPr marL="1371600" indent="0">
+              <a:buFontTx/>
+              <a:buNone/>
+              <a:defRPr/>
+            </a:lvl4pPr>
+            <a:lvl5pPr marL="1828800" indent="0">
+              <a:buFontTx/>
+              <a:buNone/>
+              <a:defRPr/>
+            </a:lvl5pPr>
+          </a:lstStyle>
+          <a:p>
+            <a:pPr lvl="0"/>
+            <a:r>
+              <a:rPr lang="zh-CN" altLang="en-US" smtClean="0"/>
+              <a:t>单击此处编辑母版文本样式</a:t>
+            </a:r>
+          </a:p>
+        </p:txBody>
+      </p:sp>
+      <p:sp>
+        <p:nvSpPr>
+          <p:cNvPr id="4" name="Text Placeholder 3"/>
+          <p:cNvSpPr>
+            <a:spLocks noGrp="1"/>
+          </p:cNvSpPr>
+          <p:nvPr>
+            <p:ph type="body" sz="half" idx="2"/>
+          </p:nvPr>
+        </p:nvSpPr>
+        <p:spPr>
+          <a:xfrm>
+            <a:off x="1942415" y="5181600"/>
+            <a:ext cx="6591985" cy="729622"/>
+          </a:xfrm>
+        </p:spPr>
+        <p:txBody>
+          <a:bodyPr vert="horz" lIns="91440" tIns="45720" rIns="91440" bIns="45720" rtlCol="0" anchor="t">
             <a:normAutofit/>
           </a:bodyPr>
           <a:lstStyle>
             <a:lvl1pPr>
-              <a:defRPr lang="en-US" b="0" dirty="0"/>
-            </a:lvl1pPr>
-          </a:lstStyle>
-          <a:p>
-            <a:pPr marL="0" lvl="0"/>
-            <a:r>
-              <a:rPr lang="zh-CN" altLang="en-US" smtClean="0"/>
-              <a:t>单击此处编辑母版标题样式</a:t>
-            </a:r>
-            <a:endParaRPr lang="en-US" dirty="0"/>
-          </a:p>
-        </p:txBody>
-      </p:sp>
-      <p:sp>
-        <p:nvSpPr>
-          <p:cNvPr id="10" name="Text Placeholder 9"/>
-          <p:cNvSpPr>
-            <a:spLocks noGrp="1"/>
-          </p:cNvSpPr>
-          <p:nvPr>
-            <p:ph type="body" sz="quarter" idx="13"/>
-          </p:nvPr>
-        </p:nvSpPr>
-        <p:spPr>
-          <a:xfrm>
-            <a:off x="1113524" y="3505200"/>
-            <a:ext cx="7515992" cy="838200"/>
-          </a:xfrm>
-        </p:spPr>
-        <p:txBody>
-          <a:bodyPr vert="horz" lIns="91440" tIns="45720" rIns="91440" bIns="45720" rtlCol="0" anchor="b">
-            <a:normAutofit/>
-          </a:bodyPr>
-          <a:lstStyle>
-            <a:lvl1pPr>
-              <a:buNone/>
-              <a:defRPr lang="en-US" sz="2800" b="0" cap="none" dirty="0">
-                <a:ln w="3175" cmpd="sng">
-                  <a:noFill/>
-                </a:ln>
+              <a:buNone/>
+              <a:defRPr lang="en-US">
                 <a:solidFill>
-                  <a:schemeClr val="tx1"/>
+                  <a:schemeClr val="tx1">
+                    <a:lumMod val="65000"/>
+                    <a:lumOff val="35000"/>
+                  </a:schemeClr>
                 </a:solidFill>
-                <a:effectLst/>
               </a:defRPr>
             </a:lvl1pPr>
           </a:lstStyle>
           <a:p>
-            <a:pPr marL="0" lvl="0">
-              <a:spcBef>
-                <a:spcPct val="0"/>
-              </a:spcBef>
+            <a:pPr marL="0" lvl="0" indent="0">
               <a:buNone/>
             </a:pPr>
             <a:r>
@@ -2785,126 +2075,7 @@
       </p:sp>
       <p:sp>
         <p:nvSpPr>
-          <p:cNvPr id="3" name="Text Placeholder 2"/>
-          <p:cNvSpPr>
-            <a:spLocks noGrp="1"/>
-          </p:cNvSpPr>
-          <p:nvPr>
-            <p:ph type="body" idx="1"/>
-          </p:nvPr>
-        </p:nvSpPr>
-        <p:spPr>
-          <a:xfrm>
-            <a:off x="1113524" y="4343400"/>
-            <a:ext cx="7515992" cy="1447800"/>
-          </a:xfrm>
-        </p:spPr>
-        <p:txBody>
-          <a:bodyPr anchor="t">
-            <a:normAutofit/>
-          </a:bodyPr>
-          <a:lstStyle>
-            <a:lvl1pPr marL="0" indent="0" algn="l">
-              <a:buNone/>
-              <a:defRPr sz="1800">
-                <a:solidFill>
-                  <a:schemeClr val="tx1"/>
-                </a:solidFill>
-              </a:defRPr>
-            </a:lvl1pPr>
-            <a:lvl2pPr marL="457200" indent="0">
-              <a:buNone/>
-              <a:defRPr sz="1800">
-                <a:solidFill>
-                  <a:schemeClr val="tx1">
-                    <a:tint val="75000"/>
-                  </a:schemeClr>
-                </a:solidFill>
-              </a:defRPr>
-            </a:lvl2pPr>
-            <a:lvl3pPr marL="914400" indent="0">
-              <a:buNone/>
-              <a:defRPr sz="1600">
-                <a:solidFill>
-                  <a:schemeClr val="tx1">
-                    <a:tint val="75000"/>
-                  </a:schemeClr>
-                </a:solidFill>
-              </a:defRPr>
-            </a:lvl3pPr>
-            <a:lvl4pPr marL="1371600" indent="0">
-              <a:buNone/>
-              <a:defRPr sz="1400">
-                <a:solidFill>
-                  <a:schemeClr val="tx1">
-                    <a:tint val="75000"/>
-                  </a:schemeClr>
-                </a:solidFill>
-              </a:defRPr>
-            </a:lvl4pPr>
-            <a:lvl5pPr marL="1828800" indent="0">
-              <a:buNone/>
-              <a:defRPr sz="1400">
-                <a:solidFill>
-                  <a:schemeClr val="tx1">
-                    <a:tint val="75000"/>
-                  </a:schemeClr>
-                </a:solidFill>
-              </a:defRPr>
-            </a:lvl5pPr>
-            <a:lvl6pPr marL="2286000" indent="0">
-              <a:buNone/>
-              <a:defRPr sz="1400">
-                <a:solidFill>
-                  <a:schemeClr val="tx1">
-                    <a:tint val="75000"/>
-                  </a:schemeClr>
-                </a:solidFill>
-              </a:defRPr>
-            </a:lvl6pPr>
-            <a:lvl7pPr marL="2743200" indent="0">
-              <a:buNone/>
-              <a:defRPr sz="1400">
-                <a:solidFill>
-                  <a:schemeClr val="tx1">
-                    <a:tint val="75000"/>
-                  </a:schemeClr>
-                </a:solidFill>
-              </a:defRPr>
-            </a:lvl7pPr>
-            <a:lvl8pPr marL="3200400" indent="0">
-              <a:buNone/>
-              <a:defRPr sz="1400">
-                <a:solidFill>
-                  <a:schemeClr val="tx1">
-                    <a:tint val="75000"/>
-                  </a:schemeClr>
-                </a:solidFill>
-              </a:defRPr>
-            </a:lvl8pPr>
-            <a:lvl9pPr marL="3657600" indent="0">
-              <a:buNone/>
-              <a:defRPr sz="1400">
-                <a:solidFill>
-                  <a:schemeClr val="tx1">
-                    <a:tint val="75000"/>
-                  </a:schemeClr>
-                </a:solidFill>
-              </a:defRPr>
-            </a:lvl9pPr>
-          </a:lstStyle>
-          <a:p>
-            <a:pPr lvl="0"/>
-            <a:r>
-              <a:rPr lang="zh-CN" altLang="en-US" smtClean="0"/>
-              <a:t>单击此处编辑母版文本样式</a:t>
-            </a:r>
-          </a:p>
-        </p:txBody>
-      </p:sp>
-      <p:sp>
-        <p:nvSpPr>
-          <p:cNvPr id="4" name="Date Placeholder 3"/>
+          <p:cNvPr id="5" name="Date Placeholder 4"/>
           <p:cNvSpPr>
             <a:spLocks noGrp="1"/>
           </p:cNvSpPr>
@@ -2928,7 +2099,7 @@
       </p:sp>
       <p:sp>
         <p:nvSpPr>
-          <p:cNvPr id="5" name="Footer Placeholder 4"/>
+          <p:cNvPr id="6" name="Footer Placeholder 5"/>
           <p:cNvSpPr>
             <a:spLocks noGrp="1"/>
           </p:cNvSpPr>
@@ -2947,7 +2118,87 @@
       </p:sp>
       <p:sp>
         <p:nvSpPr>
-          <p:cNvPr id="6" name="Slide Number Placeholder 5"/>
+          <p:cNvPr id="10" name="Freeform 11"/>
+          <p:cNvSpPr/>
+          <p:nvPr/>
+        </p:nvSpPr>
+        <p:spPr bwMode="auto">
+          <a:xfrm flipV="1">
+            <a:off x="58" y="4910660"/>
+            <a:ext cx="1358356" cy="508005"/>
+          </a:xfrm>
+          <a:custGeom>
+            <a:avLst/>
+            <a:gdLst/>
+            <a:ahLst/>
+            <a:cxnLst/>
+            <a:rect l="l" t="t" r="r" b="b"/>
+            <a:pathLst>
+              <a:path w="7908" h="10000">
+                <a:moveTo>
+                  <a:pt x="7908" y="4694"/>
+                </a:moveTo>
+                <a:lnTo>
+                  <a:pt x="6575" y="188"/>
+                </a:lnTo>
+                <a:cubicBezTo>
+                  <a:pt x="6566" y="157"/>
+                  <a:pt x="6555" y="125"/>
+                  <a:pt x="6546" y="94"/>
+                </a:cubicBezTo>
+                <a:cubicBezTo>
+                  <a:pt x="6519" y="0"/>
+                  <a:pt x="6491" y="0"/>
+                  <a:pt x="6463" y="0"/>
+                </a:cubicBezTo>
+                <a:lnTo>
+                  <a:pt x="5935" y="0"/>
+                </a:lnTo>
+                <a:lnTo>
+                  <a:pt x="0" y="62"/>
+                </a:lnTo>
+                <a:lnTo>
+                  <a:pt x="0" y="10000"/>
+                </a:lnTo>
+                <a:lnTo>
+                  <a:pt x="5935" y="9952"/>
+                </a:lnTo>
+                <a:lnTo>
+                  <a:pt x="6463" y="9952"/>
+                </a:lnTo>
+                <a:cubicBezTo>
+                  <a:pt x="6491" y="9952"/>
+                  <a:pt x="6519" y="9859"/>
+                  <a:pt x="6546" y="9859"/>
+                </a:cubicBezTo>
+                <a:cubicBezTo>
+                  <a:pt x="6546" y="9764"/>
+                  <a:pt x="6575" y="9764"/>
+                  <a:pt x="6575" y="9764"/>
+                </a:cubicBezTo>
+                <a:lnTo>
+                  <a:pt x="7908" y="5258"/>
+                </a:lnTo>
+                <a:cubicBezTo>
+                  <a:pt x="7963" y="5070"/>
+                  <a:pt x="7963" y="4883"/>
+                  <a:pt x="7908" y="4694"/>
+                </a:cubicBezTo>
+                <a:close/>
+              </a:path>
+            </a:pathLst>
+          </a:custGeom>
+          <a:solidFill>
+            <a:schemeClr val="accent1"/>
+          </a:solidFill>
+          <a:ln>
+            <a:noFill/>
+          </a:ln>
+        </p:spPr>
+      </p:sp>
+      <p:sp>
+        <p:nvSpPr>
+          <p:cNvPr id="7" name="Slide Number Placeholder 6"/>
           <p:cNvSpPr>
             <a:spLocks noGrp="1"/>
           </p:cNvSpPr>
@@ -2955,7 +2206,12 @@
             <p:ph type="sldNum" sz="quarter" idx="12"/>
           </p:nvPr>
         </p:nvSpPr>
-        <p:spPr/>
+        <p:spPr>
+          <a:xfrm>
+            <a:off x="511228" y="4983088"/>
+            <a:ext cx="584978" cy="365125"/>
+          </a:xfrm>
+        </p:spPr>
         <p:txBody>
           <a:bodyPr/>
           <a:lstStyle/>
@@ -2972,7 +2228,7 @@
     </p:spTree>
     <p:extLst>
       <p:ext uri="{BB962C8B-B14F-4D97-AF65-F5344CB8AC3E}">
-        <p14:creationId xmlns:p14="http://schemas.microsoft.com/office/powerpoint/2010/main" val="835887852"/>
+        <p14:creationId xmlns:p14="http://schemas.microsoft.com/office/powerpoint/2010/main" val="3378421939"/>
       </p:ext>
     </p:extLst>
   </p:cSld>
@@ -2982,7 +2238,7 @@
 </p:sldLayout>
 </file>
 
-<file path=ppt/slideLayouts/slideLayout16.xml><?xml version="1.0" encoding="utf-8"?>
+<file path=ppt/slideLayouts/slideLayout15.xml><?xml version="1.0" encoding="utf-8"?>
 <p:sldLayout xmlns:a="http://schemas.openxmlformats.org/drawingml/2006/main" xmlns:r="http://schemas.openxmlformats.org/officeDocument/2006/relationships" xmlns:p="http://schemas.openxmlformats.org/presentationml/2006/main" type="vertTx" preserve="1">
   <p:cSld name="标题和竖排文字">
     <p:spTree>
@@ -3012,11 +2268,7 @@
         <p:spPr/>
         <p:txBody>
           <a:bodyPr/>
-          <a:lstStyle>
-            <a:lvl1pPr algn="ctr">
-              <a:defRPr/>
-            </a:lvl1pPr>
-          </a:lstStyle>
+          <a:lstStyle/>
           <a:p>
             <a:r>
               <a:rPr lang="zh-CN" altLang="en-US" smtClean="0"/>
@@ -3123,6 +2375,86 @@
       </p:sp>
       <p:sp>
         <p:nvSpPr>
+          <p:cNvPr id="10" name="Freeform 11"/>
+          <p:cNvSpPr/>
+          <p:nvPr/>
+        </p:nvSpPr>
+        <p:spPr bwMode="auto">
+          <a:xfrm flipV="1">
+            <a:off x="58" y="711194"/>
+            <a:ext cx="1358356" cy="508005"/>
+          </a:xfrm>
+          <a:custGeom>
+            <a:avLst/>
+            <a:gdLst/>
+            <a:ahLst/>
+            <a:cxnLst/>
+            <a:rect l="l" t="t" r="r" b="b"/>
+            <a:pathLst>
+              <a:path w="7908" h="10000">
+                <a:moveTo>
+                  <a:pt x="7908" y="4694"/>
+                </a:moveTo>
+                <a:lnTo>
+                  <a:pt x="6575" y="188"/>
+                </a:lnTo>
+                <a:cubicBezTo>
+                  <a:pt x="6566" y="157"/>
+                  <a:pt x="6555" y="125"/>
+                  <a:pt x="6546" y="94"/>
+                </a:cubicBezTo>
+                <a:cubicBezTo>
+                  <a:pt x="6519" y="0"/>
+                  <a:pt x="6491" y="0"/>
+                  <a:pt x="6463" y="0"/>
+                </a:cubicBezTo>
+                <a:lnTo>
+                  <a:pt x="5935" y="0"/>
+                </a:lnTo>
+                <a:lnTo>
+                  <a:pt x="0" y="62"/>
+                </a:lnTo>
+                <a:lnTo>
+                  <a:pt x="0" y="10000"/>
+                </a:lnTo>
+                <a:lnTo>
+                  <a:pt x="5935" y="9952"/>
+                </a:lnTo>
+                <a:lnTo>
+                  <a:pt x="6463" y="9952"/>
+                </a:lnTo>
+                <a:cubicBezTo>
+                  <a:pt x="6491" y="9952"/>
+                  <a:pt x="6519" y="9859"/>
+                  <a:pt x="6546" y="9859"/>
+                </a:cubicBezTo>
+                <a:cubicBezTo>
+                  <a:pt x="6546" y="9764"/>
+                  <a:pt x="6575" y="9764"/>
+                  <a:pt x="6575" y="9764"/>
+                </a:cubicBezTo>
+                <a:lnTo>
+                  <a:pt x="7908" y="5258"/>
+                </a:lnTo>
+                <a:cubicBezTo>
+                  <a:pt x="7963" y="5070"/>
+                  <a:pt x="7963" y="4883"/>
+                  <a:pt x="7908" y="4694"/>
+                </a:cubicBezTo>
+                <a:close/>
+              </a:path>
+            </a:pathLst>
+          </a:custGeom>
+          <a:solidFill>
+            <a:schemeClr val="accent1"/>
+          </a:solidFill>
+          <a:ln>
+            <a:noFill/>
+          </a:ln>
+        </p:spPr>
+      </p:sp>
+      <p:sp>
+        <p:nvSpPr>
           <p:cNvPr id="6" name="Slide Number Placeholder 5"/>
           <p:cNvSpPr>
             <a:spLocks noGrp="1"/>
@@ -3148,7 +2480,7 @@
     </p:spTree>
     <p:extLst>
       <p:ext uri="{BB962C8B-B14F-4D97-AF65-F5344CB8AC3E}">
-        <p14:creationId xmlns:p14="http://schemas.microsoft.com/office/powerpoint/2010/main" val="1797217110"/>
+        <p14:creationId xmlns:p14="http://schemas.microsoft.com/office/powerpoint/2010/main" val="269356714"/>
       </p:ext>
     </p:extLst>
   </p:cSld>
@@ -3158,7 +2490,7 @@
 </p:sldLayout>
 </file>
 
-<file path=ppt/slideLayouts/slideLayout17.xml><?xml version="1.0" encoding="utf-8"?>
+<file path=ppt/slideLayouts/slideLayout16.xml><?xml version="1.0" encoding="utf-8"?>
 <p:sldLayout xmlns:a="http://schemas.openxmlformats.org/drawingml/2006/main" xmlns:r="http://schemas.openxmlformats.org/officeDocument/2006/relationships" xmlns:p="http://schemas.openxmlformats.org/presentationml/2006/main" type="vertTitleAndTx" preserve="1">
   <p:cSld name="垂直排列标题与&#10;文本">
     <p:spTree>
@@ -3187,12 +2519,12 @@
         </p:nvSpPr>
         <p:spPr>
           <a:xfrm>
-            <a:off x="7301393" y="685800"/>
-            <a:ext cx="1328123" cy="5105400"/>
+            <a:off x="6878535" y="627406"/>
+            <a:ext cx="1656132" cy="5283817"/>
           </a:xfrm>
         </p:spPr>
         <p:txBody>
-          <a:bodyPr vert="eaVert"/>
+          <a:bodyPr vert="eaVert" anchor="ctr"/>
           <a:lstStyle/>
           <a:p>
             <a:r>
@@ -3215,12 +2547,12 @@
         </p:nvSpPr>
         <p:spPr>
           <a:xfrm>
-            <a:off x="1113524" y="685800"/>
-            <a:ext cx="6016373" cy="5105400"/>
+            <a:off x="1942416" y="627406"/>
+            <a:ext cx="4716348" cy="5283817"/>
           </a:xfrm>
         </p:spPr>
         <p:txBody>
-          <a:bodyPr vert="eaVert" anchor="t"/>
+          <a:bodyPr vert="eaVert"/>
           <a:lstStyle/>
           <a:p>
             <a:pPr lvl="0"/>
@@ -3305,6 +2637,86 @@
       </p:sp>
       <p:sp>
         <p:nvSpPr>
+          <p:cNvPr id="10" name="Freeform 11"/>
+          <p:cNvSpPr/>
+          <p:nvPr/>
+        </p:nvSpPr>
+        <p:spPr bwMode="auto">
+          <a:xfrm flipV="1">
+            <a:off x="58" y="711194"/>
+            <a:ext cx="1358356" cy="508005"/>
+          </a:xfrm>
+          <a:custGeom>
+            <a:avLst/>
+            <a:gdLst/>
+            <a:ahLst/>
+            <a:cxnLst/>
+            <a:rect l="l" t="t" r="r" b="b"/>
+            <a:pathLst>
+              <a:path w="7908" h="10000">
+                <a:moveTo>
+                  <a:pt x="7908" y="4694"/>
+                </a:moveTo>
+                <a:lnTo>
+                  <a:pt x="6575" y="188"/>
+                </a:lnTo>
+                <a:cubicBezTo>
+                  <a:pt x="6566" y="157"/>
+                  <a:pt x="6555" y="125"/>
+                  <a:pt x="6546" y="94"/>
+                </a:cubicBezTo>
+                <a:cubicBezTo>
+                  <a:pt x="6519" y="0"/>
+                  <a:pt x="6491" y="0"/>
+                  <a:pt x="6463" y="0"/>
+                </a:cubicBezTo>
+                <a:lnTo>
+                  <a:pt x="5935" y="0"/>
+                </a:lnTo>
+                <a:lnTo>
+                  <a:pt x="0" y="62"/>
+                </a:lnTo>
+                <a:lnTo>
+                  <a:pt x="0" y="10000"/>
+                </a:lnTo>
+                <a:lnTo>
+                  <a:pt x="5935" y="9952"/>
+                </a:lnTo>
+                <a:lnTo>
+                  <a:pt x="6463" y="9952"/>
+                </a:lnTo>
+                <a:cubicBezTo>
+                  <a:pt x="6491" y="9952"/>
+                  <a:pt x="6519" y="9859"/>
+                  <a:pt x="6546" y="9859"/>
+                </a:cubicBezTo>
+                <a:cubicBezTo>
+                  <a:pt x="6546" y="9764"/>
+                  <a:pt x="6575" y="9764"/>
+                  <a:pt x="6575" y="9764"/>
+                </a:cubicBezTo>
+                <a:lnTo>
+                  <a:pt x="7908" y="5258"/>
+                </a:lnTo>
+                <a:cubicBezTo>
+                  <a:pt x="7963" y="5070"/>
+                  <a:pt x="7963" y="4883"/>
+                  <a:pt x="7908" y="4694"/>
+                </a:cubicBezTo>
+                <a:close/>
+              </a:path>
+            </a:pathLst>
+          </a:custGeom>
+          <a:solidFill>
+            <a:schemeClr val="accent1"/>
+          </a:solidFill>
+          <a:ln>
+            <a:noFill/>
+          </a:ln>
+        </p:spPr>
+      </p:sp>
+      <p:sp>
+        <p:nvSpPr>
           <p:cNvPr id="6" name="Slide Number Placeholder 5"/>
           <p:cNvSpPr>
             <a:spLocks noGrp="1"/>
@@ -3330,7 +2742,7 @@
     </p:spTree>
     <p:extLst>
       <p:ext uri="{BB962C8B-B14F-4D97-AF65-F5344CB8AC3E}">
-        <p14:creationId xmlns:p14="http://schemas.microsoft.com/office/powerpoint/2010/main" val="771370678"/>
+        <p14:creationId xmlns:p14="http://schemas.microsoft.com/office/powerpoint/2010/main" val="1055925389"/>
       </p:ext>
     </p:extLst>
   </p:cSld>
@@ -3369,8 +2781,8 @@
         </p:nvSpPr>
         <p:spPr>
           <a:xfrm>
-            <a:off x="982133" y="457201"/>
-            <a:ext cx="7704667" cy="1981200"/>
+            <a:off x="1945201" y="624110"/>
+            <a:ext cx="6589199" cy="1280890"/>
           </a:xfrm>
         </p:spPr>
         <p:txBody>
@@ -3397,12 +2809,12 @@
         </p:nvSpPr>
         <p:spPr>
           <a:xfrm>
-            <a:off x="982133" y="2667000"/>
-            <a:ext cx="7704667" cy="3332816"/>
+            <a:off x="1942415" y="2133600"/>
+            <a:ext cx="6591985" cy="3777622"/>
           </a:xfrm>
         </p:spPr>
         <p:txBody>
-          <a:bodyPr anchor="ctr"/>
+          <a:bodyPr/>
           <a:lstStyle/>
           <a:p>
             <a:pPr lvl="0"/>
@@ -3452,12 +2864,7 @@
             <p:ph type="dt" sz="half" idx="10"/>
           </p:nvPr>
         </p:nvSpPr>
-        <p:spPr>
-          <a:xfrm>
-            <a:off x="7344329" y="6108173"/>
-            <a:ext cx="857473" cy="365125"/>
-          </a:xfrm>
-        </p:spPr>
+        <p:spPr/>
         <p:txBody>
           <a:bodyPr/>
           <a:lstStyle/>
@@ -3481,12 +2888,7 @@
             <p:ph type="ftr" sz="quarter" idx="11"/>
           </p:nvPr>
         </p:nvSpPr>
-        <p:spPr>
-          <a:xfrm>
-            <a:off x="1972647" y="6108173"/>
-            <a:ext cx="5314517" cy="365125"/>
-          </a:xfrm>
-        </p:spPr>
+        <p:spPr/>
         <p:txBody>
           <a:bodyPr/>
           <a:lstStyle/>
@@ -3497,6 +2899,86 @@
       </p:sp>
       <p:sp>
         <p:nvSpPr>
+          <p:cNvPr id="10" name="Freeform 11"/>
+          <p:cNvSpPr/>
+          <p:nvPr/>
+        </p:nvSpPr>
+        <p:spPr bwMode="auto">
+          <a:xfrm flipV="1">
+            <a:off x="58" y="711194"/>
+            <a:ext cx="1358356" cy="508005"/>
+          </a:xfrm>
+          <a:custGeom>
+            <a:avLst/>
+            <a:gdLst/>
+            <a:ahLst/>
+            <a:cxnLst/>
+            <a:rect l="l" t="t" r="r" b="b"/>
+            <a:pathLst>
+              <a:path w="7908" h="10000">
+                <a:moveTo>
+                  <a:pt x="7908" y="4694"/>
+                </a:moveTo>
+                <a:lnTo>
+                  <a:pt x="6575" y="188"/>
+                </a:lnTo>
+                <a:cubicBezTo>
+                  <a:pt x="6566" y="157"/>
+                  <a:pt x="6555" y="125"/>
+                  <a:pt x="6546" y="94"/>
+                </a:cubicBezTo>
+                <a:cubicBezTo>
+                  <a:pt x="6519" y="0"/>
+                  <a:pt x="6491" y="0"/>
+                  <a:pt x="6463" y="0"/>
+                </a:cubicBezTo>
+                <a:lnTo>
+                  <a:pt x="5935" y="0"/>
+                </a:lnTo>
+                <a:lnTo>
+                  <a:pt x="0" y="62"/>
+                </a:lnTo>
+                <a:lnTo>
+                  <a:pt x="0" y="10000"/>
+                </a:lnTo>
+                <a:lnTo>
+                  <a:pt x="5935" y="9952"/>
+                </a:lnTo>
+                <a:lnTo>
+                  <a:pt x="6463" y="9952"/>
+                </a:lnTo>
+                <a:cubicBezTo>
+                  <a:pt x="6491" y="9952"/>
+                  <a:pt x="6519" y="9859"/>
+                  <a:pt x="6546" y="9859"/>
+                </a:cubicBezTo>
+                <a:cubicBezTo>
+                  <a:pt x="6546" y="9764"/>
+                  <a:pt x="6575" y="9764"/>
+                  <a:pt x="6575" y="9764"/>
+                </a:cubicBezTo>
+                <a:lnTo>
+                  <a:pt x="7908" y="5258"/>
+                </a:lnTo>
+                <a:cubicBezTo>
+                  <a:pt x="7963" y="5070"/>
+                  <a:pt x="7963" y="4883"/>
+                  <a:pt x="7908" y="4694"/>
+                </a:cubicBezTo>
+                <a:close/>
+              </a:path>
+            </a:pathLst>
+          </a:custGeom>
+          <a:solidFill>
+            <a:schemeClr val="accent1"/>
+          </a:solidFill>
+          <a:ln>
+            <a:noFill/>
+          </a:ln>
+        </p:spPr>
+      </p:sp>
+      <p:sp>
+        <p:nvSpPr>
           <p:cNvPr id="6" name="Slide Number Placeholder 5"/>
           <p:cNvSpPr>
             <a:spLocks noGrp="1"/>
@@ -3505,12 +2987,7 @@
             <p:ph type="sldNum" sz="quarter" idx="12"/>
           </p:nvPr>
         </p:nvSpPr>
-        <p:spPr>
-          <a:xfrm>
-            <a:off x="8258967" y="6108173"/>
-            <a:ext cx="427833" cy="365125"/>
-          </a:xfrm>
-        </p:spPr>
+        <p:spPr/>
         <p:txBody>
           <a:bodyPr/>
           <a:lstStyle/>
@@ -3527,7 +3004,7 @@
     </p:spTree>
     <p:extLst>
       <p:ext uri="{BB962C8B-B14F-4D97-AF65-F5344CB8AC3E}">
-        <p14:creationId xmlns:p14="http://schemas.microsoft.com/office/powerpoint/2010/main" val="4016697991"/>
+        <p14:creationId xmlns:p14="http://schemas.microsoft.com/office/powerpoint/2010/main" val="1419847195"/>
       </p:ext>
     </p:extLst>
   </p:cSld>
@@ -3566,14 +3043,14 @@
         </p:nvSpPr>
         <p:spPr>
           <a:xfrm>
-            <a:off x="1986995" y="2666998"/>
-            <a:ext cx="6699805" cy="2360071"/>
+            <a:off x="1942415" y="2074562"/>
+            <a:ext cx="6591985" cy="1468800"/>
           </a:xfrm>
         </p:spPr>
         <p:txBody>
           <a:bodyPr anchor="b"/>
           <a:lstStyle>
-            <a:lvl1pPr algn="r">
+            <a:lvl1pPr algn="l">
               <a:defRPr sz="4000" b="0" cap="none"/>
             </a:lvl1pPr>
           </a:lstStyle>
@@ -3598,20 +3075,21 @@
         </p:nvSpPr>
         <p:spPr>
           <a:xfrm>
-            <a:off x="1986998" y="5027070"/>
-            <a:ext cx="6699802" cy="860400"/>
+            <a:off x="1942415" y="3581400"/>
+            <a:ext cx="6591985" cy="860400"/>
           </a:xfrm>
         </p:spPr>
         <p:txBody>
-          <a:bodyPr anchor="t">
-            <a:normAutofit/>
-          </a:bodyPr>
+          <a:bodyPr anchor="t"/>
           <a:lstStyle>
-            <a:lvl1pPr marL="0" indent="0" algn="r">
+            <a:lvl1pPr marL="0" indent="0" algn="l">
               <a:buNone/>
               <a:defRPr sz="2000">
                 <a:solidFill>
-                  <a:schemeClr val="tx1"/>
+                  <a:schemeClr val="tx1">
+                    <a:lumMod val="65000"/>
+                    <a:lumOff val="35000"/>
+                  </a:schemeClr>
                 </a:solidFill>
               </a:defRPr>
             </a:lvl1pPr>
@@ -3750,6 +3228,86 @@
       </p:sp>
       <p:sp>
         <p:nvSpPr>
+          <p:cNvPr id="11" name="Freeform 11"/>
+          <p:cNvSpPr/>
+          <p:nvPr/>
+        </p:nvSpPr>
+        <p:spPr bwMode="auto">
+          <a:xfrm flipV="1">
+            <a:off x="58" y="3166527"/>
+            <a:ext cx="1358356" cy="508005"/>
+          </a:xfrm>
+          <a:custGeom>
+            <a:avLst/>
+            <a:gdLst/>
+            <a:ahLst/>
+            <a:cxnLst/>
+            <a:rect l="l" t="t" r="r" b="b"/>
+            <a:pathLst>
+              <a:path w="7908" h="10000">
+                <a:moveTo>
+                  <a:pt x="7908" y="4694"/>
+                </a:moveTo>
+                <a:lnTo>
+                  <a:pt x="6575" y="188"/>
+                </a:lnTo>
+                <a:cubicBezTo>
+                  <a:pt x="6566" y="157"/>
+                  <a:pt x="6555" y="125"/>
+                  <a:pt x="6546" y="94"/>
+                </a:cubicBezTo>
+                <a:cubicBezTo>
+                  <a:pt x="6519" y="0"/>
+                  <a:pt x="6491" y="0"/>
+                  <a:pt x="6463" y="0"/>
+                </a:cubicBezTo>
+                <a:lnTo>
+                  <a:pt x="5935" y="0"/>
+                </a:lnTo>
+                <a:lnTo>
+                  <a:pt x="0" y="62"/>
+                </a:lnTo>
+                <a:lnTo>
+                  <a:pt x="0" y="10000"/>
+                </a:lnTo>
+                <a:lnTo>
+                  <a:pt x="5935" y="9952"/>
+                </a:lnTo>
+                <a:lnTo>
+                  <a:pt x="6463" y="9952"/>
+                </a:lnTo>
+                <a:cubicBezTo>
+                  <a:pt x="6491" y="9952"/>
+                  <a:pt x="6519" y="9859"/>
+                  <a:pt x="6546" y="9859"/>
+                </a:cubicBezTo>
+                <a:cubicBezTo>
+                  <a:pt x="6546" y="9764"/>
+                  <a:pt x="6575" y="9764"/>
+                  <a:pt x="6575" y="9764"/>
+                </a:cubicBezTo>
+                <a:lnTo>
+                  <a:pt x="7908" y="5258"/>
+                </a:lnTo>
+                <a:cubicBezTo>
+                  <a:pt x="7963" y="5070"/>
+                  <a:pt x="7963" y="4883"/>
+                  <a:pt x="7908" y="4694"/>
+                </a:cubicBezTo>
+                <a:close/>
+              </a:path>
+            </a:pathLst>
+          </a:custGeom>
+          <a:solidFill>
+            <a:schemeClr val="accent1"/>
+          </a:solidFill>
+          <a:ln>
+            <a:noFill/>
+          </a:ln>
+        </p:spPr>
+      </p:sp>
+      <p:sp>
+        <p:nvSpPr>
           <p:cNvPr id="6" name="Slide Number Placeholder 5"/>
           <p:cNvSpPr>
             <a:spLocks noGrp="1"/>
@@ -3760,8 +3318,8 @@
         </p:nvSpPr>
         <p:spPr>
           <a:xfrm>
-            <a:off x="8273317" y="6116070"/>
-            <a:ext cx="413483" cy="365125"/>
+            <a:off x="511228" y="3244140"/>
+            <a:ext cx="584978" cy="365125"/>
           </a:xfrm>
         </p:spPr>
         <p:txBody>
@@ -3780,7 +3338,7 @@
     </p:spTree>
     <p:extLst>
       <p:ext uri="{BB962C8B-B14F-4D97-AF65-F5344CB8AC3E}">
-        <p14:creationId xmlns:p14="http://schemas.microsoft.com/office/powerpoint/2010/main" val="2400199352"/>
+        <p14:creationId xmlns:p14="http://schemas.microsoft.com/office/powerpoint/2010/main" val="1619491344"/>
       </p:ext>
     </p:extLst>
   </p:cSld>
@@ -3809,81 +3367,48 @@
       </p:grpSpPr>
       <p:sp>
         <p:nvSpPr>
-          <p:cNvPr id="2" name="Title 1"/>
+          <p:cNvPr id="8" name="Title 7"/>
           <p:cNvSpPr>
             <a:spLocks noGrp="1"/>
           </p:cNvSpPr>
           <p:nvPr>
             <p:ph type="title"/>
+          </p:nvPr>
+        </p:nvSpPr>
+        <p:spPr/>
+        <p:txBody>
+          <a:bodyPr/>
+          <a:lstStyle/>
+          <a:p>
+            <a:r>
+              <a:rPr lang="zh-CN" altLang="en-US" smtClean="0"/>
+              <a:t>单击此处编辑母版标题样式</a:t>
+            </a:r>
+            <a:endParaRPr lang="en-US" dirty="0"/>
+          </a:p>
+        </p:txBody>
+      </p:sp>
+      <p:sp>
+        <p:nvSpPr>
+          <p:cNvPr id="3" name="Content Placeholder 2"/>
+          <p:cNvSpPr>
+            <a:spLocks noGrp="1"/>
+          </p:cNvSpPr>
+          <p:nvPr>
+            <p:ph sz="half" idx="1"/>
           </p:nvPr>
         </p:nvSpPr>
         <p:spPr>
           <a:xfrm>
-            <a:off x="982133" y="685801"/>
-            <a:ext cx="7704667" cy="1752599"/>
-          </a:xfrm>
-        </p:spPr>
-        <p:txBody>
-          <a:bodyPr/>
-          <a:lstStyle/>
-          <a:p>
-            <a:r>
-              <a:rPr lang="zh-CN" altLang="en-US" smtClean="0"/>
-              <a:t>单击此处编辑母版标题样式</a:t>
-            </a:r>
-            <a:endParaRPr lang="en-US" dirty="0"/>
-          </a:p>
-        </p:txBody>
-      </p:sp>
-      <p:sp>
-        <p:nvSpPr>
-          <p:cNvPr id="3" name="Content Placeholder 2"/>
-          <p:cNvSpPr>
-            <a:spLocks noGrp="1"/>
-          </p:cNvSpPr>
-          <p:nvPr>
-            <p:ph sz="half" idx="1"/>
-          </p:nvPr>
-        </p:nvSpPr>
-        <p:spPr>
-          <a:xfrm>
-            <a:off x="982133" y="2667000"/>
-            <a:ext cx="3739896" cy="3368674"/>
+            <a:off x="1942416" y="2136706"/>
+            <a:ext cx="3197531" cy="3767397"/>
           </a:xfrm>
         </p:spPr>
         <p:txBody>
           <a:bodyPr>
             <a:normAutofit/>
           </a:bodyPr>
-          <a:lstStyle>
-            <a:lvl1pPr>
-              <a:defRPr sz="1800"/>
-            </a:lvl1pPr>
-            <a:lvl2pPr>
-              <a:defRPr sz="1600"/>
-            </a:lvl2pPr>
-            <a:lvl3pPr>
-              <a:defRPr sz="1400"/>
-            </a:lvl3pPr>
-            <a:lvl4pPr>
-              <a:defRPr sz="1200"/>
-            </a:lvl4pPr>
-            <a:lvl5pPr>
-              <a:defRPr sz="1200"/>
-            </a:lvl5pPr>
-            <a:lvl6pPr>
-              <a:defRPr sz="1200"/>
-            </a:lvl6pPr>
-            <a:lvl7pPr>
-              <a:defRPr sz="1200"/>
-            </a:lvl7pPr>
-            <a:lvl8pPr>
-              <a:defRPr sz="1200"/>
-            </a:lvl8pPr>
-            <a:lvl9pPr>
-              <a:defRPr sz="1200"/>
-            </a:lvl9pPr>
-          </a:lstStyle>
+          <a:lstStyle/>
           <a:p>
             <a:pPr lvl="0"/>
             <a:r>
@@ -3934,43 +3459,15 @@
         </p:nvSpPr>
         <p:spPr>
           <a:xfrm>
-            <a:off x="4946904" y="2667000"/>
-            <a:ext cx="3739896" cy="3346824"/>
+            <a:off x="5337307" y="2136706"/>
+            <a:ext cx="3197093" cy="3767397"/>
           </a:xfrm>
         </p:spPr>
         <p:txBody>
           <a:bodyPr>
             <a:normAutofit/>
           </a:bodyPr>
-          <a:lstStyle>
-            <a:lvl1pPr>
-              <a:defRPr sz="1800"/>
-            </a:lvl1pPr>
-            <a:lvl2pPr>
-              <a:defRPr sz="1600"/>
-            </a:lvl2pPr>
-            <a:lvl3pPr>
-              <a:defRPr sz="1400"/>
-            </a:lvl3pPr>
-            <a:lvl4pPr>
-              <a:defRPr sz="1200"/>
-            </a:lvl4pPr>
-            <a:lvl5pPr>
-              <a:defRPr sz="1200"/>
-            </a:lvl5pPr>
-            <a:lvl6pPr>
-              <a:defRPr sz="1200"/>
-            </a:lvl6pPr>
-            <a:lvl7pPr>
-              <a:defRPr sz="1200"/>
-            </a:lvl7pPr>
-            <a:lvl8pPr>
-              <a:defRPr sz="1200"/>
-            </a:lvl8pPr>
-            <a:lvl9pPr>
-              <a:defRPr sz="1200"/>
-            </a:lvl9pPr>
-          </a:lstStyle>
+          <a:lstStyle/>
           <a:p>
             <a:pPr lvl="0"/>
             <a:r>
@@ -4054,7 +3551,87 @@
       </p:sp>
       <p:sp>
         <p:nvSpPr>
-          <p:cNvPr id="7" name="Slide Number Placeholder 6"/>
+          <p:cNvPr id="9" name="Freeform 11"/>
+          <p:cNvSpPr/>
+          <p:nvPr/>
+        </p:nvSpPr>
+        <p:spPr bwMode="auto">
+          <a:xfrm flipV="1">
+            <a:off x="58" y="711194"/>
+            <a:ext cx="1358356" cy="508005"/>
+          </a:xfrm>
+          <a:custGeom>
+            <a:avLst/>
+            <a:gdLst/>
+            <a:ahLst/>
+            <a:cxnLst/>
+            <a:rect l="l" t="t" r="r" b="b"/>
+            <a:pathLst>
+              <a:path w="7908" h="10000">
+                <a:moveTo>
+                  <a:pt x="7908" y="4694"/>
+                </a:moveTo>
+                <a:lnTo>
+                  <a:pt x="6575" y="188"/>
+                </a:lnTo>
+                <a:cubicBezTo>
+                  <a:pt x="6566" y="157"/>
+                  <a:pt x="6555" y="125"/>
+                  <a:pt x="6546" y="94"/>
+                </a:cubicBezTo>
+                <a:cubicBezTo>
+                  <a:pt x="6519" y="0"/>
+                  <a:pt x="6491" y="0"/>
+                  <a:pt x="6463" y="0"/>
+                </a:cubicBezTo>
+                <a:lnTo>
+                  <a:pt x="5935" y="0"/>
+                </a:lnTo>
+                <a:lnTo>
+                  <a:pt x="0" y="62"/>
+                </a:lnTo>
+                <a:lnTo>
+                  <a:pt x="0" y="10000"/>
+                </a:lnTo>
+                <a:lnTo>
+                  <a:pt x="5935" y="9952"/>
+                </a:lnTo>
+                <a:lnTo>
+                  <a:pt x="6463" y="9952"/>
+                </a:lnTo>
+                <a:cubicBezTo>
+                  <a:pt x="6491" y="9952"/>
+                  <a:pt x="6519" y="9859"/>
+                  <a:pt x="6546" y="9859"/>
+                </a:cubicBezTo>
+                <a:cubicBezTo>
+                  <a:pt x="6546" y="9764"/>
+                  <a:pt x="6575" y="9764"/>
+                  <a:pt x="6575" y="9764"/>
+                </a:cubicBezTo>
+                <a:lnTo>
+                  <a:pt x="7908" y="5258"/>
+                </a:lnTo>
+                <a:cubicBezTo>
+                  <a:pt x="7963" y="5070"/>
+                  <a:pt x="7963" y="4883"/>
+                  <a:pt x="7908" y="4694"/>
+                </a:cubicBezTo>
+                <a:close/>
+              </a:path>
+            </a:pathLst>
+          </a:custGeom>
+          <a:solidFill>
+            <a:schemeClr val="accent1"/>
+          </a:solidFill>
+          <a:ln>
+            <a:noFill/>
+          </a:ln>
+        </p:spPr>
+      </p:sp>
+      <p:sp>
+        <p:nvSpPr>
+          <p:cNvPr id="10" name="Slide Number Placeholder 5"/>
           <p:cNvSpPr>
             <a:spLocks noGrp="1"/>
           </p:cNvSpPr>
@@ -4062,7 +3639,12 @@
             <p:ph type="sldNum" sz="quarter" idx="12"/>
           </p:nvPr>
         </p:nvSpPr>
-        <p:spPr/>
+        <p:spPr>
+          <a:xfrm>
+            <a:off x="511228" y="787783"/>
+            <a:ext cx="584978" cy="365125"/>
+          </a:xfrm>
+        </p:spPr>
         <p:txBody>
           <a:bodyPr/>
           <a:lstStyle/>
@@ -4079,7 +3661,7 @@
     </p:spTree>
     <p:extLst>
       <p:ext uri="{BB962C8B-B14F-4D97-AF65-F5344CB8AC3E}">
-        <p14:creationId xmlns:p14="http://schemas.microsoft.com/office/powerpoint/2010/main" val="2139216035"/>
+        <p14:creationId xmlns:p14="http://schemas.microsoft.com/office/powerpoint/2010/main" val="3138563294"/>
       </p:ext>
     </p:extLst>
   </p:cSld>
@@ -4108,7 +3690,7 @@
       </p:grpSpPr>
       <p:sp>
         <p:nvSpPr>
-          <p:cNvPr id="2" name="Title 1"/>
+          <p:cNvPr id="10" name="Title 9"/>
           <p:cNvSpPr>
             <a:spLocks noGrp="1"/>
           </p:cNvSpPr>
@@ -4119,11 +3701,7 @@
         <p:spPr/>
         <p:txBody>
           <a:bodyPr/>
-          <a:lstStyle>
-            <a:lvl1pPr>
-              <a:defRPr/>
-            </a:lvl1pPr>
-          </a:lstStyle>
+          <a:lstStyle/>
           <a:p>
             <a:r>
               <a:rPr lang="zh-CN" altLang="en-US" smtClean="0"/>
@@ -4145,8 +3723,8 @@
         </p:nvSpPr>
         <p:spPr>
           <a:xfrm>
-            <a:off x="1329481" y="2658533"/>
-            <a:ext cx="3456291" cy="576262"/>
+            <a:off x="2265352" y="2226626"/>
+            <a:ext cx="2874596" cy="576262"/>
           </a:xfrm>
         </p:spPr>
         <p:txBody>
@@ -4156,13 +3734,7 @@
           <a:lstStyle>
             <a:lvl1pPr marL="0" indent="0">
               <a:buNone/>
-              <a:defRPr sz="2800" b="0">
-                <a:solidFill>
-                  <a:schemeClr val="accent1">
-                    <a:lumMod val="75000"/>
-                  </a:schemeClr>
-                </a:solidFill>
-              </a:defRPr>
+              <a:defRPr sz="2400" b="0"/>
             </a:lvl1pPr>
             <a:lvl2pPr marL="457200" indent="0">
               <a:buNone/>
@@ -4218,43 +3790,15 @@
         </p:nvSpPr>
         <p:spPr>
           <a:xfrm>
-            <a:off x="1113523" y="3335336"/>
-            <a:ext cx="3672248" cy="2665259"/>
+            <a:off x="1942415" y="2802888"/>
+            <a:ext cx="3197532" cy="3105703"/>
           </a:xfrm>
         </p:spPr>
         <p:txBody>
-          <a:bodyPr anchor="t">
+          <a:bodyPr>
             <a:normAutofit/>
           </a:bodyPr>
-          <a:lstStyle>
-            <a:lvl1pPr>
-              <a:defRPr sz="1800"/>
-            </a:lvl1pPr>
-            <a:lvl2pPr>
-              <a:defRPr sz="1600"/>
-            </a:lvl2pPr>
-            <a:lvl3pPr>
-              <a:defRPr sz="1400"/>
-            </a:lvl3pPr>
-            <a:lvl4pPr>
-              <a:defRPr sz="1200"/>
-            </a:lvl4pPr>
-            <a:lvl5pPr>
-              <a:defRPr sz="1200"/>
-            </a:lvl5pPr>
-            <a:lvl6pPr>
-              <a:defRPr sz="1200"/>
-            </a:lvl6pPr>
-            <a:lvl7pPr>
-              <a:defRPr sz="1200"/>
-            </a:lvl7pPr>
-            <a:lvl8pPr>
-              <a:defRPr sz="1200"/>
-            </a:lvl8pPr>
-            <a:lvl9pPr>
-              <a:defRPr sz="1200"/>
-            </a:lvl9pPr>
-          </a:lstStyle>
+          <a:lstStyle/>
           <a:p>
             <a:pPr lvl="0"/>
             <a:r>
@@ -4305,8 +3849,8 @@
         </p:nvSpPr>
         <p:spPr>
           <a:xfrm>
-            <a:off x="5161710" y="2667000"/>
-            <a:ext cx="3467806" cy="576262"/>
+            <a:off x="5656154" y="2223398"/>
+            <a:ext cx="2873239" cy="576262"/>
           </a:xfrm>
         </p:spPr>
         <p:txBody>
@@ -4316,13 +3860,7 @@
           <a:lstStyle>
             <a:lvl1pPr marL="0" indent="0">
               <a:buNone/>
-              <a:defRPr sz="2800" b="0">
-                <a:solidFill>
-                  <a:schemeClr val="accent1">
-                    <a:lumMod val="75000"/>
-                  </a:schemeClr>
-                </a:solidFill>
-              </a:defRPr>
+              <a:defRPr sz="2400" b="0"/>
             </a:lvl1pPr>
             <a:lvl2pPr marL="457200" indent="0">
               <a:buNone/>
@@ -4378,43 +3916,15 @@
         </p:nvSpPr>
         <p:spPr>
           <a:xfrm>
-            <a:off x="4957266" y="3335336"/>
-            <a:ext cx="3672248" cy="2665259"/>
+            <a:off x="5333715" y="2799660"/>
+            <a:ext cx="3195680" cy="3105703"/>
           </a:xfrm>
         </p:spPr>
         <p:txBody>
-          <a:bodyPr anchor="t">
+          <a:bodyPr>
             <a:normAutofit/>
           </a:bodyPr>
-          <a:lstStyle>
-            <a:lvl1pPr>
-              <a:defRPr sz="1800"/>
-            </a:lvl1pPr>
-            <a:lvl2pPr>
-              <a:defRPr sz="1600"/>
-            </a:lvl2pPr>
-            <a:lvl3pPr>
-              <a:defRPr sz="1400"/>
-            </a:lvl3pPr>
-            <a:lvl4pPr>
-              <a:defRPr sz="1200"/>
-            </a:lvl4pPr>
-            <a:lvl5pPr>
-              <a:defRPr sz="1200"/>
-            </a:lvl5pPr>
-            <a:lvl6pPr>
-              <a:defRPr sz="1200"/>
-            </a:lvl6pPr>
-            <a:lvl7pPr>
-              <a:defRPr sz="1200"/>
-            </a:lvl7pPr>
-            <a:lvl8pPr>
-              <a:defRPr sz="1200"/>
-            </a:lvl8pPr>
-            <a:lvl9pPr>
-              <a:defRPr sz="1200"/>
-            </a:lvl9pPr>
-          </a:lstStyle>
+          <a:lstStyle/>
           <a:p>
             <a:pPr lvl="0"/>
             <a:r>
@@ -4498,7 +4008,87 @@
       </p:sp>
       <p:sp>
         <p:nvSpPr>
-          <p:cNvPr id="9" name="Slide Number Placeholder 8"/>
+          <p:cNvPr id="11" name="Freeform 11"/>
+          <p:cNvSpPr/>
+          <p:nvPr/>
+        </p:nvSpPr>
+        <p:spPr bwMode="auto">
+          <a:xfrm flipV="1">
+            <a:off x="58" y="711194"/>
+            <a:ext cx="1358356" cy="508005"/>
+          </a:xfrm>
+          <a:custGeom>
+            <a:avLst/>
+            <a:gdLst/>
+            <a:ahLst/>
+            <a:cxnLst/>
+            <a:rect l="l" t="t" r="r" b="b"/>
+            <a:pathLst>
+              <a:path w="7908" h="10000">
+                <a:moveTo>
+                  <a:pt x="7908" y="4694"/>
+                </a:moveTo>
+                <a:lnTo>
+                  <a:pt x="6575" y="188"/>
+                </a:lnTo>
+                <a:cubicBezTo>
+                  <a:pt x="6566" y="157"/>
+                  <a:pt x="6555" y="125"/>
+                  <a:pt x="6546" y="94"/>
+                </a:cubicBezTo>
+                <a:cubicBezTo>
+                  <a:pt x="6519" y="0"/>
+                  <a:pt x="6491" y="0"/>
+                  <a:pt x="6463" y="0"/>
+                </a:cubicBezTo>
+                <a:lnTo>
+                  <a:pt x="5935" y="0"/>
+                </a:lnTo>
+                <a:lnTo>
+                  <a:pt x="0" y="62"/>
+                </a:lnTo>
+                <a:lnTo>
+                  <a:pt x="0" y="10000"/>
+                </a:lnTo>
+                <a:lnTo>
+                  <a:pt x="5935" y="9952"/>
+                </a:lnTo>
+                <a:lnTo>
+                  <a:pt x="6463" y="9952"/>
+                </a:lnTo>
+                <a:cubicBezTo>
+                  <a:pt x="6491" y="9952"/>
+                  <a:pt x="6519" y="9859"/>
+                  <a:pt x="6546" y="9859"/>
+                </a:cubicBezTo>
+                <a:cubicBezTo>
+                  <a:pt x="6546" y="9764"/>
+                  <a:pt x="6575" y="9764"/>
+                  <a:pt x="6575" y="9764"/>
+                </a:cubicBezTo>
+                <a:lnTo>
+                  <a:pt x="7908" y="5258"/>
+                </a:lnTo>
+                <a:cubicBezTo>
+                  <a:pt x="7963" y="5070"/>
+                  <a:pt x="7963" y="4883"/>
+                  <a:pt x="7908" y="4694"/>
+                </a:cubicBezTo>
+                <a:close/>
+              </a:path>
+            </a:pathLst>
+          </a:custGeom>
+          <a:solidFill>
+            <a:schemeClr val="accent1"/>
+          </a:solidFill>
+          <a:ln>
+            <a:noFill/>
+          </a:ln>
+        </p:spPr>
+      </p:sp>
+      <p:sp>
+        <p:nvSpPr>
+          <p:cNvPr id="12" name="Slide Number Placeholder 5"/>
           <p:cNvSpPr>
             <a:spLocks noGrp="1"/>
           </p:cNvSpPr>
@@ -4506,7 +4096,12 @@
             <p:ph type="sldNum" sz="quarter" idx="12"/>
           </p:nvPr>
         </p:nvSpPr>
-        <p:spPr/>
+        <p:spPr>
+          <a:xfrm>
+            <a:off x="511228" y="787783"/>
+            <a:ext cx="584978" cy="365125"/>
+          </a:xfrm>
+        </p:spPr>
         <p:txBody>
           <a:bodyPr/>
           <a:lstStyle/>
@@ -4523,7 +4118,7 @@
     </p:spTree>
     <p:extLst>
       <p:ext uri="{BB962C8B-B14F-4D97-AF65-F5344CB8AC3E}">
-        <p14:creationId xmlns:p14="http://schemas.microsoft.com/office/powerpoint/2010/main" val="4037657135"/>
+        <p14:creationId xmlns:p14="http://schemas.microsoft.com/office/powerpoint/2010/main" val="1223444173"/>
       </p:ext>
     </p:extLst>
   </p:cSld>
@@ -4560,7 +4155,12 @@
             <p:ph type="title"/>
           </p:nvPr>
         </p:nvSpPr>
-        <p:spPr/>
+        <p:spPr>
+          <a:xfrm>
+            <a:off x="1945200" y="624110"/>
+            <a:ext cx="6589200" cy="1280890"/>
+          </a:xfrm>
+        </p:spPr>
         <p:txBody>
           <a:bodyPr/>
           <a:lstStyle/>
@@ -4618,6 +4218,86 @@
       </p:sp>
       <p:sp>
         <p:nvSpPr>
+          <p:cNvPr id="8" name="Freeform 11"/>
+          <p:cNvSpPr/>
+          <p:nvPr/>
+        </p:nvSpPr>
+        <p:spPr bwMode="auto">
+          <a:xfrm flipV="1">
+            <a:off x="58" y="711194"/>
+            <a:ext cx="1358356" cy="508005"/>
+          </a:xfrm>
+          <a:custGeom>
+            <a:avLst/>
+            <a:gdLst/>
+            <a:ahLst/>
+            <a:cxnLst/>
+            <a:rect l="l" t="t" r="r" b="b"/>
+            <a:pathLst>
+              <a:path w="7908" h="10000">
+                <a:moveTo>
+                  <a:pt x="7908" y="4694"/>
+                </a:moveTo>
+                <a:lnTo>
+                  <a:pt x="6575" y="188"/>
+                </a:lnTo>
+                <a:cubicBezTo>
+                  <a:pt x="6566" y="157"/>
+                  <a:pt x="6555" y="125"/>
+                  <a:pt x="6546" y="94"/>
+                </a:cubicBezTo>
+                <a:cubicBezTo>
+                  <a:pt x="6519" y="0"/>
+                  <a:pt x="6491" y="0"/>
+                  <a:pt x="6463" y="0"/>
+                </a:cubicBezTo>
+                <a:lnTo>
+                  <a:pt x="5935" y="0"/>
+                </a:lnTo>
+                <a:lnTo>
+                  <a:pt x="0" y="62"/>
+                </a:lnTo>
+                <a:lnTo>
+                  <a:pt x="0" y="10000"/>
+                </a:lnTo>
+                <a:lnTo>
+                  <a:pt x="5935" y="9952"/>
+                </a:lnTo>
+                <a:lnTo>
+                  <a:pt x="6463" y="9952"/>
+                </a:lnTo>
+                <a:cubicBezTo>
+                  <a:pt x="6491" y="9952"/>
+                  <a:pt x="6519" y="9859"/>
+                  <a:pt x="6546" y="9859"/>
+                </a:cubicBezTo>
+                <a:cubicBezTo>
+                  <a:pt x="6546" y="9764"/>
+                  <a:pt x="6575" y="9764"/>
+                  <a:pt x="6575" y="9764"/>
+                </a:cubicBezTo>
+                <a:lnTo>
+                  <a:pt x="7908" y="5258"/>
+                </a:lnTo>
+                <a:cubicBezTo>
+                  <a:pt x="7963" y="5070"/>
+                  <a:pt x="7963" y="4883"/>
+                  <a:pt x="7908" y="4694"/>
+                </a:cubicBezTo>
+                <a:close/>
+              </a:path>
+            </a:pathLst>
+          </a:custGeom>
+          <a:solidFill>
+            <a:schemeClr val="accent1"/>
+          </a:solidFill>
+          <a:ln>
+            <a:noFill/>
+          </a:ln>
+        </p:spPr>
+      </p:sp>
+      <p:sp>
+        <p:nvSpPr>
           <p:cNvPr id="5" name="Slide Number Placeholder 4"/>
           <p:cNvSpPr>
             <a:spLocks noGrp="1"/>
@@ -4643,7 +4323,7 @@
     </p:spTree>
     <p:extLst>
       <p:ext uri="{BB962C8B-B14F-4D97-AF65-F5344CB8AC3E}">
-        <p14:creationId xmlns:p14="http://schemas.microsoft.com/office/powerpoint/2010/main" val="2571876356"/>
+        <p14:creationId xmlns:p14="http://schemas.microsoft.com/office/powerpoint/2010/main" val="3446412141"/>
       </p:ext>
     </p:extLst>
   </p:cSld>
@@ -4715,6 +4395,86 @@
       </p:sp>
       <p:sp>
         <p:nvSpPr>
+          <p:cNvPr id="6" name="Freeform 11"/>
+          <p:cNvSpPr/>
+          <p:nvPr/>
+        </p:nvSpPr>
+        <p:spPr bwMode="auto">
+          <a:xfrm flipV="1">
+            <a:off x="58" y="711194"/>
+            <a:ext cx="1358356" cy="508005"/>
+          </a:xfrm>
+          <a:custGeom>
+            <a:avLst/>
+            <a:gdLst/>
+            <a:ahLst/>
+            <a:cxnLst/>
+            <a:rect l="l" t="t" r="r" b="b"/>
+            <a:pathLst>
+              <a:path w="7908" h="10000">
+                <a:moveTo>
+                  <a:pt x="7908" y="4694"/>
+                </a:moveTo>
+                <a:lnTo>
+                  <a:pt x="6575" y="188"/>
+                </a:lnTo>
+                <a:cubicBezTo>
+                  <a:pt x="6566" y="157"/>
+                  <a:pt x="6555" y="125"/>
+                  <a:pt x="6546" y="94"/>
+                </a:cubicBezTo>
+                <a:cubicBezTo>
+                  <a:pt x="6519" y="0"/>
+                  <a:pt x="6491" y="0"/>
+                  <a:pt x="6463" y="0"/>
+                </a:cubicBezTo>
+                <a:lnTo>
+                  <a:pt x="5935" y="0"/>
+                </a:lnTo>
+                <a:lnTo>
+                  <a:pt x="0" y="62"/>
+                </a:lnTo>
+                <a:lnTo>
+                  <a:pt x="0" y="10000"/>
+                </a:lnTo>
+                <a:lnTo>
+                  <a:pt x="5935" y="9952"/>
+                </a:lnTo>
+                <a:lnTo>
+                  <a:pt x="6463" y="9952"/>
+                </a:lnTo>
+                <a:cubicBezTo>
+                  <a:pt x="6491" y="9952"/>
+                  <a:pt x="6519" y="9859"/>
+                  <a:pt x="6546" y="9859"/>
+                </a:cubicBezTo>
+                <a:cubicBezTo>
+                  <a:pt x="6546" y="9764"/>
+                  <a:pt x="6575" y="9764"/>
+                  <a:pt x="6575" y="9764"/>
+                </a:cubicBezTo>
+                <a:lnTo>
+                  <a:pt x="7908" y="5258"/>
+                </a:lnTo>
+                <a:cubicBezTo>
+                  <a:pt x="7963" y="5070"/>
+                  <a:pt x="7963" y="4883"/>
+                  <a:pt x="7908" y="4694"/>
+                </a:cubicBezTo>
+                <a:close/>
+              </a:path>
+            </a:pathLst>
+          </a:custGeom>
+          <a:solidFill>
+            <a:schemeClr val="accent1"/>
+          </a:solidFill>
+          <a:ln>
+            <a:noFill/>
+          </a:ln>
+        </p:spPr>
+      </p:sp>
+      <p:sp>
+        <p:nvSpPr>
           <p:cNvPr id="4" name="Slide Number Placeholder 3"/>
           <p:cNvSpPr>
             <a:spLocks noGrp="1"/>
@@ -4740,7 +4500,7 @@
     </p:spTree>
     <p:extLst>
       <p:ext uri="{BB962C8B-B14F-4D97-AF65-F5344CB8AC3E}">
-        <p14:creationId xmlns:p14="http://schemas.microsoft.com/office/powerpoint/2010/main" val="3325927829"/>
+        <p14:creationId xmlns:p14="http://schemas.microsoft.com/office/powerpoint/2010/main" val="1014017904"/>
       </p:ext>
     </p:extLst>
   </p:cSld>
@@ -4779,17 +4539,15 @@
         </p:nvSpPr>
         <p:spPr>
           <a:xfrm>
-            <a:off x="1113524" y="1600200"/>
-            <a:ext cx="2662534" cy="1371600"/>
+            <a:off x="1942415" y="446088"/>
+            <a:ext cx="2629584" cy="976312"/>
           </a:xfrm>
         </p:spPr>
         <p:txBody>
-          <a:bodyPr anchor="b">
-            <a:normAutofit/>
-          </a:bodyPr>
+          <a:bodyPr anchor="b"/>
           <a:lstStyle>
-            <a:lvl1pPr algn="ctr">
-              <a:defRPr sz="2400" b="0"/>
+            <a:lvl1pPr algn="l">
+              <a:defRPr sz="2000" b="0"/>
             </a:lvl1pPr>
           </a:lstStyle>
           <a:p>
@@ -4813,43 +4571,15 @@
         </p:nvSpPr>
         <p:spPr>
           <a:xfrm>
-            <a:off x="3947553" y="685800"/>
-            <a:ext cx="4681962" cy="5105401"/>
+            <a:off x="4743494" y="446089"/>
+            <a:ext cx="3790906" cy="5414963"/>
           </a:xfrm>
         </p:spPr>
         <p:txBody>
           <a:bodyPr anchor="ctr">
             <a:normAutofit/>
           </a:bodyPr>
-          <a:lstStyle>
-            <a:lvl1pPr>
-              <a:defRPr sz="2000"/>
-            </a:lvl1pPr>
-            <a:lvl2pPr>
-              <a:defRPr sz="1800"/>
-            </a:lvl2pPr>
-            <a:lvl3pPr>
-              <a:defRPr sz="1600"/>
-            </a:lvl3pPr>
-            <a:lvl4pPr>
-              <a:defRPr sz="1400"/>
-            </a:lvl4pPr>
-            <a:lvl5pPr>
-              <a:defRPr sz="1400"/>
-            </a:lvl5pPr>
-            <a:lvl6pPr>
-              <a:defRPr sz="1400"/>
-            </a:lvl6pPr>
-            <a:lvl7pPr>
-              <a:defRPr sz="1400"/>
-            </a:lvl7pPr>
-            <a:lvl8pPr>
-              <a:defRPr sz="1400"/>
-            </a:lvl8pPr>
-            <a:lvl9pPr>
-              <a:defRPr sz="1400"/>
-            </a:lvl9pPr>
-          </a:lstStyle>
+          <a:lstStyle/>
           <a:p>
             <a:pPr lvl="0"/>
             <a:r>
@@ -4900,18 +4630,16 @@
         </p:nvSpPr>
         <p:spPr>
           <a:xfrm>
-            <a:off x="1113524" y="2971800"/>
-            <a:ext cx="2662534" cy="1828800"/>
+            <a:off x="1942415" y="1598613"/>
+            <a:ext cx="2629584" cy="4262436"/>
           </a:xfrm>
         </p:spPr>
         <p:txBody>
-          <a:bodyPr>
-            <a:normAutofit/>
-          </a:bodyPr>
+          <a:bodyPr/>
           <a:lstStyle>
-            <a:lvl1pPr marL="0" indent="0" algn="ctr">
-              <a:buNone/>
-              <a:defRPr sz="1600"/>
+            <a:lvl1pPr marL="0" indent="0">
+              <a:buNone/>
+              <a:defRPr sz="1400"/>
             </a:lvl1pPr>
             <a:lvl2pPr marL="457200" indent="0">
               <a:buNone/>
@@ -5000,6 +4728,86 @@
       </p:sp>
       <p:sp>
         <p:nvSpPr>
+          <p:cNvPr id="10" name="Freeform 11"/>
+          <p:cNvSpPr/>
+          <p:nvPr/>
+        </p:nvSpPr>
+        <p:spPr bwMode="auto">
+          <a:xfrm flipV="1">
+            <a:off x="58" y="711194"/>
+            <a:ext cx="1358356" cy="508005"/>
+          </a:xfrm>
+          <a:custGeom>
+            <a:avLst/>
+            <a:gdLst/>
+            <a:ahLst/>
+            <a:cxnLst/>
+            <a:rect l="l" t="t" r="r" b="b"/>
+            <a:pathLst>
+              <a:path w="7908" h="10000">
+                <a:moveTo>
+                  <a:pt x="7908" y="4694"/>
+                </a:moveTo>
+                <a:lnTo>
+                  <a:pt x="6575" y="188"/>
+                </a:lnTo>
+                <a:cubicBezTo>
+                  <a:pt x="6566" y="157"/>
+                  <a:pt x="6555" y="125"/>
+                  <a:pt x="6546" y="94"/>
+                </a:cubicBezTo>
+                <a:cubicBezTo>
+                  <a:pt x="6519" y="0"/>
+                  <a:pt x="6491" y="0"/>
+                  <a:pt x="6463" y="0"/>
+                </a:cubicBezTo>
+                <a:lnTo>
+                  <a:pt x="5935" y="0"/>
+                </a:lnTo>
+                <a:lnTo>
+                  <a:pt x="0" y="62"/>
+                </a:lnTo>
+                <a:lnTo>
+                  <a:pt x="0" y="10000"/>
+                </a:lnTo>
+                <a:lnTo>
+                  <a:pt x="5935" y="9952"/>
+                </a:lnTo>
+                <a:lnTo>
+                  <a:pt x="6463" y="9952"/>
+                </a:lnTo>
+                <a:cubicBezTo>
+                  <a:pt x="6491" y="9952"/>
+                  <a:pt x="6519" y="9859"/>
+                  <a:pt x="6546" y="9859"/>
+                </a:cubicBezTo>
+                <a:cubicBezTo>
+                  <a:pt x="6546" y="9764"/>
+                  <a:pt x="6575" y="9764"/>
+                  <a:pt x="6575" y="9764"/>
+                </a:cubicBezTo>
+                <a:lnTo>
+                  <a:pt x="7908" y="5258"/>
+                </a:lnTo>
+                <a:cubicBezTo>
+                  <a:pt x="7963" y="5070"/>
+                  <a:pt x="7963" y="4883"/>
+                  <a:pt x="7908" y="4694"/>
+                </a:cubicBezTo>
+                <a:close/>
+              </a:path>
+            </a:pathLst>
+          </a:custGeom>
+          <a:solidFill>
+            <a:schemeClr val="accent1"/>
+          </a:solidFill>
+          <a:ln>
+            <a:noFill/>
+          </a:ln>
+        </p:spPr>
+      </p:sp>
+      <p:sp>
+        <p:nvSpPr>
           <p:cNvPr id="7" name="Slide Number Placeholder 6"/>
           <p:cNvSpPr>
             <a:spLocks noGrp="1"/>
@@ -5025,7 +4833,7 @@
     </p:spTree>
     <p:extLst>
       <p:ext uri="{BB962C8B-B14F-4D97-AF65-F5344CB8AC3E}">
-        <p14:creationId xmlns:p14="http://schemas.microsoft.com/office/powerpoint/2010/main" val="4067450703"/>
+        <p14:creationId xmlns:p14="http://schemas.microsoft.com/office/powerpoint/2010/main" val="3021869068"/>
       </p:ext>
     </p:extLst>
   </p:cSld>
@@ -5064,8 +4872,8 @@
         </p:nvSpPr>
         <p:spPr>
           <a:xfrm>
-            <a:off x="1112332" y="1752599"/>
-            <a:ext cx="4070679" cy="1371600"/>
+            <a:off x="1942415" y="4800600"/>
+            <a:ext cx="6591985" cy="566738"/>
           </a:xfrm>
         </p:spPr>
         <p:txBody>
@@ -5073,8 +4881,8 @@
             <a:normAutofit/>
           </a:bodyPr>
           <a:lstStyle>
-            <a:lvl1pPr algn="ctr">
-              <a:defRPr sz="2800" b="0"/>
+            <a:lvl1pPr algn="l">
+              <a:defRPr sz="2400" b="0"/>
             </a:lvl1pPr>
           </a:lstStyle>
           <a:p>
@@ -5088,7 +4896,7 @@
       </p:sp>
       <p:sp>
         <p:nvSpPr>
-          <p:cNvPr id="14" name="Picture Placeholder 2"/>
+          <p:cNvPr id="3" name="Picture Placeholder 2"/>
           <p:cNvSpPr>
             <a:spLocks noGrp="1" noChangeAspect="1"/>
           </p:cNvSpPr>
@@ -5098,37 +4906,9 @@
         </p:nvSpPr>
         <p:spPr>
           <a:xfrm>
-            <a:off x="5697495" y="914400"/>
-            <a:ext cx="2461371" cy="4572000"/>
+            <a:off x="1942415" y="634965"/>
+            <a:ext cx="6591985" cy="3854970"/>
           </a:xfrm>
-          <a:prstGeom prst="roundRect">
-            <a:avLst>
-              <a:gd name="adj" fmla="val 4280"/>
-            </a:avLst>
-          </a:prstGeom>
-          <a:ln w="38100">
-            <a:gradFill flip="none" rotWithShape="1">
-              <a:gsLst>
-                <a:gs pos="0">
-                  <a:schemeClr val="bg2"/>
-                </a:gs>
-                <a:gs pos="100000">
-                  <a:schemeClr val="bg2">
-                    <a:lumMod val="75000"/>
-                  </a:schemeClr>
-                </a:gs>
-              </a:gsLst>
-              <a:lin ang="5400000" scaled="0"/>
-              <a:tileRect/>
-            </a:gradFill>
-          </a:ln>
-          <a:effectLst>
-            <a:innerShdw blurRad="57150" dist="38100" dir="14460000">
-              <a:srgbClr val="000000">
-                <a:alpha val="70000"/>
-              </a:srgbClr>
-            </a:innerShdw>
-          </a:effectLst>
         </p:spPr>
         <p:txBody>
           <a:bodyPr anchor="t">
@@ -5193,8 +4973,8 @@
         </p:nvSpPr>
         <p:spPr>
           <a:xfrm>
-            <a:off x="1112332" y="3124199"/>
-            <a:ext cx="4070679" cy="1828800"/>
+            <a:off x="1942415" y="5367338"/>
+            <a:ext cx="6591985" cy="493712"/>
           </a:xfrm>
         </p:spPr>
         <p:txBody>
@@ -5202,9 +4982,9 @@
             <a:normAutofit/>
           </a:bodyPr>
           <a:lstStyle>
-            <a:lvl1pPr marL="0" indent="0" algn="ctr">
-              <a:buNone/>
-              <a:defRPr sz="1800"/>
+            <a:lvl1pPr marL="0" indent="0">
+              <a:buNone/>
+              <a:defRPr sz="1200"/>
             </a:lvl1pPr>
             <a:lvl2pPr marL="457200" indent="0">
               <a:buNone/>
@@ -5293,6 +5073,86 @@
       </p:sp>
       <p:sp>
         <p:nvSpPr>
+          <p:cNvPr id="10" name="Freeform 11"/>
+          <p:cNvSpPr/>
+          <p:nvPr/>
+        </p:nvSpPr>
+        <p:spPr bwMode="auto">
+          <a:xfrm flipV="1">
+            <a:off x="58" y="4910660"/>
+            <a:ext cx="1358356" cy="508005"/>
+          </a:xfrm>
+          <a:custGeom>
+            <a:avLst/>
+            <a:gdLst/>
+            <a:ahLst/>
+            <a:cxnLst/>
+            <a:rect l="l" t="t" r="r" b="b"/>
+            <a:pathLst>
+              <a:path w="7908" h="10000">
+                <a:moveTo>
+                  <a:pt x="7908" y="4694"/>
+                </a:moveTo>
+                <a:lnTo>
+                  <a:pt x="6575" y="188"/>
+                </a:lnTo>
+                <a:cubicBezTo>
+                  <a:pt x="6566" y="157"/>
+                  <a:pt x="6555" y="125"/>
+                  <a:pt x="6546" y="94"/>
+                </a:cubicBezTo>
+                <a:cubicBezTo>
+                  <a:pt x="6519" y="0"/>
+                  <a:pt x="6491" y="0"/>
+                  <a:pt x="6463" y="0"/>
+                </a:cubicBezTo>
+                <a:lnTo>
+                  <a:pt x="5935" y="0"/>
+                </a:lnTo>
+                <a:lnTo>
+                  <a:pt x="0" y="62"/>
+                </a:lnTo>
+                <a:lnTo>
+                  <a:pt x="0" y="10000"/>
+                </a:lnTo>
+                <a:lnTo>
+                  <a:pt x="5935" y="9952"/>
+                </a:lnTo>
+                <a:lnTo>
+                  <a:pt x="6463" y="9952"/>
+                </a:lnTo>
+                <a:cubicBezTo>
+                  <a:pt x="6491" y="9952"/>
+                  <a:pt x="6519" y="9859"/>
+                  <a:pt x="6546" y="9859"/>
+                </a:cubicBezTo>
+                <a:cubicBezTo>
+                  <a:pt x="6546" y="9764"/>
+                  <a:pt x="6575" y="9764"/>
+                  <a:pt x="6575" y="9764"/>
+                </a:cubicBezTo>
+                <a:lnTo>
+                  <a:pt x="7908" y="5258"/>
+                </a:lnTo>
+                <a:cubicBezTo>
+                  <a:pt x="7963" y="5070"/>
+                  <a:pt x="7963" y="4883"/>
+                  <a:pt x="7908" y="4694"/>
+                </a:cubicBezTo>
+                <a:close/>
+              </a:path>
+            </a:pathLst>
+          </a:custGeom>
+          <a:solidFill>
+            <a:schemeClr val="accent1"/>
+          </a:solidFill>
+          <a:ln>
+            <a:noFill/>
+          </a:ln>
+        </p:spPr>
+      </p:sp>
+      <p:sp>
+        <p:nvSpPr>
           <p:cNvPr id="7" name="Slide Number Placeholder 6"/>
           <p:cNvSpPr>
             <a:spLocks noGrp="1"/>
@@ -5301,7 +5161,12 @@
             <p:ph type="sldNum" sz="quarter" idx="12"/>
           </p:nvPr>
         </p:nvSpPr>
-        <p:spPr/>
+        <p:spPr>
+          <a:xfrm>
+            <a:off x="511228" y="4983088"/>
+            <a:ext cx="584978" cy="365125"/>
+          </a:xfrm>
+        </p:spPr>
         <p:txBody>
           <a:bodyPr/>
           <a:lstStyle/>
@@ -5318,7 +5183,7 @@
     </p:spTree>
     <p:extLst>
       <p:ext uri="{BB962C8B-B14F-4D97-AF65-F5344CB8AC3E}">
-        <p14:creationId xmlns:p14="http://schemas.microsoft.com/office/powerpoint/2010/main" val="723777904"/>
+        <p14:creationId xmlns:p14="http://schemas.microsoft.com/office/powerpoint/2010/main" val="4236709241"/>
       </p:ext>
     </p:extLst>
   </p:cSld>
@@ -5352,28 +5217,28 @@
       </p:grpSpPr>
       <p:grpSp>
         <p:nvGrpSpPr>
-          <p:cNvPr id="14" name="Group 13"/>
+          <p:cNvPr id="36" name="Group 35"/>
           <p:cNvGrpSpPr/>
           <p:nvPr/>
         </p:nvGrpSpPr>
         <p:grpSpPr>
           <a:xfrm>
-            <a:off x="0" y="0"/>
-            <a:ext cx="2132013" cy="6858001"/>
-            <a:chOff x="0" y="0"/>
-            <a:chExt cx="2132013" cy="6858001"/>
+            <a:off x="1" y="228600"/>
+            <a:ext cx="1981200" cy="6638628"/>
+            <a:chOff x="2487613" y="285750"/>
+            <a:chExt cx="2428875" cy="5654676"/>
           </a:xfrm>
         </p:grpSpPr>
         <p:sp>
           <p:nvSpPr>
-            <p:cNvPr id="15" name="Freeform 6"/>
+            <p:cNvPr id="37" name="Freeform 11"/>
             <p:cNvSpPr/>
             <p:nvPr/>
           </p:nvSpPr>
           <p:spPr bwMode="auto">
             <a:xfrm>
-              <a:off x="0" y="0"/>
-              <a:ext cx="1073150" cy="5291138"/>
+              <a:off x="2487613" y="2284413"/>
+              <a:ext cx="85725" cy="533400"/>
             </a:xfrm>
             <a:custGeom>
               <a:avLst/>
@@ -5382,79 +5247,42 @@
               <a:cxnLst/>
               <a:rect l="0" t="0" r="r" b="b"/>
               <a:pathLst>
-                <a:path w="676" h="3333">
+                <a:path w="22" h="136">
                   <a:moveTo>
-                    <a:pt x="0" y="3132"/>
+                    <a:pt x="22" y="136"/>
                   </a:moveTo>
-                  <a:lnTo>
-                    <a:pt x="0" y="3312"/>
-                  </a:lnTo>
-                  <a:lnTo>
-                    <a:pt x="126" y="3333"/>
-                  </a:lnTo>
-                  <a:lnTo>
-                    <a:pt x="676" y="0"/>
-                  </a:lnTo>
-                  <a:lnTo>
-                    <a:pt x="514" y="0"/>
-                  </a:lnTo>
-                  <a:lnTo>
-                    <a:pt x="0" y="3132"/>
-                  </a:lnTo>
+                  <a:cubicBezTo>
+                    <a:pt x="20" y="117"/>
+                    <a:pt x="19" y="99"/>
+                    <a:pt x="17" y="80"/>
+                  </a:cubicBezTo>
+                  <a:cubicBezTo>
+                    <a:pt x="11" y="54"/>
+                    <a:pt x="6" y="27"/>
+                    <a:pt x="0" y="0"/>
+                  </a:cubicBezTo>
+                  <a:cubicBezTo>
+                    <a:pt x="0" y="35"/>
+                    <a:pt x="0" y="35"/>
+                    <a:pt x="0" y="35"/>
+                  </a:cubicBezTo>
+                  <a:cubicBezTo>
+                    <a:pt x="6" y="64"/>
+                    <a:pt x="13" y="94"/>
+                    <a:pt x="20" y="124"/>
+                  </a:cubicBezTo>
+                  <a:cubicBezTo>
+                    <a:pt x="20" y="128"/>
+                    <a:pt x="21" y="132"/>
+                    <a:pt x="22" y="136"/>
+                  </a:cubicBezTo>
                   <a:close/>
                 </a:path>
               </a:pathLst>
             </a:custGeom>
             <a:solidFill>
-              <a:schemeClr val="accent1"/>
-            </a:solidFill>
-            <a:ln>
-              <a:noFill/>
-            </a:ln>
-          </p:spPr>
-        </p:sp>
-        <p:sp>
-          <p:nvSpPr>
-            <p:cNvPr id="16" name="Freeform 7"/>
-            <p:cNvSpPr/>
-            <p:nvPr/>
-          </p:nvSpPr>
-          <p:spPr bwMode="auto">
-            <a:xfrm>
-              <a:off x="0" y="0"/>
-              <a:ext cx="758825" cy="4624388"/>
-            </a:xfrm>
-            <a:custGeom>
-              <a:avLst/>
-              <a:gdLst/>
-              <a:ahLst/>
-              <a:cxnLst/>
-              <a:rect l="0" t="0" r="r" b="b"/>
-              <a:pathLst>
-                <a:path w="478" h="2913">
-                  <a:moveTo>
-                    <a:pt x="478" y="0"/>
-                  </a:moveTo>
-                  <a:lnTo>
-                    <a:pt x="318" y="0"/>
-                  </a:lnTo>
-                  <a:lnTo>
-                    <a:pt x="0" y="1938"/>
-                  </a:lnTo>
-                  <a:lnTo>
-                    <a:pt x="0" y="2913"/>
-                  </a:lnTo>
-                  <a:lnTo>
-                    <a:pt x="478" y="0"/>
-                  </a:lnTo>
-                  <a:close/>
-                </a:path>
-              </a:pathLst>
-            </a:custGeom>
-            <a:solidFill>
-              <a:schemeClr val="tx1">
-                <a:lumMod val="65000"/>
-                <a:lumOff val="35000"/>
+              <a:schemeClr val="tx2">
+                <a:alpha val="20000"/>
               </a:schemeClr>
             </a:solidFill>
             <a:ln>
@@ -5464,14 +5292,14 @@
         </p:sp>
         <p:sp>
           <p:nvSpPr>
-            <p:cNvPr id="17" name="Freeform 8"/>
+            <p:cNvPr id="38" name="Freeform 12"/>
             <p:cNvSpPr/>
             <p:nvPr/>
           </p:nvSpPr>
           <p:spPr bwMode="auto">
             <a:xfrm>
-              <a:off x="0" y="5662613"/>
-              <a:ext cx="906463" cy="1195388"/>
+              <a:off x="2597151" y="2779713"/>
+              <a:ext cx="550863" cy="1978025"/>
             </a:xfrm>
             <a:custGeom>
               <a:avLst/>
@@ -5480,30 +5308,47 @@
               <a:cxnLst/>
               <a:rect l="0" t="0" r="r" b="b"/>
               <a:pathLst>
-                <a:path w="571" h="753">
+                <a:path w="140" h="504">
                   <a:moveTo>
+                    <a:pt x="86" y="350"/>
+                  </a:moveTo>
+                  <a:cubicBezTo>
+                    <a:pt x="103" y="402"/>
+                    <a:pt x="120" y="453"/>
+                    <a:pt x="139" y="504"/>
+                  </a:cubicBezTo>
+                  <a:cubicBezTo>
+                    <a:pt x="139" y="495"/>
+                    <a:pt x="139" y="487"/>
+                    <a:pt x="140" y="478"/>
+                  </a:cubicBezTo>
+                  <a:cubicBezTo>
+                    <a:pt x="124" y="435"/>
+                    <a:pt x="109" y="391"/>
+                    <a:pt x="95" y="347"/>
+                  </a:cubicBezTo>
+                  <a:cubicBezTo>
+                    <a:pt x="58" y="233"/>
+                    <a:pt x="27" y="117"/>
                     <a:pt x="0" y="0"/>
-                  </a:moveTo>
-                  <a:lnTo>
-                    <a:pt x="0" y="12"/>
-                  </a:lnTo>
-                  <a:lnTo>
-                    <a:pt x="538" y="753"/>
-                  </a:lnTo>
-                  <a:lnTo>
-                    <a:pt x="571" y="753"/>
-                  </a:lnTo>
-                  <a:lnTo>
-                    <a:pt x="0" y="0"/>
-                  </a:lnTo>
+                  </a:cubicBezTo>
+                  <a:cubicBezTo>
+                    <a:pt x="2" y="20"/>
+                    <a:pt x="4" y="41"/>
+                    <a:pt x="6" y="61"/>
+                  </a:cubicBezTo>
+                  <a:cubicBezTo>
+                    <a:pt x="30" y="158"/>
+                    <a:pt x="56" y="255"/>
+                    <a:pt x="86" y="350"/>
+                  </a:cubicBezTo>
                   <a:close/>
                 </a:path>
               </a:pathLst>
             </a:custGeom>
             <a:solidFill>
-              <a:schemeClr val="tx1">
-                <a:lumMod val="85000"/>
-                <a:lumOff val="15000"/>
+              <a:schemeClr val="tx2">
+                <a:alpha val="20000"/>
               </a:schemeClr>
             </a:solidFill>
             <a:ln>
@@ -5513,14 +5358,14 @@
         </p:sp>
         <p:sp>
           <p:nvSpPr>
-            <p:cNvPr id="18" name="Freeform 9"/>
+            <p:cNvPr id="39" name="Freeform 13"/>
             <p:cNvSpPr/>
             <p:nvPr/>
           </p:nvSpPr>
           <p:spPr bwMode="auto">
             <a:xfrm>
-              <a:off x="0" y="5295900"/>
-              <a:ext cx="1487488" cy="1562100"/>
+              <a:off x="3175001" y="4730750"/>
+              <a:ext cx="519113" cy="1209675"/>
             </a:xfrm>
             <a:custGeom>
               <a:avLst/>
@@ -5529,29 +5374,52 @@
               <a:cxnLst/>
               <a:rect l="0" t="0" r="r" b="b"/>
               <a:pathLst>
-                <a:path w="937" h="984">
+                <a:path w="132" h="308">
                   <a:moveTo>
+                    <a:pt x="8" y="22"/>
+                  </a:moveTo>
+                  <a:cubicBezTo>
+                    <a:pt x="5" y="15"/>
+                    <a:pt x="2" y="8"/>
                     <a:pt x="0" y="0"/>
-                  </a:moveTo>
-                  <a:lnTo>
-                    <a:pt x="0" y="3"/>
-                  </a:lnTo>
-                  <a:lnTo>
-                    <a:pt x="901" y="984"/>
-                  </a:lnTo>
-                  <a:lnTo>
-                    <a:pt x="937" y="984"/>
-                  </a:lnTo>
-                  <a:lnTo>
-                    <a:pt x="0" y="0"/>
-                  </a:lnTo>
+                  </a:cubicBezTo>
+                  <a:cubicBezTo>
+                    <a:pt x="0" y="10"/>
+                    <a:pt x="0" y="19"/>
+                    <a:pt x="0" y="29"/>
+                  </a:cubicBezTo>
+                  <a:cubicBezTo>
+                    <a:pt x="21" y="85"/>
+                    <a:pt x="44" y="140"/>
+                    <a:pt x="68" y="194"/>
+                  </a:cubicBezTo>
+                  <a:cubicBezTo>
+                    <a:pt x="85" y="232"/>
+                    <a:pt x="104" y="270"/>
+                    <a:pt x="123" y="308"/>
+                  </a:cubicBezTo>
+                  <a:cubicBezTo>
+                    <a:pt x="132" y="308"/>
+                    <a:pt x="132" y="308"/>
+                    <a:pt x="132" y="308"/>
+                  </a:cubicBezTo>
+                  <a:cubicBezTo>
+                    <a:pt x="113" y="269"/>
+                    <a:pt x="94" y="230"/>
+                    <a:pt x="77" y="190"/>
+                  </a:cubicBezTo>
+                  <a:cubicBezTo>
+                    <a:pt x="52" y="135"/>
+                    <a:pt x="29" y="79"/>
+                    <a:pt x="8" y="22"/>
+                  </a:cubicBezTo>
                   <a:close/>
                 </a:path>
               </a:pathLst>
             </a:custGeom>
             <a:solidFill>
-              <a:schemeClr val="accent1">
-                <a:lumMod val="50000"/>
+              <a:schemeClr val="tx2">
+                <a:alpha val="20000"/>
               </a:schemeClr>
             </a:solidFill>
             <a:ln>
@@ -5561,14 +5429,14 @@
         </p:sp>
         <p:sp>
           <p:nvSpPr>
-            <p:cNvPr id="19" name="Freeform 10"/>
+            <p:cNvPr id="40" name="Freeform 14"/>
             <p:cNvSpPr/>
             <p:nvPr/>
           </p:nvSpPr>
           <p:spPr bwMode="auto">
             <a:xfrm>
-              <a:off x="0" y="5257800"/>
-              <a:ext cx="2132013" cy="1600200"/>
+              <a:off x="3305176" y="5630863"/>
+              <a:ext cx="146050" cy="309563"/>
             </a:xfrm>
             <a:custGeom>
               <a:avLst/>
@@ -5577,32 +5445,32 @@
               <a:cxnLst/>
               <a:rect l="0" t="0" r="r" b="b"/>
               <a:pathLst>
-                <a:path w="1343" h="1008">
+                <a:path w="37" h="79">
                   <a:moveTo>
-                    <a:pt x="0" y="24"/>
+                    <a:pt x="28" y="79"/>
                   </a:moveTo>
-                  <a:lnTo>
-                    <a:pt x="937" y="1008"/>
-                  </a:lnTo>
-                  <a:lnTo>
-                    <a:pt x="1343" y="1008"/>
-                  </a:lnTo>
-                  <a:lnTo>
-                    <a:pt x="126" y="21"/>
-                  </a:lnTo>
-                  <a:lnTo>
+                  <a:cubicBezTo>
+                    <a:pt x="37" y="79"/>
+                    <a:pt x="37" y="79"/>
+                    <a:pt x="37" y="79"/>
+                  </a:cubicBezTo>
+                  <a:cubicBezTo>
+                    <a:pt x="24" y="53"/>
+                    <a:pt x="12" y="27"/>
                     <a:pt x="0" y="0"/>
-                  </a:lnTo>
-                  <a:lnTo>
-                    <a:pt x="0" y="24"/>
-                  </a:lnTo>
+                  </a:cubicBezTo>
+                  <a:cubicBezTo>
+                    <a:pt x="8" y="27"/>
+                    <a:pt x="17" y="53"/>
+                    <a:pt x="28" y="79"/>
+                  </a:cubicBezTo>
                   <a:close/>
                 </a:path>
               </a:pathLst>
             </a:custGeom>
             <a:solidFill>
-              <a:schemeClr val="accent1">
-                <a:lumMod val="75000"/>
+              <a:schemeClr val="tx2">
+                <a:alpha val="20000"/>
               </a:schemeClr>
             </a:solidFill>
             <a:ln>
@@ -5612,14 +5480,14 @@
         </p:sp>
         <p:sp>
           <p:nvSpPr>
-            <p:cNvPr id="20" name="Freeform 11"/>
+            <p:cNvPr id="41" name="Freeform 15"/>
             <p:cNvSpPr/>
             <p:nvPr/>
           </p:nvSpPr>
           <p:spPr bwMode="auto">
             <a:xfrm>
-              <a:off x="0" y="5357813"/>
-              <a:ext cx="1377950" cy="1500188"/>
+              <a:off x="2573338" y="2817813"/>
+              <a:ext cx="700088" cy="2835275"/>
             </a:xfrm>
             <a:custGeom>
               <a:avLst/>
@@ -5628,30 +5496,589 @@
               <a:cxnLst/>
               <a:rect l="0" t="0" r="r" b="b"/>
               <a:pathLst>
-                <a:path w="868" h="945">
+                <a:path w="178" h="722">
                   <a:moveTo>
-                    <a:pt x="0" y="192"/>
+                    <a:pt x="162" y="660"/>
                   </a:moveTo>
-                  <a:lnTo>
-                    <a:pt x="571" y="945"/>
-                  </a:lnTo>
-                  <a:lnTo>
-                    <a:pt x="868" y="945"/>
-                  </a:lnTo>
-                  <a:lnTo>
+                  <a:cubicBezTo>
+                    <a:pt x="145" y="618"/>
+                    <a:pt x="130" y="576"/>
+                    <a:pt x="116" y="534"/>
+                  </a:cubicBezTo>
+                  <a:cubicBezTo>
+                    <a:pt x="84" y="437"/>
+                    <a:pt x="59" y="337"/>
+                    <a:pt x="40" y="236"/>
+                  </a:cubicBezTo>
+                  <a:cubicBezTo>
+                    <a:pt x="29" y="175"/>
+                    <a:pt x="20" y="113"/>
+                    <a:pt x="12" y="51"/>
+                  </a:cubicBezTo>
+                  <a:cubicBezTo>
+                    <a:pt x="8" y="34"/>
+                    <a:pt x="4" y="17"/>
                     <a:pt x="0" y="0"/>
-                  </a:lnTo>
-                  <a:lnTo>
-                    <a:pt x="0" y="192"/>
-                  </a:lnTo>
+                  </a:cubicBezTo>
+                  <a:cubicBezTo>
+                    <a:pt x="8" y="79"/>
+                    <a:pt x="19" y="159"/>
+                    <a:pt x="33" y="237"/>
+                  </a:cubicBezTo>
+                  <a:cubicBezTo>
+                    <a:pt x="51" y="339"/>
+                    <a:pt x="76" y="439"/>
+                    <a:pt x="107" y="537"/>
+                  </a:cubicBezTo>
+                  <a:cubicBezTo>
+                    <a:pt x="123" y="586"/>
+                    <a:pt x="141" y="634"/>
+                    <a:pt x="160" y="681"/>
+                  </a:cubicBezTo>
+                  <a:cubicBezTo>
+                    <a:pt x="166" y="695"/>
+                    <a:pt x="172" y="708"/>
+                    <a:pt x="178" y="722"/>
+                  </a:cubicBezTo>
+                  <a:cubicBezTo>
+                    <a:pt x="176" y="717"/>
+                    <a:pt x="175" y="713"/>
+                    <a:pt x="174" y="708"/>
+                  </a:cubicBezTo>
+                  <a:cubicBezTo>
+                    <a:pt x="169" y="692"/>
+                    <a:pt x="165" y="676"/>
+                    <a:pt x="162" y="660"/>
+                  </a:cubicBezTo>
                   <a:close/>
                 </a:path>
               </a:pathLst>
             </a:custGeom>
             <a:solidFill>
-              <a:schemeClr val="tx1">
-                <a:lumMod val="75000"/>
-                <a:lumOff val="25000"/>
+              <a:schemeClr val="tx2">
+                <a:alpha val="20000"/>
+              </a:schemeClr>
+            </a:solidFill>
+            <a:ln>
+              <a:noFill/>
+            </a:ln>
+          </p:spPr>
+        </p:sp>
+        <p:sp>
+          <p:nvSpPr>
+            <p:cNvPr id="42" name="Freeform 16"/>
+            <p:cNvSpPr/>
+            <p:nvPr/>
+          </p:nvSpPr>
+          <p:spPr bwMode="auto">
+            <a:xfrm>
+              <a:off x="2506663" y="285750"/>
+              <a:ext cx="90488" cy="2493963"/>
+            </a:xfrm>
+            <a:custGeom>
+              <a:avLst/>
+              <a:gdLst/>
+              <a:ahLst/>
+              <a:cxnLst/>
+              <a:rect l="0" t="0" r="r" b="b"/>
+              <a:pathLst>
+                <a:path w="23" h="635">
+                  <a:moveTo>
+                    <a:pt x="11" y="577"/>
+                  </a:moveTo>
+                  <a:cubicBezTo>
+                    <a:pt x="12" y="581"/>
+                    <a:pt x="12" y="585"/>
+                    <a:pt x="12" y="589"/>
+                  </a:cubicBezTo>
+                  <a:cubicBezTo>
+                    <a:pt x="15" y="603"/>
+                    <a:pt x="19" y="617"/>
+                    <a:pt x="22" y="632"/>
+                  </a:cubicBezTo>
+                  <a:cubicBezTo>
+                    <a:pt x="22" y="633"/>
+                    <a:pt x="22" y="634"/>
+                    <a:pt x="23" y="635"/>
+                  </a:cubicBezTo>
+                  <a:cubicBezTo>
+                    <a:pt x="21" y="615"/>
+                    <a:pt x="19" y="596"/>
+                    <a:pt x="17" y="576"/>
+                  </a:cubicBezTo>
+                  <a:cubicBezTo>
+                    <a:pt x="9" y="474"/>
+                    <a:pt x="5" y="372"/>
+                    <a:pt x="5" y="269"/>
+                  </a:cubicBezTo>
+                  <a:cubicBezTo>
+                    <a:pt x="6" y="179"/>
+                    <a:pt x="9" y="90"/>
+                    <a:pt x="15" y="0"/>
+                  </a:cubicBezTo>
+                  <a:cubicBezTo>
+                    <a:pt x="12" y="0"/>
+                    <a:pt x="12" y="0"/>
+                    <a:pt x="12" y="0"/>
+                  </a:cubicBezTo>
+                  <a:cubicBezTo>
+                    <a:pt x="5" y="89"/>
+                    <a:pt x="2" y="179"/>
+                    <a:pt x="1" y="269"/>
+                  </a:cubicBezTo>
+                  <a:cubicBezTo>
+                    <a:pt x="0" y="372"/>
+                    <a:pt x="3" y="474"/>
+                    <a:pt x="11" y="577"/>
+                  </a:cubicBezTo>
+                  <a:close/>
+                </a:path>
+              </a:pathLst>
+            </a:custGeom>
+            <a:solidFill>
+              <a:schemeClr val="tx2">
+                <a:alpha val="20000"/>
+              </a:schemeClr>
+            </a:solidFill>
+            <a:ln>
+              <a:noFill/>
+            </a:ln>
+          </p:spPr>
+        </p:sp>
+        <p:sp>
+          <p:nvSpPr>
+            <p:cNvPr id="43" name="Freeform 17"/>
+            <p:cNvSpPr/>
+            <p:nvPr/>
+          </p:nvSpPr>
+          <p:spPr bwMode="auto">
+            <a:xfrm>
+              <a:off x="2554288" y="2598738"/>
+              <a:ext cx="66675" cy="420688"/>
+            </a:xfrm>
+            <a:custGeom>
+              <a:avLst/>
+              <a:gdLst/>
+              <a:ahLst/>
+              <a:cxnLst/>
+              <a:rect l="0" t="0" r="r" b="b"/>
+              <a:pathLst>
+                <a:path w="17" h="107">
+                  <a:moveTo>
+                    <a:pt x="0" y="0"/>
+                  </a:moveTo>
+                  <a:cubicBezTo>
+                    <a:pt x="2" y="19"/>
+                    <a:pt x="3" y="37"/>
+                    <a:pt x="5" y="56"/>
+                  </a:cubicBezTo>
+                  <a:cubicBezTo>
+                    <a:pt x="9" y="73"/>
+                    <a:pt x="13" y="90"/>
+                    <a:pt x="17" y="107"/>
+                  </a:cubicBezTo>
+                  <a:cubicBezTo>
+                    <a:pt x="15" y="87"/>
+                    <a:pt x="13" y="66"/>
+                    <a:pt x="11" y="46"/>
+                  </a:cubicBezTo>
+                  <a:cubicBezTo>
+                    <a:pt x="10" y="45"/>
+                    <a:pt x="10" y="44"/>
+                    <a:pt x="10" y="43"/>
+                  </a:cubicBezTo>
+                  <a:cubicBezTo>
+                    <a:pt x="7" y="28"/>
+                    <a:pt x="3" y="14"/>
+                    <a:pt x="0" y="0"/>
+                  </a:cubicBezTo>
+                  <a:close/>
+                </a:path>
+              </a:pathLst>
+            </a:custGeom>
+            <a:solidFill>
+              <a:schemeClr val="tx2">
+                <a:alpha val="20000"/>
+              </a:schemeClr>
+            </a:solidFill>
+            <a:ln>
+              <a:noFill/>
+            </a:ln>
+          </p:spPr>
+        </p:sp>
+        <p:sp>
+          <p:nvSpPr>
+            <p:cNvPr id="44" name="Freeform 18"/>
+            <p:cNvSpPr/>
+            <p:nvPr/>
+          </p:nvSpPr>
+          <p:spPr bwMode="auto">
+            <a:xfrm>
+              <a:off x="3143251" y="4757738"/>
+              <a:ext cx="161925" cy="873125"/>
+            </a:xfrm>
+            <a:custGeom>
+              <a:avLst/>
+              <a:gdLst/>
+              <a:ahLst/>
+              <a:cxnLst/>
+              <a:rect l="0" t="0" r="r" b="b"/>
+              <a:pathLst>
+                <a:path w="41" h="222">
+                  <a:moveTo>
+                    <a:pt x="0" y="0"/>
+                  </a:moveTo>
+                  <a:cubicBezTo>
+                    <a:pt x="0" y="31"/>
+                    <a:pt x="2" y="62"/>
+                    <a:pt x="5" y="93"/>
+                  </a:cubicBezTo>
+                  <a:cubicBezTo>
+                    <a:pt x="8" y="117"/>
+                    <a:pt x="12" y="142"/>
+                    <a:pt x="17" y="166"/>
+                  </a:cubicBezTo>
+                  <a:cubicBezTo>
+                    <a:pt x="19" y="172"/>
+                    <a:pt x="22" y="178"/>
+                    <a:pt x="24" y="184"/>
+                  </a:cubicBezTo>
+                  <a:cubicBezTo>
+                    <a:pt x="30" y="197"/>
+                    <a:pt x="35" y="209"/>
+                    <a:pt x="41" y="222"/>
+                  </a:cubicBezTo>
+                  <a:cubicBezTo>
+                    <a:pt x="40" y="219"/>
+                    <a:pt x="39" y="215"/>
+                    <a:pt x="38" y="212"/>
+                  </a:cubicBezTo>
+                  <a:cubicBezTo>
+                    <a:pt x="26" y="172"/>
+                    <a:pt x="18" y="132"/>
+                    <a:pt x="13" y="92"/>
+                  </a:cubicBezTo>
+                  <a:cubicBezTo>
+                    <a:pt x="11" y="68"/>
+                    <a:pt x="9" y="45"/>
+                    <a:pt x="8" y="22"/>
+                  </a:cubicBezTo>
+                  <a:cubicBezTo>
+                    <a:pt x="8" y="21"/>
+                    <a:pt x="7" y="20"/>
+                    <a:pt x="7" y="18"/>
+                  </a:cubicBezTo>
+                  <a:cubicBezTo>
+                    <a:pt x="5" y="12"/>
+                    <a:pt x="2" y="6"/>
+                    <a:pt x="0" y="0"/>
+                  </a:cubicBezTo>
+                  <a:close/>
+                </a:path>
+              </a:pathLst>
+            </a:custGeom>
+            <a:solidFill>
+              <a:schemeClr val="tx2">
+                <a:alpha val="20000"/>
+              </a:schemeClr>
+            </a:solidFill>
+            <a:ln>
+              <a:noFill/>
+            </a:ln>
+          </p:spPr>
+        </p:sp>
+        <p:sp>
+          <p:nvSpPr>
+            <p:cNvPr id="45" name="Freeform 19"/>
+            <p:cNvSpPr/>
+            <p:nvPr/>
+          </p:nvSpPr>
+          <p:spPr bwMode="auto">
+            <a:xfrm>
+              <a:off x="3148013" y="1282700"/>
+              <a:ext cx="1768475" cy="3448050"/>
+            </a:xfrm>
+            <a:custGeom>
+              <a:avLst/>
+              <a:gdLst/>
+              <a:ahLst/>
+              <a:cxnLst/>
+              <a:rect l="0" t="0" r="r" b="b"/>
+              <a:pathLst>
+                <a:path w="450" h="878">
+                  <a:moveTo>
+                    <a:pt x="7" y="854"/>
+                  </a:moveTo>
+                  <a:cubicBezTo>
+                    <a:pt x="10" y="772"/>
+                    <a:pt x="26" y="691"/>
+                    <a:pt x="50" y="613"/>
+                  </a:cubicBezTo>
+                  <a:cubicBezTo>
+                    <a:pt x="75" y="535"/>
+                    <a:pt x="109" y="460"/>
+                    <a:pt x="149" y="388"/>
+                  </a:cubicBezTo>
+                  <a:cubicBezTo>
+                    <a:pt x="189" y="316"/>
+                    <a:pt x="235" y="248"/>
+                    <a:pt x="285" y="183"/>
+                  </a:cubicBezTo>
+                  <a:cubicBezTo>
+                    <a:pt x="310" y="151"/>
+                    <a:pt x="337" y="119"/>
+                    <a:pt x="364" y="89"/>
+                  </a:cubicBezTo>
+                  <a:cubicBezTo>
+                    <a:pt x="378" y="74"/>
+                    <a:pt x="392" y="58"/>
+                    <a:pt x="406" y="44"/>
+                  </a:cubicBezTo>
+                  <a:cubicBezTo>
+                    <a:pt x="421" y="29"/>
+                    <a:pt x="435" y="15"/>
+                    <a:pt x="450" y="1"/>
+                  </a:cubicBezTo>
+                  <a:cubicBezTo>
+                    <a:pt x="450" y="0"/>
+                    <a:pt x="450" y="0"/>
+                    <a:pt x="450" y="0"/>
+                  </a:cubicBezTo>
+                  <a:cubicBezTo>
+                    <a:pt x="434" y="14"/>
+                    <a:pt x="420" y="28"/>
+                    <a:pt x="405" y="43"/>
+                  </a:cubicBezTo>
+                  <a:cubicBezTo>
+                    <a:pt x="391" y="57"/>
+                    <a:pt x="377" y="72"/>
+                    <a:pt x="363" y="88"/>
+                  </a:cubicBezTo>
+                  <a:cubicBezTo>
+                    <a:pt x="335" y="118"/>
+                    <a:pt x="308" y="149"/>
+                    <a:pt x="283" y="181"/>
+                  </a:cubicBezTo>
+                  <a:cubicBezTo>
+                    <a:pt x="232" y="246"/>
+                    <a:pt x="185" y="314"/>
+                    <a:pt x="145" y="386"/>
+                  </a:cubicBezTo>
+                  <a:cubicBezTo>
+                    <a:pt x="104" y="457"/>
+                    <a:pt x="70" y="533"/>
+                    <a:pt x="45" y="611"/>
+                  </a:cubicBezTo>
+                  <a:cubicBezTo>
+                    <a:pt x="19" y="690"/>
+                    <a:pt x="3" y="771"/>
+                    <a:pt x="0" y="854"/>
+                  </a:cubicBezTo>
+                  <a:cubicBezTo>
+                    <a:pt x="0" y="856"/>
+                    <a:pt x="0" y="857"/>
+                    <a:pt x="0" y="859"/>
+                  </a:cubicBezTo>
+                  <a:cubicBezTo>
+                    <a:pt x="2" y="865"/>
+                    <a:pt x="4" y="872"/>
+                    <a:pt x="7" y="878"/>
+                  </a:cubicBezTo>
+                  <a:cubicBezTo>
+                    <a:pt x="7" y="870"/>
+                    <a:pt x="7" y="862"/>
+                    <a:pt x="7" y="854"/>
+                  </a:cubicBezTo>
+                  <a:close/>
+                </a:path>
+              </a:pathLst>
+            </a:custGeom>
+            <a:solidFill>
+              <a:schemeClr val="tx2">
+                <a:alpha val="20000"/>
+              </a:schemeClr>
+            </a:solidFill>
+            <a:ln>
+              <a:noFill/>
+            </a:ln>
+          </p:spPr>
+        </p:sp>
+        <p:sp>
+          <p:nvSpPr>
+            <p:cNvPr id="46" name="Freeform 20"/>
+            <p:cNvSpPr/>
+            <p:nvPr/>
+          </p:nvSpPr>
+          <p:spPr bwMode="auto">
+            <a:xfrm>
+              <a:off x="3273426" y="5653088"/>
+              <a:ext cx="138113" cy="287338"/>
+            </a:xfrm>
+            <a:custGeom>
+              <a:avLst/>
+              <a:gdLst/>
+              <a:ahLst/>
+              <a:cxnLst/>
+              <a:rect l="0" t="0" r="r" b="b"/>
+              <a:pathLst>
+                <a:path w="35" h="73">
+                  <a:moveTo>
+                    <a:pt x="0" y="0"/>
+                  </a:moveTo>
+                  <a:cubicBezTo>
+                    <a:pt x="7" y="24"/>
+                    <a:pt x="16" y="49"/>
+                    <a:pt x="26" y="73"/>
+                  </a:cubicBezTo>
+                  <a:cubicBezTo>
+                    <a:pt x="35" y="73"/>
+                    <a:pt x="35" y="73"/>
+                    <a:pt x="35" y="73"/>
+                  </a:cubicBezTo>
+                  <a:cubicBezTo>
+                    <a:pt x="23" y="49"/>
+                    <a:pt x="11" y="24"/>
+                    <a:pt x="0" y="0"/>
+                  </a:cubicBezTo>
+                  <a:close/>
+                </a:path>
+              </a:pathLst>
+            </a:custGeom>
+            <a:solidFill>
+              <a:schemeClr val="tx2">
+                <a:alpha val="20000"/>
+              </a:schemeClr>
+            </a:solidFill>
+            <a:ln>
+              <a:noFill/>
+            </a:ln>
+          </p:spPr>
+        </p:sp>
+        <p:sp>
+          <p:nvSpPr>
+            <p:cNvPr id="47" name="Freeform 21"/>
+            <p:cNvSpPr/>
+            <p:nvPr/>
+          </p:nvSpPr>
+          <p:spPr bwMode="auto">
+            <a:xfrm>
+              <a:off x="3143251" y="4656138"/>
+              <a:ext cx="31750" cy="188913"/>
+            </a:xfrm>
+            <a:custGeom>
+              <a:avLst/>
+              <a:gdLst/>
+              <a:ahLst/>
+              <a:cxnLst/>
+              <a:rect l="0" t="0" r="r" b="b"/>
+              <a:pathLst>
+                <a:path w="8" h="48">
+                  <a:moveTo>
+                    <a:pt x="7" y="44"/>
+                  </a:moveTo>
+                  <a:cubicBezTo>
+                    <a:pt x="7" y="46"/>
+                    <a:pt x="8" y="47"/>
+                    <a:pt x="8" y="48"/>
+                  </a:cubicBezTo>
+                  <a:cubicBezTo>
+                    <a:pt x="8" y="38"/>
+                    <a:pt x="8" y="29"/>
+                    <a:pt x="8" y="19"/>
+                  </a:cubicBezTo>
+                  <a:cubicBezTo>
+                    <a:pt x="5" y="13"/>
+                    <a:pt x="3" y="6"/>
+                    <a:pt x="1" y="0"/>
+                  </a:cubicBezTo>
+                  <a:cubicBezTo>
+                    <a:pt x="0" y="9"/>
+                    <a:pt x="0" y="17"/>
+                    <a:pt x="0" y="26"/>
+                  </a:cubicBezTo>
+                  <a:cubicBezTo>
+                    <a:pt x="2" y="32"/>
+                    <a:pt x="5" y="38"/>
+                    <a:pt x="7" y="44"/>
+                  </a:cubicBezTo>
+                  <a:close/>
+                </a:path>
+              </a:pathLst>
+            </a:custGeom>
+            <a:solidFill>
+              <a:schemeClr val="tx2">
+                <a:alpha val="20000"/>
+              </a:schemeClr>
+            </a:solidFill>
+            <a:ln>
+              <a:noFill/>
+            </a:ln>
+          </p:spPr>
+        </p:sp>
+        <p:sp>
+          <p:nvSpPr>
+            <p:cNvPr id="48" name="Freeform 22"/>
+            <p:cNvSpPr/>
+            <p:nvPr/>
+          </p:nvSpPr>
+          <p:spPr bwMode="auto">
+            <a:xfrm>
+              <a:off x="3211513" y="5410200"/>
+              <a:ext cx="203200" cy="530225"/>
+            </a:xfrm>
+            <a:custGeom>
+              <a:avLst/>
+              <a:gdLst/>
+              <a:ahLst/>
+              <a:cxnLst/>
+              <a:rect l="0" t="0" r="r" b="b"/>
+              <a:pathLst>
+                <a:path w="52" h="135">
+                  <a:moveTo>
+                    <a:pt x="7" y="18"/>
+                  </a:moveTo>
+                  <a:cubicBezTo>
+                    <a:pt x="5" y="12"/>
+                    <a:pt x="2" y="6"/>
+                    <a:pt x="0" y="0"/>
+                  </a:cubicBezTo>
+                  <a:cubicBezTo>
+                    <a:pt x="3" y="16"/>
+                    <a:pt x="7" y="32"/>
+                    <a:pt x="12" y="48"/>
+                  </a:cubicBezTo>
+                  <a:cubicBezTo>
+                    <a:pt x="13" y="53"/>
+                    <a:pt x="14" y="57"/>
+                    <a:pt x="16" y="62"/>
+                  </a:cubicBezTo>
+                  <a:cubicBezTo>
+                    <a:pt x="27" y="86"/>
+                    <a:pt x="39" y="111"/>
+                    <a:pt x="51" y="135"/>
+                  </a:cubicBezTo>
+                  <a:cubicBezTo>
+                    <a:pt x="52" y="135"/>
+                    <a:pt x="52" y="135"/>
+                    <a:pt x="52" y="135"/>
+                  </a:cubicBezTo>
+                  <a:cubicBezTo>
+                    <a:pt x="41" y="109"/>
+                    <a:pt x="32" y="83"/>
+                    <a:pt x="24" y="56"/>
+                  </a:cubicBezTo>
+                  <a:cubicBezTo>
+                    <a:pt x="18" y="43"/>
+                    <a:pt x="13" y="31"/>
+                    <a:pt x="7" y="18"/>
+                  </a:cubicBezTo>
+                  <a:close/>
+                </a:path>
+              </a:pathLst>
+            </a:custGeom>
+            <a:solidFill>
+              <a:schemeClr val="tx2">
+                <a:alpha val="20000"/>
               </a:schemeClr>
             </a:solidFill>
             <a:ln>
@@ -5660,97 +6087,979 @@
           </p:spPr>
         </p:sp>
       </p:grpSp>
-      <p:sp>
-        <p:nvSpPr>
-          <p:cNvPr id="2" name="Title Placeholder 1"/>
-          <p:cNvSpPr>
-            <a:spLocks noGrp="1"/>
-          </p:cNvSpPr>
-          <p:nvPr>
-            <p:ph type="title"/>
-          </p:nvPr>
+      <p:grpSp>
+        <p:nvGrpSpPr>
+          <p:cNvPr id="49" name="Group 48"/>
+          <p:cNvGrpSpPr/>
+          <p:nvPr/>
+        </p:nvGrpSpPr>
+        <p:grpSpPr>
+          <a:xfrm>
+            <a:off x="20421" y="285"/>
+            <a:ext cx="1952272" cy="6852968"/>
+            <a:chOff x="6627813" y="195717"/>
+            <a:chExt cx="1952625" cy="5678034"/>
+          </a:xfrm>
+        </p:grpSpPr>
+        <p:sp>
+          <p:nvSpPr>
+            <p:cNvPr id="50" name="Freeform 27"/>
+            <p:cNvSpPr/>
+            <p:nvPr/>
+          </p:nvSpPr>
+          <p:spPr bwMode="auto">
+            <a:xfrm>
+              <a:off x="6627813" y="195717"/>
+              <a:ext cx="409575" cy="3646488"/>
+            </a:xfrm>
+            <a:custGeom>
+              <a:avLst/>
+              <a:gdLst/>
+              <a:ahLst/>
+              <a:cxnLst/>
+              <a:rect l="0" t="0" r="r" b="b"/>
+              <a:pathLst>
+                <a:path w="103" h="920">
+                  <a:moveTo>
+                    <a:pt x="7" y="210"/>
+                  </a:moveTo>
+                  <a:cubicBezTo>
+                    <a:pt x="11" y="288"/>
+                    <a:pt x="17" y="367"/>
+                    <a:pt x="26" y="445"/>
+                  </a:cubicBezTo>
+                  <a:cubicBezTo>
+                    <a:pt x="34" y="523"/>
+                    <a:pt x="44" y="601"/>
+                    <a:pt x="57" y="679"/>
+                  </a:cubicBezTo>
+                  <a:cubicBezTo>
+                    <a:pt x="69" y="757"/>
+                    <a:pt x="84" y="834"/>
+                    <a:pt x="101" y="911"/>
+                  </a:cubicBezTo>
+                  <a:cubicBezTo>
+                    <a:pt x="102" y="914"/>
+                    <a:pt x="103" y="917"/>
+                    <a:pt x="103" y="920"/>
+                  </a:cubicBezTo>
+                  <a:cubicBezTo>
+                    <a:pt x="102" y="905"/>
+                    <a:pt x="100" y="889"/>
+                    <a:pt x="99" y="874"/>
+                  </a:cubicBezTo>
+                  <a:cubicBezTo>
+                    <a:pt x="99" y="871"/>
+                    <a:pt x="99" y="868"/>
+                    <a:pt x="99" y="866"/>
+                  </a:cubicBezTo>
+                  <a:cubicBezTo>
+                    <a:pt x="85" y="803"/>
+                    <a:pt x="73" y="741"/>
+                    <a:pt x="63" y="678"/>
+                  </a:cubicBezTo>
+                  <a:cubicBezTo>
+                    <a:pt x="50" y="600"/>
+                    <a:pt x="39" y="523"/>
+                    <a:pt x="30" y="444"/>
+                  </a:cubicBezTo>
+                  <a:cubicBezTo>
+                    <a:pt x="21" y="366"/>
+                    <a:pt x="14" y="288"/>
+                    <a:pt x="9" y="209"/>
+                  </a:cubicBezTo>
+                  <a:cubicBezTo>
+                    <a:pt x="7" y="170"/>
+                    <a:pt x="5" y="131"/>
+                    <a:pt x="3" y="92"/>
+                  </a:cubicBezTo>
+                  <a:cubicBezTo>
+                    <a:pt x="2" y="61"/>
+                    <a:pt x="1" y="31"/>
+                    <a:pt x="1" y="0"/>
+                  </a:cubicBezTo>
+                  <a:cubicBezTo>
+                    <a:pt x="0" y="0"/>
+                    <a:pt x="0" y="0"/>
+                    <a:pt x="0" y="0"/>
+                  </a:cubicBezTo>
+                  <a:cubicBezTo>
+                    <a:pt x="0" y="31"/>
+                    <a:pt x="1" y="61"/>
+                    <a:pt x="1" y="92"/>
+                  </a:cubicBezTo>
+                  <a:cubicBezTo>
+                    <a:pt x="3" y="131"/>
+                    <a:pt x="4" y="170"/>
+                    <a:pt x="7" y="210"/>
+                  </a:cubicBezTo>
+                  <a:close/>
+                </a:path>
+              </a:pathLst>
+            </a:custGeom>
+            <a:solidFill>
+              <a:schemeClr val="tx2"/>
+            </a:solidFill>
+            <a:ln>
+              <a:noFill/>
+            </a:ln>
+          </p:spPr>
+        </p:sp>
+        <p:sp>
+          <p:nvSpPr>
+            <p:cNvPr id="51" name="Freeform 28"/>
+            <p:cNvSpPr/>
+            <p:nvPr/>
+          </p:nvSpPr>
+          <p:spPr bwMode="auto">
+            <a:xfrm>
+              <a:off x="7061201" y="3771900"/>
+              <a:ext cx="350838" cy="1309688"/>
+            </a:xfrm>
+            <a:custGeom>
+              <a:avLst/>
+              <a:gdLst/>
+              <a:ahLst/>
+              <a:cxnLst/>
+              <a:rect l="0" t="0" r="r" b="b"/>
+              <a:pathLst>
+                <a:path w="88" h="330">
+                  <a:moveTo>
+                    <a:pt x="53" y="229"/>
+                  </a:moveTo>
+                  <a:cubicBezTo>
+                    <a:pt x="64" y="263"/>
+                    <a:pt x="75" y="297"/>
+                    <a:pt x="88" y="330"/>
+                  </a:cubicBezTo>
+                  <a:cubicBezTo>
+                    <a:pt x="88" y="323"/>
+                    <a:pt x="88" y="315"/>
+                    <a:pt x="88" y="308"/>
+                  </a:cubicBezTo>
+                  <a:cubicBezTo>
+                    <a:pt x="88" y="307"/>
+                    <a:pt x="88" y="305"/>
+                    <a:pt x="88" y="304"/>
+                  </a:cubicBezTo>
+                  <a:cubicBezTo>
+                    <a:pt x="79" y="278"/>
+                    <a:pt x="70" y="252"/>
+                    <a:pt x="62" y="226"/>
+                  </a:cubicBezTo>
+                  <a:cubicBezTo>
+                    <a:pt x="38" y="152"/>
+                    <a:pt x="17" y="76"/>
+                    <a:pt x="0" y="0"/>
+                  </a:cubicBezTo>
+                  <a:cubicBezTo>
+                    <a:pt x="2" y="21"/>
+                    <a:pt x="4" y="42"/>
+                    <a:pt x="7" y="63"/>
+                  </a:cubicBezTo>
+                  <a:cubicBezTo>
+                    <a:pt x="21" y="119"/>
+                    <a:pt x="36" y="174"/>
+                    <a:pt x="53" y="229"/>
+                  </a:cubicBezTo>
+                  <a:close/>
+                </a:path>
+              </a:pathLst>
+            </a:custGeom>
+            <a:solidFill>
+              <a:schemeClr val="tx2"/>
+            </a:solidFill>
+            <a:ln>
+              <a:noFill/>
+            </a:ln>
+          </p:spPr>
+        </p:sp>
+        <p:sp>
+          <p:nvSpPr>
+            <p:cNvPr id="52" name="Freeform 29"/>
+            <p:cNvSpPr/>
+            <p:nvPr/>
+          </p:nvSpPr>
+          <p:spPr bwMode="auto">
+            <a:xfrm>
+              <a:off x="7439026" y="5053013"/>
+              <a:ext cx="357188" cy="820738"/>
+            </a:xfrm>
+            <a:custGeom>
+              <a:avLst/>
+              <a:gdLst/>
+              <a:ahLst/>
+              <a:cxnLst/>
+              <a:rect l="0" t="0" r="r" b="b"/>
+              <a:pathLst>
+                <a:path w="90" h="207">
+                  <a:moveTo>
+                    <a:pt x="6" y="15"/>
+                  </a:moveTo>
+                  <a:cubicBezTo>
+                    <a:pt x="4" y="10"/>
+                    <a:pt x="2" y="5"/>
+                    <a:pt x="0" y="0"/>
+                  </a:cubicBezTo>
+                  <a:cubicBezTo>
+                    <a:pt x="0" y="9"/>
+                    <a:pt x="0" y="19"/>
+                    <a:pt x="1" y="29"/>
+                  </a:cubicBezTo>
+                  <a:cubicBezTo>
+                    <a:pt x="14" y="62"/>
+                    <a:pt x="27" y="95"/>
+                    <a:pt x="42" y="127"/>
+                  </a:cubicBezTo>
+                  <a:cubicBezTo>
+                    <a:pt x="54" y="154"/>
+                    <a:pt x="67" y="181"/>
+                    <a:pt x="80" y="207"/>
+                  </a:cubicBezTo>
+                  <a:cubicBezTo>
+                    <a:pt x="90" y="207"/>
+                    <a:pt x="90" y="207"/>
+                    <a:pt x="90" y="207"/>
+                  </a:cubicBezTo>
+                  <a:cubicBezTo>
+                    <a:pt x="76" y="180"/>
+                    <a:pt x="63" y="152"/>
+                    <a:pt x="50" y="123"/>
+                  </a:cubicBezTo>
+                  <a:cubicBezTo>
+                    <a:pt x="34" y="88"/>
+                    <a:pt x="20" y="51"/>
+                    <a:pt x="6" y="15"/>
+                  </a:cubicBezTo>
+                  <a:close/>
+                </a:path>
+              </a:pathLst>
+            </a:custGeom>
+            <a:solidFill>
+              <a:schemeClr val="tx2"/>
+            </a:solidFill>
+            <a:ln>
+              <a:noFill/>
+            </a:ln>
+          </p:spPr>
+        </p:sp>
+        <p:sp>
+          <p:nvSpPr>
+            <p:cNvPr id="53" name="Freeform 30"/>
+            <p:cNvSpPr/>
+            <p:nvPr/>
+          </p:nvSpPr>
+          <p:spPr bwMode="auto">
+            <a:xfrm>
+              <a:off x="7037388" y="3811588"/>
+              <a:ext cx="457200" cy="1852613"/>
+            </a:xfrm>
+            <a:custGeom>
+              <a:avLst/>
+              <a:gdLst/>
+              <a:ahLst/>
+              <a:cxnLst/>
+              <a:rect l="0" t="0" r="r" b="b"/>
+              <a:pathLst>
+                <a:path w="115" h="467">
+                  <a:moveTo>
+                    <a:pt x="101" y="409"/>
+                  </a:moveTo>
+                  <a:cubicBezTo>
+                    <a:pt x="93" y="388"/>
+                    <a:pt x="85" y="366"/>
+                    <a:pt x="78" y="344"/>
+                  </a:cubicBezTo>
+                  <a:cubicBezTo>
+                    <a:pt x="57" y="281"/>
+                    <a:pt x="41" y="216"/>
+                    <a:pt x="29" y="151"/>
+                  </a:cubicBezTo>
+                  <a:cubicBezTo>
+                    <a:pt x="22" y="119"/>
+                    <a:pt x="17" y="86"/>
+                    <a:pt x="13" y="53"/>
+                  </a:cubicBezTo>
+                  <a:cubicBezTo>
+                    <a:pt x="9" y="35"/>
+                    <a:pt x="4" y="18"/>
+                    <a:pt x="0" y="0"/>
+                  </a:cubicBezTo>
+                  <a:cubicBezTo>
+                    <a:pt x="5" y="51"/>
+                    <a:pt x="12" y="102"/>
+                    <a:pt x="21" y="152"/>
+                  </a:cubicBezTo>
+                  <a:cubicBezTo>
+                    <a:pt x="33" y="218"/>
+                    <a:pt x="49" y="283"/>
+                    <a:pt x="69" y="347"/>
+                  </a:cubicBezTo>
+                  <a:cubicBezTo>
+                    <a:pt x="79" y="378"/>
+                    <a:pt x="90" y="410"/>
+                    <a:pt x="103" y="441"/>
+                  </a:cubicBezTo>
+                  <a:cubicBezTo>
+                    <a:pt x="107" y="449"/>
+                    <a:pt x="111" y="458"/>
+                    <a:pt x="115" y="467"/>
+                  </a:cubicBezTo>
+                  <a:cubicBezTo>
+                    <a:pt x="114" y="464"/>
+                    <a:pt x="113" y="461"/>
+                    <a:pt x="112" y="458"/>
+                  </a:cubicBezTo>
+                  <a:cubicBezTo>
+                    <a:pt x="108" y="442"/>
+                    <a:pt x="104" y="425"/>
+                    <a:pt x="101" y="409"/>
+                  </a:cubicBezTo>
+                  <a:close/>
+                </a:path>
+              </a:pathLst>
+            </a:custGeom>
+            <a:solidFill>
+              <a:schemeClr val="tx2"/>
+            </a:solidFill>
+            <a:ln>
+              <a:noFill/>
+            </a:ln>
+          </p:spPr>
+        </p:sp>
+        <p:sp>
+          <p:nvSpPr>
+            <p:cNvPr id="54" name="Freeform 31"/>
+            <p:cNvSpPr/>
+            <p:nvPr/>
+          </p:nvSpPr>
+          <p:spPr bwMode="auto">
+            <a:xfrm>
+              <a:off x="6992938" y="1263650"/>
+              <a:ext cx="144463" cy="2508250"/>
+            </a:xfrm>
+            <a:custGeom>
+              <a:avLst/>
+              <a:gdLst/>
+              <a:ahLst/>
+              <a:cxnLst/>
+              <a:rect l="0" t="0" r="r" b="b"/>
+              <a:pathLst>
+                <a:path w="36" h="633">
+                  <a:moveTo>
+                    <a:pt x="17" y="633"/>
+                  </a:moveTo>
+                  <a:cubicBezTo>
+                    <a:pt x="15" y="621"/>
+                    <a:pt x="14" y="609"/>
+                    <a:pt x="13" y="597"/>
+                  </a:cubicBezTo>
+                  <a:cubicBezTo>
+                    <a:pt x="8" y="530"/>
+                    <a:pt x="5" y="464"/>
+                    <a:pt x="5" y="398"/>
+                  </a:cubicBezTo>
+                  <a:cubicBezTo>
+                    <a:pt x="5" y="331"/>
+                    <a:pt x="8" y="265"/>
+                    <a:pt x="13" y="198"/>
+                  </a:cubicBezTo>
+                  <a:cubicBezTo>
+                    <a:pt x="15" y="165"/>
+                    <a:pt x="18" y="132"/>
+                    <a:pt x="22" y="99"/>
+                  </a:cubicBezTo>
+                  <a:cubicBezTo>
+                    <a:pt x="26" y="66"/>
+                    <a:pt x="30" y="33"/>
+                    <a:pt x="36" y="0"/>
+                  </a:cubicBezTo>
+                  <a:cubicBezTo>
+                    <a:pt x="35" y="0"/>
+                    <a:pt x="35" y="0"/>
+                    <a:pt x="35" y="0"/>
+                  </a:cubicBezTo>
+                  <a:cubicBezTo>
+                    <a:pt x="29" y="33"/>
+                    <a:pt x="24" y="66"/>
+                    <a:pt x="20" y="99"/>
+                  </a:cubicBezTo>
+                  <a:cubicBezTo>
+                    <a:pt x="16" y="132"/>
+                    <a:pt x="13" y="165"/>
+                    <a:pt x="10" y="198"/>
+                  </a:cubicBezTo>
+                  <a:cubicBezTo>
+                    <a:pt x="4" y="264"/>
+                    <a:pt x="1" y="331"/>
+                    <a:pt x="1" y="398"/>
+                  </a:cubicBezTo>
+                  <a:cubicBezTo>
+                    <a:pt x="0" y="461"/>
+                    <a:pt x="2" y="525"/>
+                    <a:pt x="7" y="589"/>
+                  </a:cubicBezTo>
+                  <a:cubicBezTo>
+                    <a:pt x="10" y="603"/>
+                    <a:pt x="13" y="618"/>
+                    <a:pt x="16" y="632"/>
+                  </a:cubicBezTo>
+                  <a:cubicBezTo>
+                    <a:pt x="16" y="632"/>
+                    <a:pt x="17" y="633"/>
+                    <a:pt x="17" y="633"/>
+                  </a:cubicBezTo>
+                  <a:close/>
+                </a:path>
+              </a:pathLst>
+            </a:custGeom>
+            <a:solidFill>
+              <a:schemeClr val="tx2"/>
+            </a:solidFill>
+            <a:ln>
+              <a:noFill/>
+            </a:ln>
+          </p:spPr>
+        </p:sp>
+        <p:sp>
+          <p:nvSpPr>
+            <p:cNvPr id="55" name="Freeform 32"/>
+            <p:cNvSpPr/>
+            <p:nvPr/>
+          </p:nvSpPr>
+          <p:spPr bwMode="auto">
+            <a:xfrm>
+              <a:off x="7526338" y="5640388"/>
+              <a:ext cx="111125" cy="233363"/>
+            </a:xfrm>
+            <a:custGeom>
+              <a:avLst/>
+              <a:gdLst/>
+              <a:ahLst/>
+              <a:cxnLst/>
+              <a:rect l="0" t="0" r="r" b="b"/>
+              <a:pathLst>
+                <a:path w="28" h="59">
+                  <a:moveTo>
+                    <a:pt x="22" y="59"/>
+                  </a:moveTo>
+                  <a:cubicBezTo>
+                    <a:pt x="28" y="59"/>
+                    <a:pt x="28" y="59"/>
+                    <a:pt x="28" y="59"/>
+                  </a:cubicBezTo>
+                  <a:cubicBezTo>
+                    <a:pt x="18" y="40"/>
+                    <a:pt x="9" y="20"/>
+                    <a:pt x="0" y="0"/>
+                  </a:cubicBezTo>
+                  <a:cubicBezTo>
+                    <a:pt x="6" y="20"/>
+                    <a:pt x="13" y="40"/>
+                    <a:pt x="22" y="59"/>
+                  </a:cubicBezTo>
+                  <a:close/>
+                </a:path>
+              </a:pathLst>
+            </a:custGeom>
+            <a:solidFill>
+              <a:schemeClr val="tx2"/>
+            </a:solidFill>
+            <a:ln>
+              <a:noFill/>
+            </a:ln>
+          </p:spPr>
+        </p:sp>
+        <p:sp>
+          <p:nvSpPr>
+            <p:cNvPr id="56" name="Freeform 33"/>
+            <p:cNvSpPr/>
+            <p:nvPr/>
+          </p:nvSpPr>
+          <p:spPr bwMode="auto">
+            <a:xfrm>
+              <a:off x="7021513" y="3598863"/>
+              <a:ext cx="68263" cy="423863"/>
+            </a:xfrm>
+            <a:custGeom>
+              <a:avLst/>
+              <a:gdLst/>
+              <a:ahLst/>
+              <a:cxnLst/>
+              <a:rect l="0" t="0" r="r" b="b"/>
+              <a:pathLst>
+                <a:path w="17" h="107">
+                  <a:moveTo>
+                    <a:pt x="4" y="54"/>
+                  </a:moveTo>
+                  <a:cubicBezTo>
+                    <a:pt x="8" y="72"/>
+                    <a:pt x="13" y="89"/>
+                    <a:pt x="17" y="107"/>
+                  </a:cubicBezTo>
+                  <a:cubicBezTo>
+                    <a:pt x="14" y="86"/>
+                    <a:pt x="12" y="65"/>
+                    <a:pt x="10" y="44"/>
+                  </a:cubicBezTo>
+                  <a:cubicBezTo>
+                    <a:pt x="10" y="44"/>
+                    <a:pt x="9" y="43"/>
+                    <a:pt x="9" y="43"/>
+                  </a:cubicBezTo>
+                  <a:cubicBezTo>
+                    <a:pt x="6" y="29"/>
+                    <a:pt x="3" y="14"/>
+                    <a:pt x="0" y="0"/>
+                  </a:cubicBezTo>
+                  <a:cubicBezTo>
+                    <a:pt x="0" y="2"/>
+                    <a:pt x="0" y="5"/>
+                    <a:pt x="0" y="8"/>
+                  </a:cubicBezTo>
+                  <a:cubicBezTo>
+                    <a:pt x="1" y="23"/>
+                    <a:pt x="3" y="39"/>
+                    <a:pt x="4" y="54"/>
+                  </a:cubicBezTo>
+                  <a:close/>
+                </a:path>
+              </a:pathLst>
+            </a:custGeom>
+            <a:solidFill>
+              <a:schemeClr val="tx2"/>
+            </a:solidFill>
+            <a:ln>
+              <a:noFill/>
+            </a:ln>
+          </p:spPr>
+        </p:sp>
+        <p:sp>
+          <p:nvSpPr>
+            <p:cNvPr id="57" name="Freeform 34"/>
+            <p:cNvSpPr/>
+            <p:nvPr/>
+          </p:nvSpPr>
+          <p:spPr bwMode="auto">
+            <a:xfrm>
+              <a:off x="7412038" y="2801938"/>
+              <a:ext cx="1168400" cy="2251075"/>
+            </a:xfrm>
+            <a:custGeom>
+              <a:avLst/>
+              <a:gdLst/>
+              <a:ahLst/>
+              <a:cxnLst/>
+              <a:rect l="0" t="0" r="r" b="b"/>
+              <a:pathLst>
+                <a:path w="294" h="568">
+                  <a:moveTo>
+                    <a:pt x="8" y="553"/>
+                  </a:moveTo>
+                  <a:cubicBezTo>
+                    <a:pt x="9" y="501"/>
+                    <a:pt x="19" y="448"/>
+                    <a:pt x="35" y="397"/>
+                  </a:cubicBezTo>
+                  <a:cubicBezTo>
+                    <a:pt x="51" y="347"/>
+                    <a:pt x="73" y="298"/>
+                    <a:pt x="99" y="252"/>
+                  </a:cubicBezTo>
+                  <a:cubicBezTo>
+                    <a:pt x="124" y="205"/>
+                    <a:pt x="154" y="161"/>
+                    <a:pt x="187" y="119"/>
+                  </a:cubicBezTo>
+                  <a:cubicBezTo>
+                    <a:pt x="203" y="98"/>
+                    <a:pt x="220" y="77"/>
+                    <a:pt x="238" y="58"/>
+                  </a:cubicBezTo>
+                  <a:cubicBezTo>
+                    <a:pt x="247" y="48"/>
+                    <a:pt x="256" y="38"/>
+                    <a:pt x="265" y="28"/>
+                  </a:cubicBezTo>
+                  <a:cubicBezTo>
+                    <a:pt x="274" y="19"/>
+                    <a:pt x="284" y="9"/>
+                    <a:pt x="294" y="0"/>
+                  </a:cubicBezTo>
+                  <a:cubicBezTo>
+                    <a:pt x="293" y="0"/>
+                    <a:pt x="293" y="0"/>
+                    <a:pt x="293" y="0"/>
+                  </a:cubicBezTo>
+                  <a:cubicBezTo>
+                    <a:pt x="283" y="9"/>
+                    <a:pt x="273" y="18"/>
+                    <a:pt x="264" y="27"/>
+                  </a:cubicBezTo>
+                  <a:cubicBezTo>
+                    <a:pt x="255" y="37"/>
+                    <a:pt x="246" y="47"/>
+                    <a:pt x="237" y="56"/>
+                  </a:cubicBezTo>
+                  <a:cubicBezTo>
+                    <a:pt x="218" y="76"/>
+                    <a:pt x="201" y="96"/>
+                    <a:pt x="185" y="117"/>
+                  </a:cubicBezTo>
+                  <a:cubicBezTo>
+                    <a:pt x="151" y="159"/>
+                    <a:pt x="121" y="203"/>
+                    <a:pt x="95" y="249"/>
+                  </a:cubicBezTo>
+                  <a:cubicBezTo>
+                    <a:pt x="68" y="296"/>
+                    <a:pt x="46" y="345"/>
+                    <a:pt x="30" y="396"/>
+                  </a:cubicBezTo>
+                  <a:cubicBezTo>
+                    <a:pt x="13" y="445"/>
+                    <a:pt x="3" y="497"/>
+                    <a:pt x="0" y="549"/>
+                  </a:cubicBezTo>
+                  <a:cubicBezTo>
+                    <a:pt x="3" y="555"/>
+                    <a:pt x="5" y="561"/>
+                    <a:pt x="7" y="568"/>
+                  </a:cubicBezTo>
+                  <a:cubicBezTo>
+                    <a:pt x="7" y="563"/>
+                    <a:pt x="7" y="558"/>
+                    <a:pt x="8" y="553"/>
+                  </a:cubicBezTo>
+                  <a:close/>
+                </a:path>
+              </a:pathLst>
+            </a:custGeom>
+            <a:solidFill>
+              <a:schemeClr val="tx2"/>
+            </a:solidFill>
+            <a:ln>
+              <a:noFill/>
+            </a:ln>
+          </p:spPr>
+        </p:sp>
+        <p:sp>
+          <p:nvSpPr>
+            <p:cNvPr id="58" name="Freeform 35"/>
+            <p:cNvSpPr/>
+            <p:nvPr/>
+          </p:nvSpPr>
+          <p:spPr bwMode="auto">
+            <a:xfrm>
+              <a:off x="7494588" y="5664200"/>
+              <a:ext cx="100013" cy="209550"/>
+            </a:xfrm>
+            <a:custGeom>
+              <a:avLst/>
+              <a:gdLst/>
+              <a:ahLst/>
+              <a:cxnLst/>
+              <a:rect l="0" t="0" r="r" b="b"/>
+              <a:pathLst>
+                <a:path w="25" h="53">
+                  <a:moveTo>
+                    <a:pt x="0" y="0"/>
+                  </a:moveTo>
+                  <a:cubicBezTo>
+                    <a:pt x="5" y="18"/>
+                    <a:pt x="12" y="36"/>
+                    <a:pt x="19" y="53"/>
+                  </a:cubicBezTo>
+                  <a:cubicBezTo>
+                    <a:pt x="25" y="53"/>
+                    <a:pt x="25" y="53"/>
+                    <a:pt x="25" y="53"/>
+                  </a:cubicBezTo>
+                  <a:cubicBezTo>
+                    <a:pt x="16" y="36"/>
+                    <a:pt x="8" y="18"/>
+                    <a:pt x="0" y="0"/>
+                  </a:cubicBezTo>
+                  <a:close/>
+                </a:path>
+              </a:pathLst>
+            </a:custGeom>
+            <a:solidFill>
+              <a:schemeClr val="tx2"/>
+            </a:solidFill>
+            <a:ln>
+              <a:noFill/>
+            </a:ln>
+          </p:spPr>
+        </p:sp>
+        <p:sp>
+          <p:nvSpPr>
+            <p:cNvPr id="59" name="Freeform 36"/>
+            <p:cNvSpPr/>
+            <p:nvPr/>
+          </p:nvSpPr>
+          <p:spPr bwMode="auto">
+            <a:xfrm>
+              <a:off x="7412038" y="5081588"/>
+              <a:ext cx="114300" cy="558800"/>
+            </a:xfrm>
+            <a:custGeom>
+              <a:avLst/>
+              <a:gdLst/>
+              <a:ahLst/>
+              <a:cxnLst/>
+              <a:rect l="0" t="0" r="r" b="b"/>
+              <a:pathLst>
+                <a:path w="29" h="141">
+                  <a:moveTo>
+                    <a:pt x="0" y="0"/>
+                  </a:moveTo>
+                  <a:cubicBezTo>
+                    <a:pt x="0" y="30"/>
+                    <a:pt x="2" y="60"/>
+                    <a:pt x="7" y="89"/>
+                  </a:cubicBezTo>
+                  <a:cubicBezTo>
+                    <a:pt x="11" y="98"/>
+                    <a:pt x="14" y="108"/>
+                    <a:pt x="18" y="117"/>
+                  </a:cubicBezTo>
+                  <a:cubicBezTo>
+                    <a:pt x="22" y="125"/>
+                    <a:pt x="25" y="133"/>
+                    <a:pt x="29" y="141"/>
+                  </a:cubicBezTo>
+                  <a:cubicBezTo>
+                    <a:pt x="28" y="139"/>
+                    <a:pt x="28" y="137"/>
+                    <a:pt x="27" y="135"/>
+                  </a:cubicBezTo>
+                  <a:cubicBezTo>
+                    <a:pt x="16" y="98"/>
+                    <a:pt x="10" y="60"/>
+                    <a:pt x="8" y="22"/>
+                  </a:cubicBezTo>
+                  <a:cubicBezTo>
+                    <a:pt x="7" y="18"/>
+                    <a:pt x="5" y="15"/>
+                    <a:pt x="4" y="11"/>
+                  </a:cubicBezTo>
+                  <a:cubicBezTo>
+                    <a:pt x="2" y="7"/>
+                    <a:pt x="1" y="3"/>
+                    <a:pt x="0" y="0"/>
+                  </a:cubicBezTo>
+                  <a:close/>
+                </a:path>
+              </a:pathLst>
+            </a:custGeom>
+            <a:solidFill>
+              <a:schemeClr val="tx2"/>
+            </a:solidFill>
+            <a:ln>
+              <a:noFill/>
+            </a:ln>
+          </p:spPr>
+        </p:sp>
+        <p:sp>
+          <p:nvSpPr>
+            <p:cNvPr id="60" name="Freeform 37"/>
+            <p:cNvSpPr/>
+            <p:nvPr/>
+          </p:nvSpPr>
+          <p:spPr bwMode="auto">
+            <a:xfrm>
+              <a:off x="7412038" y="4978400"/>
+              <a:ext cx="31750" cy="188913"/>
+            </a:xfrm>
+            <a:custGeom>
+              <a:avLst/>
+              <a:gdLst/>
+              <a:ahLst/>
+              <a:cxnLst/>
+              <a:rect l="0" t="0" r="r" b="b"/>
+              <a:pathLst>
+                <a:path w="8" h="48">
+                  <a:moveTo>
+                    <a:pt x="0" y="26"/>
+                  </a:moveTo>
+                  <a:cubicBezTo>
+                    <a:pt x="1" y="29"/>
+                    <a:pt x="2" y="33"/>
+                    <a:pt x="4" y="37"/>
+                  </a:cubicBezTo>
+                  <a:cubicBezTo>
+                    <a:pt x="5" y="41"/>
+                    <a:pt x="7" y="44"/>
+                    <a:pt x="8" y="48"/>
+                  </a:cubicBezTo>
+                  <a:cubicBezTo>
+                    <a:pt x="7" y="38"/>
+                    <a:pt x="7" y="28"/>
+                    <a:pt x="7" y="19"/>
+                  </a:cubicBezTo>
+                  <a:cubicBezTo>
+                    <a:pt x="5" y="12"/>
+                    <a:pt x="3" y="6"/>
+                    <a:pt x="0" y="0"/>
+                  </a:cubicBezTo>
+                  <a:cubicBezTo>
+                    <a:pt x="0" y="1"/>
+                    <a:pt x="0" y="3"/>
+                    <a:pt x="0" y="4"/>
+                  </a:cubicBezTo>
+                  <a:cubicBezTo>
+                    <a:pt x="0" y="11"/>
+                    <a:pt x="0" y="19"/>
+                    <a:pt x="0" y="26"/>
+                  </a:cubicBezTo>
+                  <a:close/>
+                </a:path>
+              </a:pathLst>
+            </a:custGeom>
+            <a:solidFill>
+              <a:schemeClr val="tx2"/>
+            </a:solidFill>
+            <a:ln>
+              <a:noFill/>
+            </a:ln>
+          </p:spPr>
+        </p:sp>
+        <p:sp>
+          <p:nvSpPr>
+            <p:cNvPr id="61" name="Freeform 38"/>
+            <p:cNvSpPr/>
+            <p:nvPr/>
+          </p:nvSpPr>
+          <p:spPr bwMode="auto">
+            <a:xfrm>
+              <a:off x="7439026" y="5434013"/>
+              <a:ext cx="174625" cy="439738"/>
+            </a:xfrm>
+            <a:custGeom>
+              <a:avLst/>
+              <a:gdLst/>
+              <a:ahLst/>
+              <a:cxnLst/>
+              <a:rect l="0" t="0" r="r" b="b"/>
+              <a:pathLst>
+                <a:path w="44" h="111">
+                  <a:moveTo>
+                    <a:pt x="11" y="28"/>
+                  </a:moveTo>
+                  <a:cubicBezTo>
+                    <a:pt x="7" y="19"/>
+                    <a:pt x="4" y="9"/>
+                    <a:pt x="0" y="0"/>
+                  </a:cubicBezTo>
+                  <a:cubicBezTo>
+                    <a:pt x="3" y="16"/>
+                    <a:pt x="7" y="33"/>
+                    <a:pt x="11" y="49"/>
+                  </a:cubicBezTo>
+                  <a:cubicBezTo>
+                    <a:pt x="12" y="52"/>
+                    <a:pt x="13" y="55"/>
+                    <a:pt x="14" y="58"/>
+                  </a:cubicBezTo>
+                  <a:cubicBezTo>
+                    <a:pt x="22" y="76"/>
+                    <a:pt x="30" y="94"/>
+                    <a:pt x="39" y="111"/>
+                  </a:cubicBezTo>
+                  <a:cubicBezTo>
+                    <a:pt x="44" y="111"/>
+                    <a:pt x="44" y="111"/>
+                    <a:pt x="44" y="111"/>
+                  </a:cubicBezTo>
+                  <a:cubicBezTo>
+                    <a:pt x="35" y="92"/>
+                    <a:pt x="28" y="72"/>
+                    <a:pt x="22" y="52"/>
+                  </a:cubicBezTo>
+                  <a:cubicBezTo>
+                    <a:pt x="18" y="44"/>
+                    <a:pt x="15" y="36"/>
+                    <a:pt x="11" y="28"/>
+                  </a:cubicBezTo>
+                  <a:close/>
+                </a:path>
+              </a:pathLst>
+            </a:custGeom>
+            <a:solidFill>
+              <a:schemeClr val="tx2"/>
+            </a:solidFill>
+            <a:ln>
+              <a:noFill/>
+            </a:ln>
+          </p:spPr>
+        </p:sp>
+      </p:grpSp>
+      <p:sp>
+        <p:nvSpPr>
+          <p:cNvPr id="62" name="Rectangle 61"/>
+          <p:cNvSpPr/>
+          <p:nvPr/>
         </p:nvSpPr>
         <p:spPr>
           <a:xfrm>
-            <a:off x="982133" y="457201"/>
-            <a:ext cx="7704667" cy="1981200"/>
+            <a:off x="0" y="0"/>
+            <a:ext cx="182880" cy="6858000"/>
           </a:xfrm>
           <a:prstGeom prst="rect">
             <a:avLst/>
           </a:prstGeom>
+          <a:solidFill>
+            <a:schemeClr val="tx2"/>
+          </a:solidFill>
+          <a:ln>
+            <a:noFill/>
+          </a:ln>
           <a:effectLst/>
         </p:spPr>
-        <p:txBody>
-          <a:bodyPr vert="horz" lIns="91440" tIns="45720" rIns="91440" bIns="45720" rtlCol="0" anchor="ctr">
-            <a:normAutofit/>
-          </a:bodyPr>
-          <a:lstStyle/>
-          <a:p>
-            <a:r>
-              <a:rPr lang="zh-CN" altLang="en-US" smtClean="0"/>
-              <a:t>单击此处编辑母版标题样式</a:t>
-            </a:r>
-            <a:endParaRPr lang="en-US" dirty="0"/>
-          </a:p>
-        </p:txBody>
-      </p:sp>
-      <p:sp>
-        <p:nvSpPr>
-          <p:cNvPr id="3" name="Text Placeholder 2"/>
-          <p:cNvSpPr>
-            <a:spLocks noGrp="1"/>
-          </p:cNvSpPr>
-          <p:nvPr>
-            <p:ph type="body" idx="1"/>
+        <p:style>
+          <a:lnRef idx="1">
+            <a:schemeClr val="accent1"/>
+          </a:lnRef>
+          <a:fillRef idx="3">
+            <a:schemeClr val="accent1"/>
+          </a:fillRef>
+          <a:effectRef idx="2">
+            <a:schemeClr val="accent1"/>
+          </a:effectRef>
+          <a:fontRef idx="minor">
+            <a:schemeClr val="lt1"/>
+          </a:fontRef>
+        </p:style>
+      </p:sp>
+      <p:sp>
+        <p:nvSpPr>
+          <p:cNvPr id="2" name="Title Placeholder 1"/>
+          <p:cNvSpPr>
+            <a:spLocks noGrp="1"/>
+          </p:cNvSpPr>
+          <p:nvPr>
+            <p:ph type="title"/>
           </p:nvPr>
         </p:nvSpPr>
         <p:spPr>
           <a:xfrm>
-            <a:off x="982134" y="2667000"/>
-            <a:ext cx="7704666" cy="3356995"/>
+            <a:off x="1945200" y="624110"/>
+            <a:ext cx="6589200" cy="1280890"/>
           </a:xfrm>
           <a:prstGeom prst="rect">
             <a:avLst/>
           </a:prstGeom>
         </p:spPr>
         <p:txBody>
-          <a:bodyPr vert="horz" lIns="91440" tIns="45720" rIns="91440" bIns="45720" rtlCol="0" anchor="ctr">
+          <a:bodyPr vert="horz" lIns="91440" tIns="45720" rIns="91440" bIns="45720" rtlCol="0" anchor="t">
             <a:normAutofit/>
           </a:bodyPr>
           <a:lstStyle/>
           <a:p>
-            <a:pPr lvl="0"/>
             <a:r>
               <a:rPr lang="zh-CN" altLang="en-US" smtClean="0"/>
-              <a:t>单击此处编辑母版文本样式</a:t>
-            </a:r>
-          </a:p>
-          <a:p>
-            <a:pPr lvl="1"/>
-            <a:r>
-              <a:rPr lang="zh-CN" altLang="en-US" smtClean="0"/>
-              <a:t>第二级</a:t>
-            </a:r>
-          </a:p>
-          <a:p>
-            <a:pPr lvl="2"/>
-            <a:r>
-              <a:rPr lang="zh-CN" altLang="en-US" smtClean="0"/>
-              <a:t>第三级</a:t>
-            </a:r>
-          </a:p>
-          <a:p>
-            <a:pPr lvl="3"/>
-            <a:r>
-              <a:rPr lang="zh-CN" altLang="en-US" smtClean="0"/>
-              <a:t>第四级</a:t>
-            </a:r>
-          </a:p>
-          <a:p>
-            <a:pPr lvl="4"/>
-            <a:r>
-              <a:rPr lang="zh-CN" altLang="en-US" smtClean="0"/>
-              <a:t>第五级</a:t>
+              <a:t>单击此处编辑母版标题样式</a:t>
             </a:r>
             <a:endParaRPr lang="en-US" dirty="0"/>
           </a:p>
@@ -5758,33 +7067,95 @@
       </p:sp>
       <p:sp>
         <p:nvSpPr>
-          <p:cNvPr id="4" name="Date Placeholder 3"/>
-          <p:cNvSpPr>
-            <a:spLocks noGrp="1"/>
-          </p:cNvSpPr>
-          <p:nvPr>
-            <p:ph type="dt" sz="half" idx="2"/>
+          <p:cNvPr id="3" name="Text Placeholder 2"/>
+          <p:cNvSpPr>
+            <a:spLocks noGrp="1"/>
+          </p:cNvSpPr>
+          <p:nvPr>
+            <p:ph type="body" idx="1"/>
           </p:nvPr>
         </p:nvSpPr>
         <p:spPr>
           <a:xfrm>
-            <a:off x="7358679" y="6116070"/>
-            <a:ext cx="857473" cy="365125"/>
+            <a:off x="1942415" y="2133600"/>
+            <a:ext cx="6591985" cy="3886200"/>
           </a:xfrm>
           <a:prstGeom prst="rect">
             <a:avLst/>
           </a:prstGeom>
         </p:spPr>
         <p:txBody>
+          <a:bodyPr vert="horz" lIns="91440" tIns="45720" rIns="91440" bIns="45720" rtlCol="0">
+            <a:normAutofit/>
+          </a:bodyPr>
+          <a:lstStyle/>
+          <a:p>
+            <a:pPr lvl="0"/>
+            <a:r>
+              <a:rPr lang="zh-CN" altLang="en-US" smtClean="0"/>
+              <a:t>单击此处编辑母版文本样式</a:t>
+            </a:r>
+          </a:p>
+          <a:p>
+            <a:pPr lvl="1"/>
+            <a:r>
+              <a:rPr lang="zh-CN" altLang="en-US" smtClean="0"/>
+              <a:t>第二级</a:t>
+            </a:r>
+          </a:p>
+          <a:p>
+            <a:pPr lvl="2"/>
+            <a:r>
+              <a:rPr lang="zh-CN" altLang="en-US" smtClean="0"/>
+              <a:t>第三级</a:t>
+            </a:r>
+          </a:p>
+          <a:p>
+            <a:pPr lvl="3"/>
+            <a:r>
+              <a:rPr lang="zh-CN" altLang="en-US" smtClean="0"/>
+              <a:t>第四级</a:t>
+            </a:r>
+          </a:p>
+          <a:p>
+            <a:pPr lvl="4"/>
+            <a:r>
+              <a:rPr lang="zh-CN" altLang="en-US" smtClean="0"/>
+              <a:t>第五级</a:t>
+            </a:r>
+            <a:endParaRPr lang="en-US" dirty="0"/>
+          </a:p>
+        </p:txBody>
+      </p:sp>
+      <p:sp>
+        <p:nvSpPr>
+          <p:cNvPr id="4" name="Date Placeholder 3"/>
+          <p:cNvSpPr>
+            <a:spLocks noGrp="1"/>
+          </p:cNvSpPr>
+          <p:nvPr>
+            <p:ph type="dt" sz="half" idx="2"/>
+          </p:nvPr>
+        </p:nvSpPr>
+        <p:spPr>
+          <a:xfrm>
+            <a:off x="7772400" y="6135089"/>
+            <a:ext cx="766380" cy="370171"/>
+          </a:xfrm>
+          <a:prstGeom prst="rect">
+            <a:avLst/>
+          </a:prstGeom>
+        </p:spPr>
+        <p:txBody>
           <a:bodyPr vert="horz" lIns="91440" tIns="45720" rIns="91440" bIns="45720" rtlCol="0" anchor="ctr"/>
           <a:lstStyle>
             <a:lvl1pPr algn="r">
-              <a:defRPr sz="1000" b="0" i="0">
+              <a:defRPr sz="900">
                 <a:solidFill>
-                  <a:schemeClr val="tx1"/>
+                  <a:schemeClr val="tx1">
+                    <a:tint val="75000"/>
+                  </a:schemeClr>
                 </a:solidFill>
-                <a:effectLst/>
-                <a:latin typeface="+mn-lt"/>
               </a:defRPr>
             </a:lvl1pPr>
           </a:lstStyle>
@@ -5810,8 +7181,8 @@
         </p:nvSpPr>
         <p:spPr>
           <a:xfrm>
-            <a:off x="1986997" y="6116070"/>
-            <a:ext cx="5314517" cy="365125"/>
+            <a:off x="1942415" y="6135809"/>
+            <a:ext cx="5716488" cy="365125"/>
           </a:xfrm>
           <a:prstGeom prst="rect">
             <a:avLst/>
@@ -5821,12 +7192,12 @@
           <a:bodyPr vert="horz" lIns="91440" tIns="45720" rIns="91440" bIns="45720" rtlCol="0" anchor="ctr"/>
           <a:lstStyle>
             <a:lvl1pPr algn="l">
-              <a:defRPr sz="1000" b="0" i="0">
+              <a:defRPr sz="900">
                 <a:solidFill>
-                  <a:schemeClr val="tx1"/>
+                  <a:schemeClr val="tx1">
+                    <a:tint val="75000"/>
+                  </a:schemeClr>
                 </a:solidFill>
-                <a:effectLst/>
-                <a:latin typeface="+mn-lt"/>
               </a:defRPr>
             </a:lvl1pPr>
           </a:lstStyle>
@@ -5845,10 +7216,10 @@
             <p:ph type="sldNum" sz="quarter" idx="4"/>
           </p:nvPr>
         </p:nvSpPr>
-        <p:spPr>
+        <p:spPr bwMode="gray">
           <a:xfrm>
-            <a:off x="8273317" y="6116070"/>
-            <a:ext cx="413483" cy="365125"/>
+            <a:off x="511228" y="787783"/>
+            <a:ext cx="584978" cy="365125"/>
           </a:xfrm>
           <a:prstGeom prst="rect">
             <a:avLst/>
@@ -5858,12 +7229,10 @@
           <a:bodyPr vert="horz" lIns="91440" tIns="45720" rIns="91440" bIns="45720" rtlCol="0" anchor="ctr"/>
           <a:lstStyle>
             <a:lvl1pPr algn="r">
-              <a:defRPr sz="1000" b="0" i="0">
+              <a:defRPr sz="2000">
                 <a:solidFill>
-                  <a:schemeClr val="tx1"/>
+                  <a:srgbClr val="FEFFFF"/>
                 </a:solidFill>
-                <a:effectLst/>
-                <a:latin typeface="+mn-lt"/>
               </a:defRPr>
             </a:lvl1pPr>
           </a:lstStyle>
@@ -5880,45 +7249,43 @@
     </p:spTree>
     <p:extLst>
       <p:ext uri="{BB962C8B-B14F-4D97-AF65-F5344CB8AC3E}">
-        <p14:creationId xmlns:p14="http://schemas.microsoft.com/office/powerpoint/2010/main" val="4182576266"/>
+        <p14:creationId xmlns:p14="http://schemas.microsoft.com/office/powerpoint/2010/main" val="3297935746"/>
       </p:ext>
     </p:extLst>
   </p:cSld>
   <p:clrMap bg1="lt1" tx1="dk1" bg2="lt2" tx2="dk2" accent1="accent1" accent2="accent2" accent3="accent3" accent4="accent4" accent5="accent5" accent6="accent6" hlink="hlink" folHlink="folHlink"/>
   <p:sldLayoutIdLst>
-    <p:sldLayoutId id="2147483669" r:id="rId1"/>
-    <p:sldLayoutId id="2147483670" r:id="rId2"/>
-    <p:sldLayoutId id="2147483671" r:id="rId3"/>
-    <p:sldLayoutId id="2147483672" r:id="rId4"/>
-    <p:sldLayoutId id="2147483673" r:id="rId5"/>
-    <p:sldLayoutId id="2147483674" r:id="rId6"/>
-    <p:sldLayoutId id="2147483675" r:id="rId7"/>
-    <p:sldLayoutId id="2147483676" r:id="rId8"/>
-    <p:sldLayoutId id="2147483677" r:id="rId9"/>
-    <p:sldLayoutId id="2147483678" r:id="rId10"/>
-    <p:sldLayoutId id="2147483679" r:id="rId11"/>
-    <p:sldLayoutId id="2147483680" r:id="rId12"/>
-    <p:sldLayoutId id="2147483681" r:id="rId13"/>
-    <p:sldLayoutId id="2147483682" r:id="rId14"/>
-    <p:sldLayoutId id="2147483683" r:id="rId15"/>
-    <p:sldLayoutId id="2147483684" r:id="rId16"/>
-    <p:sldLayoutId id="2147483685" r:id="rId17"/>
+    <p:sldLayoutId id="2147483687" r:id="rId1"/>
+    <p:sldLayoutId id="2147483688" r:id="rId2"/>
+    <p:sldLayoutId id="2147483689" r:id="rId3"/>
+    <p:sldLayoutId id="2147483690" r:id="rId4"/>
+    <p:sldLayoutId id="2147483691" r:id="rId5"/>
+    <p:sldLayoutId id="2147483692" r:id="rId6"/>
+    <p:sldLayoutId id="2147483693" r:id="rId7"/>
+    <p:sldLayoutId id="2147483694" r:id="rId8"/>
+    <p:sldLayoutId id="2147483695" r:id="rId9"/>
+    <p:sldLayoutId id="2147483696" r:id="rId10"/>
+    <p:sldLayoutId id="2147483697" r:id="rId11"/>
+    <p:sldLayoutId id="2147483698" r:id="rId12"/>
+    <p:sldLayoutId id="2147483699" r:id="rId13"/>
+    <p:sldLayoutId id="2147483700" r:id="rId14"/>
+    <p:sldLayoutId id="2147483701" r:id="rId15"/>
+    <p:sldLayoutId id="2147483702" r:id="rId16"/>
   </p:sldLayoutIdLst>
   <p:txStyles>
     <p:titleStyle>
-      <a:lvl1pPr algn="ctr" defTabSz="457200" rtl="0" eaLnBrk="1" latinLnBrk="0" hangingPunct="1">
+      <a:lvl1pPr algn="l" defTabSz="457200" rtl="0" eaLnBrk="1" latinLnBrk="0" hangingPunct="1">
         <a:spcBef>
           <a:spcPct val="0"/>
         </a:spcBef>
         <a:buNone/>
-        <a:defRPr sz="4000" kern="1200" cap="none">
-          <a:ln w="3175" cmpd="sng">
-            <a:noFill/>
-          </a:ln>
+        <a:defRPr sz="3600" kern="1200">
           <a:solidFill>
-            <a:schemeClr val="tx1"/>
+            <a:schemeClr val="tx1">
+              <a:lumMod val="85000"/>
+              <a:lumOff val="15000"/>
+            </a:schemeClr>
           </a:solidFill>
-          <a:effectLst/>
           <a:latin typeface="+mj-lt"/>
           <a:ea typeface="+mj-ea"/>
           <a:cs typeface="+mj-cs"/>
@@ -5982,26 +7349,25 @@
       </a:lvl9pPr>
     </p:titleStyle>
     <p:bodyStyle>
-      <a:lvl1pPr marL="285750" indent="-285750" algn="l" defTabSz="457200" rtl="0" eaLnBrk="1" latinLnBrk="0" hangingPunct="1">
+      <a:lvl1pPr marL="342900" indent="-342900" algn="l" defTabSz="457200" rtl="0" eaLnBrk="1" latinLnBrk="0" hangingPunct="1">
         <a:spcBef>
-          <a:spcPct val="20000"/>
+          <a:spcPts val="1000"/>
         </a:spcBef>
         <a:spcAft>
-          <a:spcPts val="600"/>
+          <a:spcPts val="0"/>
         </a:spcAft>
         <a:buClr>
-          <a:schemeClr val="accent1">
-            <a:lumMod val="75000"/>
-          </a:schemeClr>
+          <a:schemeClr val="accent1"/>
         </a:buClr>
-        <a:buSzPct val="145000"/>
-        <a:buFont typeface="Arial"/>
-        <a:buChar char="•"/>
-        <a:defRPr sz="2400" kern="1200" cap="none">
+        <a:buFont typeface="Wingdings 3" charset="2"/>
+        <a:buChar char=""/>
+        <a:defRPr sz="1800" kern="1200">
           <a:solidFill>
-            <a:schemeClr val="tx1"/>
+            <a:schemeClr val="tx1">
+              <a:lumMod val="75000"/>
+              <a:lumOff val="25000"/>
+            </a:schemeClr>
           </a:solidFill>
-          <a:effectLst/>
           <a:latin typeface="+mn-lt"/>
           <a:ea typeface="+mn-ea"/>
           <a:cs typeface="+mn-cs"/>
@@ -6009,99 +7375,95 @@
       </a:lvl1pPr>
       <a:lvl2pPr marL="742950" indent="-285750" algn="l" defTabSz="457200" rtl="0" eaLnBrk="1" latinLnBrk="0" hangingPunct="1">
         <a:spcBef>
-          <a:spcPct val="20000"/>
+          <a:spcPts val="1000"/>
         </a:spcBef>
         <a:spcAft>
-          <a:spcPts val="600"/>
+          <a:spcPts val="0"/>
         </a:spcAft>
         <a:buClr>
-          <a:schemeClr val="accent1">
-            <a:lumMod val="75000"/>
-          </a:schemeClr>
+          <a:schemeClr val="accent1"/>
         </a:buClr>
-        <a:buSzPct val="145000"/>
-        <a:buFont typeface="Arial"/>
-        <a:buChar char="•"/>
-        <a:defRPr sz="2000" kern="1200" cap="none">
+        <a:buFont typeface="Wingdings 3" charset="2"/>
+        <a:buChar char=""/>
+        <a:defRPr sz="1600" kern="1200">
           <a:solidFill>
-            <a:schemeClr val="tx1"/>
+            <a:schemeClr val="tx1">
+              <a:lumMod val="75000"/>
+              <a:lumOff val="25000"/>
+            </a:schemeClr>
           </a:solidFill>
-          <a:effectLst/>
           <a:latin typeface="+mn-lt"/>
           <a:ea typeface="+mn-ea"/>
           <a:cs typeface="+mn-cs"/>
         </a:defRPr>
       </a:lvl2pPr>
-      <a:lvl3pPr marL="1200150" indent="-285750" algn="l" defTabSz="457200" rtl="0" eaLnBrk="1" latinLnBrk="0" hangingPunct="1">
+      <a:lvl3pPr marL="1143000" indent="-228600" algn="l" defTabSz="457200" rtl="0" eaLnBrk="1" latinLnBrk="0" hangingPunct="1">
         <a:spcBef>
-          <a:spcPct val="20000"/>
+          <a:spcPts val="1000"/>
         </a:spcBef>
         <a:spcAft>
-          <a:spcPts val="600"/>
+          <a:spcPts val="0"/>
         </a:spcAft>
         <a:buClr>
-          <a:schemeClr val="accent1">
-            <a:lumMod val="75000"/>
-          </a:schemeClr>
+          <a:schemeClr val="accent1"/>
         </a:buClr>
-        <a:buSzPct val="145000"/>
-        <a:buFont typeface="Arial"/>
-        <a:buChar char="•"/>
-        <a:defRPr sz="1800" kern="1200" cap="none">
+        <a:buFont typeface="Wingdings 3" charset="2"/>
+        <a:buChar char=""/>
+        <a:defRPr sz="1400" kern="1200">
           <a:solidFill>
-            <a:schemeClr val="tx1"/>
+            <a:schemeClr val="tx1">
+              <a:lumMod val="75000"/>
+              <a:lumOff val="25000"/>
+            </a:schemeClr>
           </a:solidFill>
-          <a:effectLst/>
           <a:latin typeface="+mn-lt"/>
           <a:ea typeface="+mn-ea"/>
           <a:cs typeface="+mn-cs"/>
         </a:defRPr>
       </a:lvl3pPr>
-      <a:lvl4pPr marL="1543050" indent="-171450" algn="l" defTabSz="457200" rtl="0" eaLnBrk="1" latinLnBrk="0" hangingPunct="1">
+      <a:lvl4pPr marL="1600200" indent="-228600" algn="l" defTabSz="457200" rtl="0" eaLnBrk="1" latinLnBrk="0" hangingPunct="1">
         <a:spcBef>
-          <a:spcPct val="20000"/>
+          <a:spcPts val="1000"/>
         </a:spcBef>
         <a:spcAft>
-          <a:spcPts val="600"/>
+          <a:spcPts val="0"/>
         </a:spcAft>
         <a:buClr>
-          <a:schemeClr val="accent1">
-            <a:lumMod val="75000"/>
-          </a:schemeClr>
+          <a:schemeClr val="accent1"/>
         </a:buClr>
-        <a:buSzPct val="145000"/>
-        <a:buFont typeface="Arial"/>
-        <a:buChar char="•"/>
-        <a:defRPr sz="1600" kern="1200" cap="none">
+        <a:buFont typeface="Wingdings 3" charset="2"/>
+        <a:buChar char=""/>
+        <a:defRPr sz="1200" kern="1200">
           <a:solidFill>
-            <a:schemeClr val="tx1"/>
+            <a:schemeClr val="tx1">
+              <a:lumMod val="75000"/>
+              <a:lumOff val="25000"/>
+            </a:schemeClr>
           </a:solidFill>
-          <a:effectLst/>
           <a:latin typeface="+mn-lt"/>
           <a:ea typeface="+mn-ea"/>
           <a:cs typeface="+mn-cs"/>
         </a:defRPr>
       </a:lvl4pPr>
-      <a:lvl5pPr marL="2000250" indent="-171450" algn="l" defTabSz="457200" rtl="0" eaLnBrk="1" latinLnBrk="0" hangingPunct="1">
+      <a:lvl5pPr marL="2057400" indent="-228600" algn="l" defTabSz="457200" rtl="0" eaLnBrk="1" latinLnBrk="0" hangingPunct="1">
         <a:spcBef>
-          <a:spcPct val="20000"/>
+          <a:spcPts val="1000"/>
         </a:spcBef>
         <a:spcAft>
-          <a:spcPts val="600"/>
+          <a:spcPts val="0"/>
         </a:spcAft>
         <a:buClr>
-          <a:schemeClr val="accent1">
-            <a:lumMod val="75000"/>
-          </a:schemeClr>
+          <a:schemeClr val="accent1"/>
         </a:buClr>
-        <a:buSzPct val="145000"/>
-        <a:buFont typeface="Arial"/>
-        <a:buChar char="•"/>
-        <a:defRPr sz="1400" kern="1200" cap="none">
+        <a:buFont typeface="Wingdings 3" charset="2"/>
+        <a:buChar char=""/>
+        <a:defRPr sz="1200" kern="1200">
           <a:solidFill>
-            <a:schemeClr val="tx1"/>
+            <a:schemeClr val="tx1">
+              <a:lumMod val="75000"/>
+              <a:lumOff val="25000"/>
+            </a:schemeClr>
           </a:solidFill>
-          <a:effectLst/>
           <a:latin typeface="+mn-lt"/>
           <a:ea typeface="+mn-ea"/>
           <a:cs typeface="+mn-cs"/>
@@ -6109,24 +7471,23 @@
       </a:lvl5pPr>
       <a:lvl6pPr marL="2514600" indent="-228600" algn="l" defTabSz="457200" rtl="0" eaLnBrk="1" latinLnBrk="0" hangingPunct="1">
         <a:spcBef>
-          <a:spcPct val="20000"/>
+          <a:spcPts val="1000"/>
         </a:spcBef>
         <a:spcAft>
-          <a:spcPts val="600"/>
+          <a:spcPts val="0"/>
         </a:spcAft>
         <a:buClr>
-          <a:schemeClr val="accent1">
-            <a:lumMod val="75000"/>
-          </a:schemeClr>
+          <a:schemeClr val="accent1"/>
         </a:buClr>
-        <a:buSzPct val="145000"/>
-        <a:buFont typeface="Arial"/>
-        <a:buChar char="•"/>
-        <a:defRPr sz="1400" kern="1200" cap="none">
+        <a:buFont typeface="Wingdings 3" charset="2"/>
+        <a:buChar char=""/>
+        <a:defRPr sz="1200" kern="1200">
           <a:solidFill>
-            <a:schemeClr val="tx1"/>
+            <a:schemeClr val="tx1">
+              <a:lumMod val="75000"/>
+              <a:lumOff val="25000"/>
+            </a:schemeClr>
           </a:solidFill>
-          <a:effectLst/>
           <a:latin typeface="+mn-lt"/>
           <a:ea typeface="+mn-ea"/>
           <a:cs typeface="+mn-cs"/>
@@ -6134,24 +7495,23 @@
       </a:lvl6pPr>
       <a:lvl7pPr marL="2971800" indent="-228600" algn="l" defTabSz="457200" rtl="0" eaLnBrk="1" latinLnBrk="0" hangingPunct="1">
         <a:spcBef>
-          <a:spcPct val="20000"/>
+          <a:spcPts val="1000"/>
         </a:spcBef>
         <a:spcAft>
-          <a:spcPts val="600"/>
+          <a:spcPts val="0"/>
         </a:spcAft>
         <a:buClr>
-          <a:schemeClr val="accent1">
-            <a:lumMod val="75000"/>
-          </a:schemeClr>
+          <a:schemeClr val="accent1"/>
         </a:buClr>
-        <a:buSzPct val="145000"/>
-        <a:buFont typeface="Arial"/>
-        <a:buChar char="•"/>
-        <a:defRPr sz="1400" kern="1200" cap="none">
+        <a:buFont typeface="Wingdings 3" charset="2"/>
+        <a:buChar char=""/>
+        <a:defRPr sz="1200" kern="1200">
           <a:solidFill>
-            <a:schemeClr val="tx1"/>
+            <a:schemeClr val="tx1">
+              <a:lumMod val="75000"/>
+              <a:lumOff val="25000"/>
+            </a:schemeClr>
           </a:solidFill>
-          <a:effectLst/>
           <a:latin typeface="+mn-lt"/>
           <a:ea typeface="+mn-ea"/>
           <a:cs typeface="+mn-cs"/>
@@ -6159,24 +7519,23 @@
       </a:lvl7pPr>
       <a:lvl8pPr marL="3429000" indent="-228600" algn="l" defTabSz="457200" rtl="0" eaLnBrk="1" latinLnBrk="0" hangingPunct="1">
         <a:spcBef>
-          <a:spcPct val="20000"/>
+          <a:spcPts val="1000"/>
         </a:spcBef>
         <a:spcAft>
-          <a:spcPts val="600"/>
+          <a:spcPts val="0"/>
         </a:spcAft>
         <a:buClr>
-          <a:schemeClr val="accent1">
-            <a:lumMod val="75000"/>
-          </a:schemeClr>
+          <a:schemeClr val="accent1"/>
         </a:buClr>
-        <a:buSzPct val="145000"/>
-        <a:buFont typeface="Arial"/>
-        <a:buChar char="•"/>
-        <a:defRPr sz="1400" kern="1200" cap="none">
+        <a:buFont typeface="Wingdings 3" charset="2"/>
+        <a:buChar char=""/>
+        <a:defRPr sz="1200" kern="1200">
           <a:solidFill>
-            <a:schemeClr val="tx1"/>
+            <a:schemeClr val="tx1">
+              <a:lumMod val="75000"/>
+              <a:lumOff val="25000"/>
+            </a:schemeClr>
           </a:solidFill>
-          <a:effectLst/>
           <a:latin typeface="+mn-lt"/>
           <a:ea typeface="+mn-ea"/>
           <a:cs typeface="+mn-cs"/>
@@ -6184,24 +7543,23 @@
       </a:lvl8pPr>
       <a:lvl9pPr marL="3886200" indent="-228600" algn="l" defTabSz="457200" rtl="0" eaLnBrk="1" latinLnBrk="0" hangingPunct="1">
         <a:spcBef>
-          <a:spcPct val="20000"/>
+          <a:spcPts val="1000"/>
         </a:spcBef>
         <a:spcAft>
-          <a:spcPts val="600"/>
+          <a:spcPts val="0"/>
         </a:spcAft>
         <a:buClr>
-          <a:schemeClr val="accent1">
-            <a:lumMod val="75000"/>
-          </a:schemeClr>
+          <a:schemeClr val="accent1"/>
         </a:buClr>
-        <a:buSzPct val="145000"/>
-        <a:buFont typeface="Arial"/>
-        <a:buChar char="•"/>
-        <a:defRPr sz="1400" kern="1200" cap="none">
+        <a:buFont typeface="Wingdings 3" charset="2"/>
+        <a:buChar char=""/>
+        <a:defRPr sz="1200" kern="1200">
           <a:solidFill>
-            <a:schemeClr val="tx1"/>
+            <a:schemeClr val="tx1">
+              <a:lumMod val="75000"/>
+              <a:lumOff val="25000"/>
+            </a:schemeClr>
           </a:solidFill>
-          <a:effectLst/>
           <a:latin typeface="+mn-lt"/>
           <a:ea typeface="+mn-ea"/>
           <a:cs typeface="+mn-cs"/>
@@ -6336,7 +7694,7 @@
         </p:nvSpPr>
         <p:spPr>
           <a:xfrm>
-            <a:off x="1105786" y="2456121"/>
+            <a:off x="627613" y="2456121"/>
             <a:ext cx="8442251" cy="1563779"/>
           </a:xfrm>
         </p:spPr>
@@ -6360,11 +7718,7 @@
             </a:br>
             <a:r>
               <a:rPr lang="zh-CN" altLang="en-US" sz="3200" dirty="0" smtClean="0"/>
-              <a:t>第三次</a:t>
-            </a:r>
-            <a:r>
-              <a:rPr lang="zh-CN" altLang="en-US" sz="3200" dirty="0" smtClean="0"/>
-              <a:t>迭代成果展示</a:t>
+              <a:t>第三次迭代成果展示</a:t>
             </a:r>
             <a:endParaRPr lang="zh-CN" altLang="en-US" sz="3200" dirty="0"/>
           </a:p>
@@ -6382,15 +7736,21 @@
         </p:nvSpPr>
         <p:spPr>
           <a:xfrm>
-            <a:off x="2350077" y="4402666"/>
-            <a:ext cx="5762563" cy="860450"/>
+            <a:off x="1746069" y="4402665"/>
+            <a:ext cx="5762563" cy="1041789"/>
           </a:xfrm>
         </p:spPr>
         <p:txBody>
-          <a:bodyPr/>
+          <a:bodyPr>
+            <a:normAutofit/>
+          </a:bodyPr>
           <a:lstStyle/>
           <a:p>
-            <a:pPr algn="ctr"/>
+            <a:pPr algn="ctr">
+              <a:lnSpc>
+                <a:spcPct val="150000"/>
+              </a:lnSpc>
+            </a:pPr>
             <a:r>
               <a:rPr lang="zh-CN" altLang="en-US" dirty="0" smtClean="0"/>
               <a:t>组别：</a:t>
@@ -6401,7 +7761,11 @@
             </a:r>
           </a:p>
           <a:p>
-            <a:pPr algn="ctr"/>
+            <a:pPr algn="ctr">
+              <a:lnSpc>
+                <a:spcPct val="150000"/>
+              </a:lnSpc>
+            </a:pPr>
             <a:r>
               <a:rPr lang="zh-CN" altLang="en-US" dirty="0" smtClean="0"/>
               <a:t>成员：叶方丹</a:t>
@@ -6417,7 +7781,11 @@
             <a:endParaRPr lang="en-US" altLang="zh-CN" dirty="0" smtClean="0"/>
           </a:p>
           <a:p>
-            <a:pPr algn="ctr"/>
+            <a:pPr algn="ctr">
+              <a:lnSpc>
+                <a:spcPct val="150000"/>
+              </a:lnSpc>
+            </a:pPr>
             <a:endParaRPr lang="zh-CN" altLang="en-US" dirty="0"/>
           </a:p>
         </p:txBody>
@@ -6476,11 +7844,11 @@
           <a:p>
             <a:r>
               <a:rPr lang="zh-CN" altLang="en-US" dirty="0" smtClean="0"/>
-              <a:t>第三次</a:t>
+              <a:t>第三</a:t>
             </a:r>
             <a:r>
               <a:rPr lang="zh-CN" altLang="en-US" dirty="0" smtClean="0"/>
-              <a:t>迭代计划任务</a:t>
+              <a:t>次迭代计划任务</a:t>
             </a:r>
             <a:r>
               <a:rPr lang="en-US" altLang="zh-CN" dirty="0" smtClean="0"/>
@@ -6490,14 +7858,18 @@
               <a:rPr lang="en-US" altLang="zh-CN" dirty="0" smtClean="0"/>
             </a:br>
             <a:r>
-              <a:rPr lang="en-US" altLang="zh-CN" sz="2800" dirty="0" smtClean="0"/>
-              <a:t>——</a:t>
-            </a:r>
-            <a:r>
-              <a:rPr lang="zh-CN" altLang="en-US" sz="2800" dirty="0" smtClean="0"/>
-              <a:t>申请采购，数据标签模块和单元测试</a:t>
-            </a:r>
-            <a:endParaRPr lang="zh-CN" altLang="en-US" dirty="0"/>
+              <a:rPr lang="en-US" altLang="zh-CN" sz="2400" dirty="0" smtClean="0"/>
+              <a:t>————</a:t>
+            </a:r>
+            <a:r>
+              <a:rPr lang="zh-CN" altLang="en-US" sz="2400" dirty="0" smtClean="0"/>
+              <a:t>申请</a:t>
+            </a:r>
+            <a:r>
+              <a:rPr lang="zh-CN" altLang="en-US" sz="2400" dirty="0" smtClean="0"/>
+              <a:t>采购，数据标签模块和单元测试</a:t>
+            </a:r>
+            <a:endParaRPr lang="zh-CN" altLang="en-US" sz="3200" dirty="0"/>
           </a:p>
         </p:txBody>
       </p:sp>
@@ -6519,100 +7891,100 @@
         </p:spPr>
         <p:txBody>
           <a:bodyPr>
-            <a:normAutofit lnSpcReduction="10000"/>
+            <a:normAutofit/>
           </a:bodyPr>
           <a:lstStyle/>
           <a:p>
             <a:r>
-              <a:rPr lang="zh-CN" altLang="en-US" dirty="0" smtClean="0"/>
-              <a:t>任务分工</a:t>
-            </a:r>
-            <a:r>
-              <a:rPr lang="zh-CN" altLang="en-US" dirty="0" smtClean="0"/>
-              <a:t>：</a:t>
-            </a:r>
-            <a:endParaRPr lang="en-US" altLang="zh-CN" dirty="0"/>
-          </a:p>
-          <a:p>
-            <a:r>
-              <a:rPr lang="zh-CN" altLang="en-US" dirty="0"/>
+              <a:rPr lang="zh-CN" altLang="en-US" sz="2400" dirty="0" smtClean="0"/>
+              <a:t>任务分工：</a:t>
+            </a:r>
+            <a:endParaRPr lang="en-US" altLang="zh-CN" sz="2400" dirty="0"/>
+          </a:p>
+          <a:p>
+            <a:r>
+              <a:rPr lang="zh-CN" altLang="en-US" sz="2400" dirty="0"/>
               <a:t>申请采购后端：杨</a:t>
             </a:r>
             <a:r>
-              <a:rPr lang="zh-CN" altLang="en-US" dirty="0" smtClean="0"/>
+              <a:rPr lang="zh-CN" altLang="en-US" sz="2400" dirty="0" smtClean="0"/>
               <a:t>松涛</a:t>
             </a:r>
-            <a:endParaRPr lang="en-US" altLang="zh-CN" dirty="0" smtClean="0"/>
-          </a:p>
-          <a:p>
-            <a:r>
-              <a:rPr lang="zh-CN" altLang="en-US" dirty="0" smtClean="0"/>
-              <a:t>数据标签前端</a:t>
-            </a:r>
-            <a:r>
-              <a:rPr lang="zh-CN" altLang="en-US" dirty="0" smtClean="0"/>
-              <a:t>：</a:t>
-            </a:r>
-            <a:r>
-              <a:rPr lang="zh-CN" altLang="en-US" dirty="0" smtClean="0"/>
-              <a:t>王赢绪 殷达</a:t>
-            </a:r>
-            <a:endParaRPr lang="en-US" altLang="zh-CN" dirty="0" smtClean="0"/>
-          </a:p>
-          <a:p>
-            <a:r>
-              <a:rPr lang="zh-CN" altLang="en-US" dirty="0" smtClean="0"/>
+            <a:endParaRPr lang="en-US" altLang="zh-CN" sz="2400" dirty="0" smtClean="0"/>
+          </a:p>
+          <a:p>
+            <a:r>
+              <a:rPr lang="zh-CN" altLang="en-US" sz="2400" dirty="0" smtClean="0"/>
+              <a:t>数据标签前端：王赢绪 殷达</a:t>
+            </a:r>
+            <a:endParaRPr lang="en-US" altLang="zh-CN" sz="2400" dirty="0" smtClean="0"/>
+          </a:p>
+          <a:p>
+            <a:r>
+              <a:rPr lang="zh-CN" altLang="en-US" sz="2400" dirty="0" smtClean="0"/>
               <a:t>数据标签后端：叶方丹 王赢绪</a:t>
             </a:r>
-            <a:endParaRPr lang="en-US" altLang="zh-CN" dirty="0"/>
-          </a:p>
-          <a:p>
-            <a:r>
-              <a:rPr lang="en-US" altLang="zh-CN" dirty="0" smtClean="0"/>
-              <a:t>Excel</a:t>
-            </a:r>
-            <a:r>
-              <a:rPr lang="zh-CN" altLang="en-US" dirty="0" smtClean="0"/>
-              <a:t>导入导出接口：殷达</a:t>
-            </a:r>
-            <a:endParaRPr lang="en-US" altLang="zh-CN" dirty="0" smtClean="0"/>
-          </a:p>
-          <a:p>
-            <a:r>
-              <a:rPr lang="zh-CN" altLang="en-US" dirty="0" smtClean="0"/>
+            <a:endParaRPr lang="en-US" altLang="zh-CN" sz="2400" dirty="0"/>
+          </a:p>
+          <a:p>
+            <a:r>
+              <a:rPr lang="en-US" altLang="zh-CN" sz="2400" dirty="0" smtClean="0"/>
+              <a:t>Excel </a:t>
+            </a:r>
+            <a:r>
+              <a:rPr lang="zh-CN" altLang="en-US" sz="2400" dirty="0" smtClean="0"/>
+              <a:t>导</a:t>
+            </a:r>
+            <a:r>
+              <a:rPr lang="zh-CN" altLang="en-US" sz="2400" dirty="0" smtClean="0"/>
+              <a:t>入导出接口：殷达</a:t>
+            </a:r>
+            <a:endParaRPr lang="en-US" altLang="zh-CN" sz="2400" dirty="0" smtClean="0"/>
+          </a:p>
+          <a:p>
+            <a:r>
+              <a:rPr lang="zh-CN" altLang="en-US" sz="2400" dirty="0" smtClean="0"/>
               <a:t>消息中心：冯冠宇</a:t>
             </a:r>
-            <a:endParaRPr lang="en-US" altLang="zh-CN" dirty="0" smtClean="0"/>
-          </a:p>
-          <a:p>
-            <a:r>
-              <a:rPr lang="en-US" altLang="zh-CN" dirty="0" smtClean="0"/>
-              <a:t>Account</a:t>
-            </a:r>
-            <a:r>
-              <a:rPr lang="zh-CN" altLang="en-US" dirty="0" smtClean="0"/>
-              <a:t>及</a:t>
-            </a:r>
-            <a:r>
-              <a:rPr lang="en-US" altLang="zh-CN" dirty="0" smtClean="0"/>
-              <a:t>Goods</a:t>
-            </a:r>
-            <a:r>
-              <a:rPr lang="zh-CN" altLang="en-US" dirty="0" smtClean="0"/>
-              <a:t>部分单元测试：冯冠宇</a:t>
-            </a:r>
-            <a:endParaRPr lang="en-US" altLang="zh-CN" dirty="0" smtClean="0"/>
-          </a:p>
-          <a:p>
-            <a:r>
-              <a:rPr lang="en-US" altLang="zh-CN" dirty="0" smtClean="0"/>
-              <a:t>Computing</a:t>
-            </a:r>
-            <a:r>
-              <a:rPr lang="zh-CN" altLang="en-US" dirty="0" smtClean="0"/>
-              <a:t>部分单元测试：叶方丹</a:t>
-            </a:r>
-            <a:endParaRPr lang="zh-CN" altLang="en-US" dirty="0"/>
+            <a:endParaRPr lang="en-US" altLang="zh-CN" sz="2400" dirty="0" smtClean="0"/>
+          </a:p>
+          <a:p>
+            <a:r>
+              <a:rPr lang="en-US" altLang="zh-CN" sz="2400" dirty="0" smtClean="0"/>
+              <a:t>Account </a:t>
+            </a:r>
+            <a:r>
+              <a:rPr lang="zh-CN" altLang="en-US" sz="2400" dirty="0" smtClean="0"/>
+              <a:t>及 </a:t>
+            </a:r>
+            <a:r>
+              <a:rPr lang="en-US" altLang="zh-CN" sz="2400" dirty="0" smtClean="0"/>
+              <a:t>Goods </a:t>
+            </a:r>
+            <a:r>
+              <a:rPr lang="zh-CN" altLang="en-US" sz="2400" dirty="0" smtClean="0"/>
+              <a:t>部分</a:t>
+            </a:r>
+            <a:r>
+              <a:rPr lang="zh-CN" altLang="en-US" sz="2400" dirty="0" smtClean="0"/>
+              <a:t>单元测试：冯冠宇</a:t>
+            </a:r>
+            <a:endParaRPr lang="en-US" altLang="zh-CN" sz="2400" dirty="0" smtClean="0"/>
+          </a:p>
+          <a:p>
+            <a:r>
+              <a:rPr lang="en-US" altLang="zh-CN" sz="2400" dirty="0" smtClean="0"/>
+              <a:t>Computing </a:t>
+            </a:r>
+            <a:r>
+              <a:rPr lang="zh-CN" altLang="en-US" sz="2400" dirty="0" smtClean="0"/>
+              <a:t>部分</a:t>
+            </a:r>
+            <a:r>
+              <a:rPr lang="zh-CN" altLang="en-US" sz="2400" dirty="0" smtClean="0"/>
+              <a:t>单元测试：叶方丹</a:t>
+            </a:r>
+            <a:endParaRPr lang="zh-CN" altLang="en-US" sz="2400" dirty="0"/>
           </a:p>
         </p:txBody>
       </p:sp>
@@ -6665,15 +8037,17 @@
         </p:nvSpPr>
         <p:spPr/>
         <p:txBody>
-          <a:bodyPr/>
+          <a:bodyPr>
+            <a:normAutofit fontScale="90000"/>
+          </a:bodyPr>
           <a:lstStyle/>
           <a:p>
             <a:r>
-              <a:rPr lang="zh-CN" altLang="en-US" dirty="0" smtClean="0"/>
+              <a:rPr lang="zh-CN" altLang="en-US" sz="4000" dirty="0" smtClean="0"/>
               <a:t>第三次</a:t>
             </a:r>
             <a:r>
-              <a:rPr lang="zh-CN" altLang="en-US" dirty="0"/>
+              <a:rPr lang="zh-CN" altLang="en-US" sz="4000" dirty="0"/>
               <a:t>迭代计划任务</a:t>
             </a:r>
             <a:r>
@@ -6684,14 +8058,17 @@
               <a:rPr lang="en-US" altLang="zh-CN" dirty="0"/>
             </a:br>
             <a:r>
-              <a:rPr lang="en-US" altLang="zh-CN" sz="2800" dirty="0"/>
+              <a:rPr lang="en-US" altLang="zh-CN" sz="2700" dirty="0" smtClean="0"/>
               <a:t>————</a:t>
             </a:r>
             <a:r>
-              <a:rPr lang="zh-CN" altLang="en-US" sz="2800" dirty="0"/>
-              <a:t>申请采购，数据标签模块和单元测试</a:t>
-            </a:r>
-            <a:endParaRPr lang="zh-CN" altLang="en-US" dirty="0"/>
+              <a:rPr lang="zh-CN" altLang="en-US" sz="2700" dirty="0" smtClean="0"/>
+              <a:t>申请</a:t>
+            </a:r>
+            <a:r>
+              <a:rPr lang="zh-CN" altLang="en-US" sz="2700" dirty="0"/>
+              <a:t>采购，数据标签模块和单元测试</a:t>
+            </a:r>
           </a:p>
         </p:txBody>
       </p:sp>
@@ -6712,48 +8089,53 @@
           </a:xfrm>
         </p:spPr>
         <p:txBody>
-          <a:bodyPr/>
+          <a:bodyPr>
+            <a:noAutofit/>
+          </a:bodyPr>
           <a:lstStyle/>
           <a:p>
-            <a:r>
-              <a:rPr lang="zh-CN" altLang="en-US" dirty="0" smtClean="0"/>
+            <a:pPr>
+              <a:lnSpc>
+                <a:spcPct val="150000"/>
+              </a:lnSpc>
+            </a:pPr>
+            <a:r>
+              <a:rPr lang="zh-CN" altLang="en-US" sz="2400" dirty="0" smtClean="0"/>
               <a:t>计划任务完成情况：</a:t>
             </a:r>
-            <a:endParaRPr lang="en-US" altLang="zh-CN" dirty="0" smtClean="0"/>
-          </a:p>
-          <a:p>
-            <a:r>
-              <a:rPr lang="en-US" altLang="zh-CN" dirty="0" smtClean="0"/>
+            <a:endParaRPr lang="en-US" altLang="zh-CN" sz="2400" dirty="0" smtClean="0"/>
+          </a:p>
+          <a:p>
+            <a:pPr>
+              <a:lnSpc>
+                <a:spcPct val="150000"/>
+              </a:lnSpc>
+            </a:pPr>
+            <a:r>
+              <a:rPr lang="en-US" altLang="zh-CN" sz="2400" dirty="0" smtClean="0"/>
               <a:t>1.</a:t>
             </a:r>
             <a:r>
-              <a:rPr lang="zh-CN" altLang="en-US" dirty="0" smtClean="0"/>
-              <a:t>用户与管理员能正常</a:t>
-            </a:r>
-            <a:r>
-              <a:rPr lang="zh-CN" altLang="en-US" dirty="0" smtClean="0"/>
-              <a:t>使用申请采购，标记重要数据，邮件功能和销毁计算资源的</a:t>
-            </a:r>
-            <a:r>
-              <a:rPr lang="zh-CN" altLang="en-US" dirty="0" smtClean="0"/>
-              <a:t>功能</a:t>
-            </a:r>
-            <a:endParaRPr lang="en-US" altLang="zh-CN" dirty="0" smtClean="0"/>
-          </a:p>
-          <a:p>
-            <a:r>
-              <a:rPr lang="en-US" altLang="zh-CN" dirty="0" smtClean="0"/>
-              <a:t>2</a:t>
-            </a:r>
-            <a:r>
-              <a:rPr lang="en-US" altLang="zh-CN" dirty="0" smtClean="0"/>
-              <a:t>.</a:t>
-            </a:r>
-            <a:r>
-              <a:rPr lang="zh-CN" altLang="en-US" dirty="0" smtClean="0"/>
+              <a:rPr lang="zh-CN" altLang="en-US" sz="2400" dirty="0" smtClean="0"/>
+              <a:t>用户与管理员能正常使用申请采购，标记重要数据，邮件功能和销毁计算资源的功能</a:t>
+            </a:r>
+            <a:endParaRPr lang="en-US" altLang="zh-CN" sz="2400" dirty="0" smtClean="0"/>
+          </a:p>
+          <a:p>
+            <a:pPr>
+              <a:lnSpc>
+                <a:spcPct val="150000"/>
+              </a:lnSpc>
+            </a:pPr>
+            <a:r>
+              <a:rPr lang="en-US" altLang="zh-CN" sz="2400" dirty="0" smtClean="0"/>
+              <a:t>2.</a:t>
+            </a:r>
+            <a:r>
+              <a:rPr lang="zh-CN" altLang="en-US" sz="2400" dirty="0" smtClean="0"/>
               <a:t>修改了一期的单元测试使得单元测试能正确运行</a:t>
             </a:r>
-            <a:endParaRPr lang="en-US" altLang="zh-CN" dirty="0" smtClean="0"/>
+            <a:endParaRPr lang="en-US" altLang="zh-CN" sz="2400" dirty="0" smtClean="0"/>
           </a:p>
         </p:txBody>
       </p:sp>
@@ -6834,56 +8216,69 @@
           </a:xfrm>
         </p:spPr>
         <p:txBody>
-          <a:bodyPr/>
+          <a:bodyPr>
+            <a:normAutofit/>
+          </a:bodyPr>
           <a:lstStyle/>
           <a:p>
-            <a:r>
-              <a:rPr lang="en-US" altLang="zh-CN" dirty="0" smtClean="0"/>
-              <a:t>1</a:t>
-            </a:r>
-            <a:r>
-              <a:rPr lang="en-US" altLang="zh-CN" dirty="0" smtClean="0"/>
+            <a:pPr>
+              <a:lnSpc>
+                <a:spcPct val="150000"/>
+              </a:lnSpc>
+            </a:pPr>
+            <a:r>
+              <a:rPr lang="en-US" altLang="zh-CN" sz="2400" dirty="0" smtClean="0"/>
+              <a:t>1.</a:t>
+            </a:r>
+            <a:r>
+              <a:rPr lang="zh-CN" altLang="en-US" sz="2400" dirty="0" smtClean="0"/>
+              <a:t>消息中心接口</a:t>
+            </a:r>
+            <a:endParaRPr lang="en-US" altLang="zh-CN" sz="2400" dirty="0" smtClean="0"/>
+          </a:p>
+          <a:p>
+            <a:pPr>
+              <a:lnSpc>
+                <a:spcPct val="150000"/>
+              </a:lnSpc>
+            </a:pPr>
+            <a:r>
+              <a:rPr lang="en-US" altLang="zh-CN" sz="2400" dirty="0" smtClean="0"/>
+              <a:t>2.</a:t>
+            </a:r>
+            <a:r>
+              <a:rPr lang="zh-CN" altLang="en-US" sz="2400" dirty="0" smtClean="0"/>
+              <a:t>修复了部分页面僵死的</a:t>
+            </a:r>
+            <a:r>
+              <a:rPr lang="en-US" altLang="zh-CN" sz="2400" dirty="0" smtClean="0"/>
+              <a:t>bug</a:t>
+            </a:r>
+            <a:r>
+              <a:rPr lang="zh-CN" altLang="en-US" sz="2400" dirty="0" smtClean="0"/>
+              <a:t>，修改了计算资源套餐的错误消息提醒</a:t>
+            </a:r>
+            <a:endParaRPr lang="en-US" altLang="zh-CN" sz="2400" dirty="0" smtClean="0"/>
+          </a:p>
+          <a:p>
+            <a:pPr>
+              <a:lnSpc>
+                <a:spcPct val="150000"/>
+              </a:lnSpc>
+            </a:pPr>
+            <a:r>
+              <a:rPr lang="en-US" altLang="zh-CN" sz="2400" dirty="0"/>
+              <a:t>3</a:t>
+            </a:r>
+            <a:r>
+              <a:rPr lang="en-US" altLang="zh-CN" sz="2400" dirty="0" smtClean="0"/>
               <a:t>.</a:t>
             </a:r>
             <a:r>
-              <a:rPr lang="zh-CN" altLang="en-US" dirty="0" smtClean="0"/>
-              <a:t>消息中心接口</a:t>
-            </a:r>
-            <a:endParaRPr lang="en-US" altLang="zh-CN" dirty="0" smtClean="0"/>
-          </a:p>
-          <a:p>
-            <a:r>
-              <a:rPr lang="en-US" altLang="zh-CN" dirty="0" smtClean="0"/>
-              <a:t>2.</a:t>
-            </a:r>
-            <a:r>
-              <a:rPr lang="zh-CN" altLang="en-US" dirty="0" smtClean="0"/>
-              <a:t>修复了部分页面僵死的</a:t>
-            </a:r>
-            <a:r>
-              <a:rPr lang="en-US" altLang="zh-CN" dirty="0" smtClean="0"/>
-              <a:t>bug</a:t>
-            </a:r>
-            <a:r>
-              <a:rPr lang="zh-CN" altLang="en-US" dirty="0" smtClean="0"/>
-              <a:t>，修改了计算资源套餐的错误消息提醒</a:t>
-            </a:r>
-            <a:endParaRPr lang="en-US" altLang="zh-CN" dirty="0" smtClean="0"/>
-          </a:p>
-          <a:p>
-            <a:r>
-              <a:rPr lang="en-US" altLang="zh-CN" dirty="0"/>
-              <a:t>3</a:t>
-            </a:r>
-            <a:r>
-              <a:rPr lang="en-US" altLang="zh-CN" dirty="0" smtClean="0"/>
-              <a:t>.</a:t>
-            </a:r>
-            <a:r>
-              <a:rPr lang="zh-CN" altLang="en-US" dirty="0" smtClean="0"/>
+              <a:rPr lang="zh-CN" altLang="en-US" sz="2400" dirty="0" smtClean="0"/>
               <a:t>修改了用户列表部分的功能，去掉了不该显示的标签，以及加入对用户类型的判定</a:t>
             </a:r>
-            <a:endParaRPr lang="zh-CN" altLang="en-US" dirty="0"/>
+            <a:endParaRPr lang="zh-CN" altLang="en-US" sz="2400" dirty="0"/>
           </a:p>
         </p:txBody>
       </p:sp>
@@ -6908,164 +8303,92 @@
 </file>
 
 <file path=ppt/theme/theme1.xml><?xml version="1.0" encoding="utf-8"?>
-<a:theme xmlns:a="http://schemas.openxmlformats.org/drawingml/2006/main" name="视差">
+<a:theme xmlns:a="http://schemas.openxmlformats.org/drawingml/2006/main" name="丝状">
   <a:themeElements>
-    <a:clrScheme name="视差">
+    <a:clrScheme name="紫色 II">
       <a:dk1>
         <a:sysClr val="windowText" lastClr="000000"/>
       </a:dk1>
       <a:lt1>
-        <a:sysClr val="window" lastClr="FFFFFF"/>
+        <a:sysClr val="window" lastClr="C7EDCC"/>
       </a:lt1>
       <a:dk2>
-        <a:srgbClr val="212121"/>
+        <a:srgbClr val="632E62"/>
       </a:dk2>
       <a:lt2>
-        <a:srgbClr val="EBEBEB"/>
+        <a:srgbClr val="EAE5EB"/>
       </a:lt2>
       <a:accent1>
-        <a:srgbClr val="30ACEC"/>
+        <a:srgbClr val="92278F"/>
       </a:accent1>
       <a:accent2>
-        <a:srgbClr val="80C34F"/>
+        <a:srgbClr val="9B57D3"/>
       </a:accent2>
       <a:accent3>
-        <a:srgbClr val="E29D3E"/>
+        <a:srgbClr val="755DD9"/>
       </a:accent3>
       <a:accent4>
-        <a:srgbClr val="D64A3B"/>
+        <a:srgbClr val="665EB8"/>
       </a:accent4>
       <a:accent5>
-        <a:srgbClr val="D64787"/>
+        <a:srgbClr val="45A5ED"/>
       </a:accent5>
       <a:accent6>
-        <a:srgbClr val="A666E1"/>
+        <a:srgbClr val="5982DB"/>
       </a:accent6>
       <a:hlink>
-        <a:srgbClr val="3085ED"/>
+        <a:srgbClr val="0066FF"/>
       </a:hlink>
       <a:folHlink>
-        <a:srgbClr val="82B6F4"/>
+        <a:srgbClr val="666699"/>
       </a:folHlink>
     </a:clrScheme>
-    <a:fontScheme name="视差">
+    <a:fontScheme name="自定义 1">
       <a:majorFont>
-        <a:latin typeface="Corbel" panose="020B0503020204020204"/>
-        <a:ea typeface=""/>
+        <a:latin typeface="Times New Roman"/>
+        <a:ea typeface="微软雅黑"/>
         <a:cs typeface=""/>
-        <a:font script="Jpan" typeface="HGｺﾞｼｯｸM"/>
-        <a:font script="Hang" typeface="HY엽서L"/>
-        <a:font script="Hans" typeface="华文楷体"/>
-        <a:font script="Hant" typeface="新細明體"/>
-        <a:font script="Arab" typeface="Tahoma"/>
-        <a:font script="Hebr" typeface="Miriam"/>
-        <a:font script="Thai" typeface="DilleniaUPC"/>
-        <a:font script="Ethi" typeface="Nyala"/>
-        <a:font script="Beng" typeface="Vrinda"/>
-        <a:font script="Gujr" typeface="Shruti"/>
-        <a:font script="Khmr" typeface="DaunPenh"/>
-        <a:font script="Knda" typeface="Tunga"/>
-        <a:font script="Guru" typeface="Raavi"/>
-        <a:font script="Cans" typeface="Euphemia"/>
-        <a:font script="Cher" typeface="Plantagenet Cherokee"/>
-        <a:font script="Yiii" typeface="Microsoft Yi Baiti"/>
-        <a:font script="Tibt" typeface="Microsoft Himalaya"/>
-        <a:font script="Thaa" typeface="MV Boli"/>
-        <a:font script="Deva" typeface="Mangal"/>
-        <a:font script="Telu" typeface="Gautami"/>
-        <a:font script="Taml" typeface="Latha"/>
-        <a:font script="Syrc" typeface="Estrangelo Edessa"/>
-        <a:font script="Orya" typeface="Kalinga"/>
-        <a:font script="Mlym" typeface="Kartika"/>
-        <a:font script="Laoo" typeface="DokChampa"/>
-        <a:font script="Sinh" typeface="Iskoola Pota"/>
-        <a:font script="Mong" typeface="Mongolian Baiti"/>
-        <a:font script="Viet" typeface="Arial"/>
-        <a:font script="Uigh" typeface="Microsoft Uighur"/>
-        <a:font script="Geor" typeface="Sylfaen"/>
       </a:majorFont>
       <a:minorFont>
-        <a:latin typeface="Corbel" panose="020B0503020204020204"/>
-        <a:ea typeface=""/>
+        <a:latin typeface="Times New Roman"/>
+        <a:ea typeface="楷体_GB2312"/>
         <a:cs typeface=""/>
-        <a:font script="Jpan" typeface="HGｺﾞｼｯｸM"/>
-        <a:font script="Hang" typeface="HY엽서L"/>
-        <a:font script="Hans" typeface="华文楷体"/>
-        <a:font script="Hant" typeface="新細明體"/>
-        <a:font script="Arab" typeface="Tahoma"/>
-        <a:font script="Hebr" typeface="Miriam"/>
-        <a:font script="Thai" typeface="DilleniaUPC"/>
-        <a:font script="Ethi" typeface="Nyala"/>
-        <a:font script="Beng" typeface="Vrinda"/>
-        <a:font script="Gujr" typeface="Shruti"/>
-        <a:font script="Khmr" typeface="DaunPenh"/>
-        <a:font script="Knda" typeface="Tunga"/>
-        <a:font script="Guru" typeface="Raavi"/>
-        <a:font script="Cans" typeface="Euphemia"/>
-        <a:font script="Cher" typeface="Plantagenet Cherokee"/>
-        <a:font script="Yiii" typeface="Microsoft Yi Baiti"/>
-        <a:font script="Tibt" typeface="Microsoft Himalaya"/>
-        <a:font script="Thaa" typeface="MV Boli"/>
-        <a:font script="Deva" typeface="Mangal"/>
-        <a:font script="Telu" typeface="Gautami"/>
-        <a:font script="Taml" typeface="Latha"/>
-        <a:font script="Syrc" typeface="Estrangelo Edessa"/>
-        <a:font script="Orya" typeface="Kalinga"/>
-        <a:font script="Mlym" typeface="Kartika"/>
-        <a:font script="Laoo" typeface="DokChampa"/>
-        <a:font script="Sinh" typeface="Iskoola Pota"/>
-        <a:font script="Mong" typeface="Mongolian Baiti"/>
-        <a:font script="Viet" typeface="Arial"/>
-        <a:font script="Uigh" typeface="Microsoft Uighur"/>
-        <a:font script="Geor" typeface="Sylfaen"/>
       </a:minorFont>
     </a:fontScheme>
-    <a:fmtScheme name="视差">
+    <a:fmtScheme name="丝状">
       <a:fillStyleLst>
         <a:solidFill>
           <a:schemeClr val="phClr"/>
+        </a:solidFill>
+        <a:solidFill>
+          <a:schemeClr val="phClr">
+            <a:tint val="70000"/>
+            <a:lumMod val="104000"/>
+          </a:schemeClr>
         </a:solidFill>
         <a:gradFill rotWithShape="1">
           <a:gsLst>
             <a:gs pos="0">
               <a:schemeClr val="phClr">
-                <a:tint val="60000"/>
+                <a:tint val="96000"/>
                 <a:lumMod val="104000"/>
               </a:schemeClr>
             </a:gs>
             <a:gs pos="100000">
               <a:schemeClr val="phClr">
-                <a:tint val="84000"/>
+                <a:shade val="98000"/>
+                <a:lumMod val="94000"/>
               </a:schemeClr>
             </a:gs>
           </a:gsLst>
           <a:lin ang="5400000" scaled="0"/>
-        </a:gradFill>
-        <a:gradFill rotWithShape="1">
-          <a:gsLst>
-            <a:gs pos="0">
-              <a:schemeClr val="phClr">
-                <a:tint val="96000"/>
-                <a:lumMod val="102000"/>
-              </a:schemeClr>
-            </a:gs>
-            <a:gs pos="100000">
-              <a:schemeClr val="phClr">
-                <a:shade val="88000"/>
-                <a:lumMod val="94000"/>
-              </a:schemeClr>
-            </a:gs>
-          </a:gsLst>
-          <a:path path="circle">
-            <a:fillToRect l="50000" t="100000" r="100000" b="50000"/>
-          </a:path>
         </a:gradFill>
       </a:fillStyleLst>
       <a:lnStyleLst>
         <a:ln w="9525" cap="rnd" cmpd="sng" algn="ctr">
           <a:solidFill>
             <a:schemeClr val="phClr">
-              <a:tint val="60000"/>
+              <a:shade val="90000"/>
             </a:schemeClr>
           </a:solidFill>
           <a:prstDash val="solid"/>
@@ -7089,28 +8412,21 @@
         </a:effectStyle>
         <a:effectStyle>
           <a:effectLst>
-            <a:reflection blurRad="12700" stA="26000" endPos="32000" dist="12700" dir="5400000" sy="-100000" rotWithShape="0"/>
+            <a:outerShdw blurRad="38100" dist="25400" dir="5400000" rotWithShape="0">
+              <a:srgbClr val="000000">
+                <a:alpha val="25000"/>
+              </a:srgbClr>
+            </a:outerShdw>
           </a:effectLst>
         </a:effectStyle>
         <a:effectStyle>
           <a:effectLst>
-            <a:outerShdw blurRad="38100" dist="25400" dir="5400000" rotWithShape="0">
+            <a:outerShdw blurRad="50800" dist="38100" dir="5400000" rotWithShape="0">
               <a:srgbClr val="000000">
-                <a:alpha val="64000"/>
+                <a:alpha val="60000"/>
               </a:srgbClr>
             </a:outerShdw>
           </a:effectLst>
-          <a:scene3d>
-            <a:camera prst="orthographicFront">
-              <a:rot lat="0" lon="0" rev="0"/>
-            </a:camera>
-            <a:lightRig rig="threePt" dir="tl">
-              <a:rot lat="0" lon="0" rev="1200000"/>
-            </a:lightRig>
-          </a:scene3d>
-          <a:sp3d>
-            <a:bevelT w="25400" h="12700"/>
-          </a:sp3d>
         </a:effectStyle>
       </a:effectStyleLst>
       <a:bgFillStyleLst>
@@ -7122,34 +8438,40 @@
             <a:gs pos="0">
               <a:schemeClr val="phClr">
                 <a:tint val="90000"/>
-                <a:lumMod val="110000"/>
+                <a:lumMod val="120000"/>
               </a:schemeClr>
             </a:gs>
             <a:gs pos="100000">
               <a:schemeClr val="phClr">
-                <a:shade val="64000"/>
+                <a:shade val="98000"/>
+                <a:satMod val="120000"/>
                 <a:lumMod val="98000"/>
               </a:schemeClr>
             </a:gs>
           </a:gsLst>
           <a:lin ang="5400000" scaled="0"/>
         </a:gradFill>
-        <a:blipFill rotWithShape="1">
-          <a:blip xmlns:r="http://schemas.openxmlformats.org/officeDocument/2006/relationships" r:embed="rId1">
-            <a:duotone>
+        <a:gradFill rotWithShape="1">
+          <a:gsLst>
+            <a:gs pos="0">
               <a:schemeClr val="phClr">
-                <a:shade val="76000"/>
-                <a:satMod val="180000"/>
+                <a:tint val="90000"/>
+                <a:satMod val="92000"/>
+                <a:lumMod val="120000"/>
               </a:schemeClr>
+            </a:gs>
+            <a:gs pos="100000">
               <a:schemeClr val="phClr">
-                <a:tint val="80000"/>
+                <a:shade val="98000"/>
                 <a:satMod val="120000"/>
-                <a:lumMod val="180000"/>
+                <a:lumMod val="98000"/>
               </a:schemeClr>
-            </a:duotone>
-          </a:blip>
-          <a:stretch/>
-        </a:blipFill>
+            </a:gs>
+          </a:gsLst>
+          <a:path path="circle">
+            <a:fillToRect l="50000" t="50000" r="100000" b="100000"/>
+          </a:path>
+        </a:gradFill>
       </a:bgFillStyleLst>
     </a:fmtScheme>
   </a:themeElements>
@@ -7157,7 +8479,7 @@
   <a:extraClrSchemeLst/>
   <a:extLst>
     <a:ext uri="{05A4C25C-085E-4340-85A3-A5531E510DB2}">
-      <thm15:themeFamily xmlns:thm15="http://schemas.microsoft.com/office/thememl/2012/main" name="Parallax" id="{3388167B-A2EB-4685-9635-1831D9AEF8C4}" vid="{4F7A876A-7598-49CA-AFC8-8EDA2551E4A7}"/>
+      <thm15:themeFamily xmlns:thm15="http://schemas.microsoft.com/office/thememl/2012/main" name="Wisp" id="{7CB32D59-10C0-40DD-B7BD-2E94284A981C}" vid="{24B1A44C-C006-48B2-A4D7-E5549B3D8CD4}"/>
     </a:ext>
   </a:extLst>
 </a:theme>

--- a/ppt_of_sprint/sprint3.pptx
+++ b/ppt_of_sprint/sprint3.pptx
@@ -7,8 +7,8 @@
   <p:sldIdLst>
     <p:sldId id="256" r:id="rId2"/>
     <p:sldId id="257" r:id="rId3"/>
-    <p:sldId id="258" r:id="rId4"/>
-    <p:sldId id="259" r:id="rId5"/>
+    <p:sldId id="260" r:id="rId4"/>
+    <p:sldId id="261" r:id="rId5"/>
   </p:sldIdLst>
   <p:sldSz cx="9144000" cy="6858000" type="screen4x3"/>
   <p:notesSz cx="6858000" cy="9144000"/>
@@ -304,7 +304,7 @@
             <a:fld id="{B61BEF0D-F0BB-DE4B-95CE-6DB70DBA9567}" type="datetimeFigureOut">
               <a:rPr lang="en-US" smtClean="0"/>
               <a:pPr/>
-              <a:t>10/22/2015</a:t>
+              <a:t>10/29/2015</a:t>
             </a:fld>
             <a:endParaRPr lang="en-US" dirty="0"/>
           </a:p>
@@ -638,7 +638,7 @@
             <a:fld id="{B61BEF0D-F0BB-DE4B-95CE-6DB70DBA9567}" type="datetimeFigureOut">
               <a:rPr lang="en-US" smtClean="0"/>
               <a:pPr/>
-              <a:t>10/22/2015</a:t>
+              <a:t>10/29/2015</a:t>
             </a:fld>
             <a:endParaRPr lang="en-US" dirty="0"/>
           </a:p>
@@ -1039,7 +1039,7 @@
             <a:fld id="{B61BEF0D-F0BB-DE4B-95CE-6DB70DBA9567}" type="datetimeFigureOut">
               <a:rPr lang="en-US" smtClean="0"/>
               <a:pPr/>
-              <a:t>10/22/2015</a:t>
+              <a:t>10/29/2015</a:t>
             </a:fld>
             <a:endParaRPr lang="en-US" dirty="0"/>
           </a:p>
@@ -1375,7 +1375,7 @@
             <a:fld id="{B61BEF0D-F0BB-DE4B-95CE-6DB70DBA9567}" type="datetimeFigureOut">
               <a:rPr lang="en-US" smtClean="0"/>
               <a:pPr/>
-              <a:t>10/22/2015</a:t>
+              <a:t>10/29/2015</a:t>
             </a:fld>
             <a:endParaRPr lang="en-US" dirty="0"/>
           </a:p>
@@ -1695,7 +1695,7 @@
             <a:fld id="{B61BEF0D-F0BB-DE4B-95CE-6DB70DBA9567}" type="datetimeFigureOut">
               <a:rPr lang="en-US" smtClean="0"/>
               <a:pPr/>
-              <a:t>10/22/2015</a:t>
+              <a:t>10/29/2015</a:t>
             </a:fld>
             <a:endParaRPr lang="en-US" dirty="0"/>
           </a:p>
@@ -2091,7 +2091,7 @@
             <a:fld id="{B61BEF0D-F0BB-DE4B-95CE-6DB70DBA9567}" type="datetimeFigureOut">
               <a:rPr lang="en-US" smtClean="0"/>
               <a:pPr/>
-              <a:t>10/22/2015</a:t>
+              <a:t>10/29/2015</a:t>
             </a:fld>
             <a:endParaRPr lang="en-US" dirty="0"/>
           </a:p>
@@ -2348,7 +2348,7 @@
             <a:fld id="{B61BEF0D-F0BB-DE4B-95CE-6DB70DBA9567}" type="datetimeFigureOut">
               <a:rPr lang="en-US" smtClean="0"/>
               <a:pPr/>
-              <a:t>10/22/2015</a:t>
+              <a:t>10/29/2015</a:t>
             </a:fld>
             <a:endParaRPr lang="en-US" dirty="0"/>
           </a:p>
@@ -2610,7 +2610,7 @@
             <a:fld id="{B61BEF0D-F0BB-DE4B-95CE-6DB70DBA9567}" type="datetimeFigureOut">
               <a:rPr lang="en-US" smtClean="0"/>
               <a:pPr/>
-              <a:t>10/22/2015</a:t>
+              <a:t>10/29/2015</a:t>
             </a:fld>
             <a:endParaRPr lang="en-US" dirty="0"/>
           </a:p>
@@ -2872,7 +2872,7 @@
             <a:fld id="{B61BEF0D-F0BB-DE4B-95CE-6DB70DBA9567}" type="datetimeFigureOut">
               <a:rPr lang="en-US" smtClean="0"/>
               <a:pPr/>
-              <a:t>10/22/2015</a:t>
+              <a:t>10/29/2015</a:t>
             </a:fld>
             <a:endParaRPr lang="en-US" dirty="0"/>
           </a:p>
@@ -3201,7 +3201,7 @@
             <a:fld id="{B61BEF0D-F0BB-DE4B-95CE-6DB70DBA9567}" type="datetimeFigureOut">
               <a:rPr lang="en-US" smtClean="0"/>
               <a:pPr/>
-              <a:t>10/22/2015</a:t>
+              <a:t>10/29/2015</a:t>
             </a:fld>
             <a:endParaRPr lang="en-US" dirty="0"/>
           </a:p>
@@ -3524,7 +3524,7 @@
             <a:fld id="{B61BEF0D-F0BB-DE4B-95CE-6DB70DBA9567}" type="datetimeFigureOut">
               <a:rPr lang="en-US" smtClean="0"/>
               <a:pPr/>
-              <a:t>10/22/2015</a:t>
+              <a:t>10/29/2015</a:t>
             </a:fld>
             <a:endParaRPr lang="en-US" dirty="0"/>
           </a:p>
@@ -3981,7 +3981,7 @@
             <a:fld id="{B61BEF0D-F0BB-DE4B-95CE-6DB70DBA9567}" type="datetimeFigureOut">
               <a:rPr lang="en-US" smtClean="0"/>
               <a:pPr/>
-              <a:t>10/22/2015</a:t>
+              <a:t>10/29/2015</a:t>
             </a:fld>
             <a:endParaRPr lang="en-US" dirty="0"/>
           </a:p>
@@ -4191,7 +4191,7 @@
             <a:fld id="{B61BEF0D-F0BB-DE4B-95CE-6DB70DBA9567}" type="datetimeFigureOut">
               <a:rPr lang="en-US" smtClean="0"/>
               <a:pPr/>
-              <a:t>10/22/2015</a:t>
+              <a:t>10/29/2015</a:t>
             </a:fld>
             <a:endParaRPr lang="en-US" dirty="0"/>
           </a:p>
@@ -4368,7 +4368,7 @@
             <a:fld id="{B61BEF0D-F0BB-DE4B-95CE-6DB70DBA9567}" type="datetimeFigureOut">
               <a:rPr lang="en-US" smtClean="0"/>
               <a:pPr/>
-              <a:t>10/22/2015</a:t>
+              <a:t>10/29/2015</a:t>
             </a:fld>
             <a:endParaRPr lang="en-US" dirty="0"/>
           </a:p>
@@ -4701,7 +4701,7 @@
             <a:fld id="{B61BEF0D-F0BB-DE4B-95CE-6DB70DBA9567}" type="datetimeFigureOut">
               <a:rPr lang="en-US" smtClean="0"/>
               <a:pPr/>
-              <a:t>10/22/2015</a:t>
+              <a:t>10/29/2015</a:t>
             </a:fld>
             <a:endParaRPr lang="en-US" dirty="0"/>
           </a:p>
@@ -5046,7 +5046,7 @@
             <a:fld id="{B61BEF0D-F0BB-DE4B-95CE-6DB70DBA9567}" type="datetimeFigureOut">
               <a:rPr lang="en-US" smtClean="0"/>
               <a:pPr/>
-              <a:t>10/22/2015</a:t>
+              <a:t>10/29/2015</a:t>
             </a:fld>
             <a:endParaRPr lang="en-US" dirty="0"/>
           </a:p>
@@ -7163,7 +7163,7 @@
             <a:fld id="{B61BEF0D-F0BB-DE4B-95CE-6DB70DBA9567}" type="datetimeFigureOut">
               <a:rPr lang="en-US" smtClean="0"/>
               <a:pPr/>
-              <a:t>10/22/2015</a:t>
+              <a:t>10/29/2015</a:t>
             </a:fld>
             <a:endParaRPr lang="en-US" dirty="0"/>
           </a:p>
@@ -7718,7 +7718,7 @@
             </a:br>
             <a:r>
               <a:rPr lang="zh-CN" altLang="en-US" sz="3200" dirty="0" smtClean="0"/>
-              <a:t>第三次迭代成果展示</a:t>
+              <a:t>第四次迭代成果展示</a:t>
             </a:r>
             <a:endParaRPr lang="zh-CN" altLang="en-US" sz="3200" dirty="0"/>
           </a:p>
@@ -7844,30 +7844,7 @@
           <a:p>
             <a:r>
               <a:rPr lang="zh-CN" altLang="en-US" dirty="0" smtClean="0"/>
-              <a:t>第三</a:t>
-            </a:r>
-            <a:r>
-              <a:rPr lang="zh-CN" altLang="en-US" dirty="0" smtClean="0"/>
-              <a:t>次迭代计划任务</a:t>
-            </a:r>
-            <a:r>
-              <a:rPr lang="en-US" altLang="zh-CN" dirty="0" smtClean="0"/>
-              <a:t/>
-            </a:r>
-            <a:br>
-              <a:rPr lang="en-US" altLang="zh-CN" dirty="0" smtClean="0"/>
-            </a:br>
-            <a:r>
-              <a:rPr lang="en-US" altLang="zh-CN" sz="2400" dirty="0" smtClean="0"/>
-              <a:t>————</a:t>
-            </a:r>
-            <a:r>
-              <a:rPr lang="zh-CN" altLang="en-US" sz="2400" dirty="0" smtClean="0"/>
-              <a:t>申请</a:t>
-            </a:r>
-            <a:r>
-              <a:rPr lang="zh-CN" altLang="en-US" sz="2400" dirty="0" smtClean="0"/>
-              <a:t>采购，数据标签模块和单元测试</a:t>
+              <a:t>第四次迭代计划任务</a:t>
             </a:r>
             <a:endParaRPr lang="zh-CN" altLang="en-US" sz="3200" dirty="0"/>
           </a:p>
@@ -7886,7 +7863,7 @@
         <p:spPr>
           <a:xfrm>
             <a:off x="982133" y="1900864"/>
-            <a:ext cx="7704667" cy="4057250"/>
+            <a:ext cx="7704667" cy="4281822"/>
           </a:xfrm>
         </p:spPr>
         <p:txBody>
@@ -7895,94 +7872,74 @@
           </a:bodyPr>
           <a:lstStyle/>
           <a:p>
+            <a:pPr>
+              <a:lnSpc>
+                <a:spcPct val="200000"/>
+              </a:lnSpc>
+            </a:pPr>
             <a:r>
               <a:rPr lang="zh-CN" altLang="en-US" sz="2400" dirty="0" smtClean="0"/>
-              <a:t>任务分工：</a:t>
-            </a:r>
-            <a:endParaRPr lang="en-US" altLang="zh-CN" sz="2400" dirty="0"/>
-          </a:p>
-          <a:p>
-            <a:r>
-              <a:rPr lang="zh-CN" altLang="en-US" sz="2400" dirty="0"/>
-              <a:t>申请采购后端：杨</a:t>
-            </a:r>
+              <a:t>分工：</a:t>
+            </a:r>
+            <a:endParaRPr lang="en-US" altLang="zh-CN" sz="2400" dirty="0" smtClean="0"/>
+          </a:p>
+          <a:p>
+            <a:pPr>
+              <a:lnSpc>
+                <a:spcPct val="200000"/>
+              </a:lnSpc>
+            </a:pPr>
             <a:r>
               <a:rPr lang="zh-CN" altLang="en-US" sz="2400" dirty="0" smtClean="0"/>
-              <a:t>松涛</a:t>
+              <a:t>维修部分：殷达</a:t>
             </a:r>
             <a:endParaRPr lang="en-US" altLang="zh-CN" sz="2400" dirty="0" smtClean="0"/>
           </a:p>
           <a:p>
+            <a:pPr>
+              <a:lnSpc>
+                <a:spcPct val="200000"/>
+              </a:lnSpc>
+            </a:pPr>
+            <a:r>
+              <a:rPr lang="en-US" altLang="zh-CN" sz="2400" dirty="0" smtClean="0"/>
+              <a:t>EXCEL</a:t>
+            </a:r>
             <a:r>
               <a:rPr lang="zh-CN" altLang="en-US" sz="2400" dirty="0" smtClean="0"/>
-              <a:t>数据标签前端：王赢绪 殷达</a:t>
+              <a:t>导入导出：冯冠宇</a:t>
             </a:r>
             <a:endParaRPr lang="en-US" altLang="zh-CN" sz="2400" dirty="0" smtClean="0"/>
           </a:p>
           <a:p>
+            <a:pPr>
+              <a:lnSpc>
+                <a:spcPct val="200000"/>
+              </a:lnSpc>
+            </a:pPr>
             <a:r>
               <a:rPr lang="zh-CN" altLang="en-US" sz="2400" dirty="0" smtClean="0"/>
-              <a:t>数据标签后端：叶方丹 王赢绪</a:t>
-            </a:r>
-            <a:endParaRPr lang="en-US" altLang="zh-CN" sz="2400" dirty="0"/>
-          </a:p>
-          <a:p>
+              <a:t>前端界面优化及</a:t>
+            </a:r>
             <a:r>
               <a:rPr lang="en-US" altLang="zh-CN" sz="2400" dirty="0" smtClean="0"/>
-              <a:t>Excel </a:t>
+              <a:t>Bug</a:t>
             </a:r>
             <a:r>
               <a:rPr lang="zh-CN" altLang="en-US" sz="2400" dirty="0" smtClean="0"/>
-              <a:t>导</a:t>
-            </a:r>
+              <a:t>修复：杨松涛 王赢绪</a:t>
+            </a:r>
+            <a:endParaRPr lang="en-US" altLang="zh-CN" sz="2400" dirty="0" smtClean="0"/>
+          </a:p>
+          <a:p>
+            <a:pPr>
+              <a:lnSpc>
+                <a:spcPct val="200000"/>
+              </a:lnSpc>
+            </a:pPr>
             <a:r>
               <a:rPr lang="zh-CN" altLang="en-US" sz="2400" dirty="0" smtClean="0"/>
-              <a:t>入导出接口：殷达</a:t>
-            </a:r>
-            <a:endParaRPr lang="en-US" altLang="zh-CN" sz="2400" dirty="0" smtClean="0"/>
-          </a:p>
-          <a:p>
-            <a:r>
-              <a:rPr lang="zh-CN" altLang="en-US" sz="2400" dirty="0" smtClean="0"/>
-              <a:t>消息中心：冯冠宇</a:t>
-            </a:r>
-            <a:endParaRPr lang="en-US" altLang="zh-CN" sz="2400" dirty="0" smtClean="0"/>
-          </a:p>
-          <a:p>
-            <a:r>
-              <a:rPr lang="en-US" altLang="zh-CN" sz="2400" dirty="0" smtClean="0"/>
-              <a:t>Account </a:t>
-            </a:r>
-            <a:r>
-              <a:rPr lang="zh-CN" altLang="en-US" sz="2400" dirty="0" smtClean="0"/>
-              <a:t>及 </a:t>
-            </a:r>
-            <a:r>
-              <a:rPr lang="en-US" altLang="zh-CN" sz="2400" dirty="0" smtClean="0"/>
-              <a:t>Goods </a:t>
-            </a:r>
-            <a:r>
-              <a:rPr lang="zh-CN" altLang="en-US" sz="2400" dirty="0" smtClean="0"/>
-              <a:t>部分</a:t>
-            </a:r>
-            <a:r>
-              <a:rPr lang="zh-CN" altLang="en-US" sz="2400" dirty="0" smtClean="0"/>
-              <a:t>单元测试：冯冠宇</a:t>
-            </a:r>
-            <a:endParaRPr lang="en-US" altLang="zh-CN" sz="2400" dirty="0" smtClean="0"/>
-          </a:p>
-          <a:p>
-            <a:r>
-              <a:rPr lang="en-US" altLang="zh-CN" sz="2400" dirty="0" smtClean="0"/>
-              <a:t>Computing </a:t>
-            </a:r>
-            <a:r>
-              <a:rPr lang="zh-CN" altLang="en-US" sz="2400" dirty="0" smtClean="0"/>
-              <a:t>部分</a:t>
-            </a:r>
-            <a:r>
-              <a:rPr lang="zh-CN" altLang="en-US" sz="2400" dirty="0" smtClean="0"/>
-              <a:t>单元测试：叶方丹</a:t>
+              <a:t>挂失与归还：叶方丹</a:t>
             </a:r>
             <a:endParaRPr lang="zh-CN" altLang="en-US" sz="2400" dirty="0"/>
           </a:p>
@@ -8037,112 +7994,104 @@
         </p:nvSpPr>
         <p:spPr/>
         <p:txBody>
+          <a:bodyPr/>
+          <a:lstStyle/>
+          <a:p>
+            <a:r>
+              <a:rPr lang="zh-CN" altLang="en-US" dirty="0" smtClean="0"/>
+              <a:t>第四次迭代计划任务</a:t>
+            </a:r>
+            <a:endParaRPr lang="zh-CN" altLang="en-US" sz="3200" dirty="0"/>
+          </a:p>
+        </p:txBody>
+      </p:sp>
+      <p:sp>
+        <p:nvSpPr>
+          <p:cNvPr id="3" name="内容占位符 2"/>
+          <p:cNvSpPr>
+            <a:spLocks noGrp="1"/>
+          </p:cNvSpPr>
+          <p:nvPr>
+            <p:ph idx="1"/>
+          </p:nvPr>
+        </p:nvSpPr>
+        <p:spPr>
+          <a:xfrm>
+            <a:off x="982133" y="1900863"/>
+            <a:ext cx="7704667" cy="4357323"/>
+          </a:xfrm>
+        </p:spPr>
+        <p:txBody>
           <a:bodyPr>
-            <a:normAutofit fontScale="90000"/>
+            <a:normAutofit/>
           </a:bodyPr>
           <a:lstStyle/>
           <a:p>
-            <a:r>
-              <a:rPr lang="zh-CN" altLang="en-US" sz="4000" dirty="0" smtClean="0"/>
-              <a:t>第三次</a:t>
-            </a:r>
-            <a:r>
-              <a:rPr lang="zh-CN" altLang="en-US" sz="4000" dirty="0"/>
-              <a:t>迭代计划任务</a:t>
-            </a:r>
-            <a:r>
-              <a:rPr lang="en-US" altLang="zh-CN" dirty="0"/>
-              <a:t/>
-            </a:r>
-            <a:br>
-              <a:rPr lang="en-US" altLang="zh-CN" dirty="0"/>
-            </a:br>
-            <a:r>
-              <a:rPr lang="en-US" altLang="zh-CN" sz="2700" dirty="0" smtClean="0"/>
-              <a:t>————</a:t>
-            </a:r>
-            <a:r>
-              <a:rPr lang="zh-CN" altLang="en-US" sz="2700" dirty="0" smtClean="0"/>
-              <a:t>申请</a:t>
-            </a:r>
-            <a:r>
-              <a:rPr lang="zh-CN" altLang="en-US" sz="2700" dirty="0"/>
-              <a:t>采购，数据标签模块和单元测试</a:t>
-            </a:r>
-          </a:p>
-        </p:txBody>
-      </p:sp>
-      <p:sp>
-        <p:nvSpPr>
-          <p:cNvPr id="3" name="内容占位符 2"/>
-          <p:cNvSpPr>
-            <a:spLocks noGrp="1"/>
-          </p:cNvSpPr>
-          <p:nvPr>
-            <p:ph idx="1"/>
-          </p:nvPr>
-        </p:nvSpPr>
-        <p:spPr>
-          <a:xfrm>
-            <a:off x="982133" y="2700670"/>
-            <a:ext cx="7704667" cy="2190644"/>
-          </a:xfrm>
-        </p:spPr>
-        <p:txBody>
-          <a:bodyPr>
-            <a:noAutofit/>
-          </a:bodyPr>
-          <a:lstStyle/>
-          <a:p>
             <a:pPr>
               <a:lnSpc>
-                <a:spcPct val="150000"/>
+                <a:spcPct val="200000"/>
               </a:lnSpc>
             </a:pPr>
             <a:r>
-              <a:rPr lang="zh-CN" altLang="en-US" sz="2400" dirty="0" smtClean="0"/>
+              <a:rPr lang="zh-CN" altLang="en-US" sz="2400" dirty="0"/>
               <a:t>计划任务完成情况：</a:t>
             </a:r>
-            <a:endParaRPr lang="en-US" altLang="zh-CN" sz="2400" dirty="0" smtClean="0"/>
+            <a:endParaRPr lang="en-US" altLang="zh-CN" sz="2400" dirty="0"/>
           </a:p>
           <a:p>
             <a:pPr>
               <a:lnSpc>
-                <a:spcPct val="150000"/>
+                <a:spcPct val="200000"/>
               </a:lnSpc>
             </a:pPr>
             <a:r>
-              <a:rPr lang="en-US" altLang="zh-CN" sz="2400" dirty="0" smtClean="0"/>
+              <a:rPr lang="en-US" altLang="zh-CN" sz="2400" dirty="0"/>
               <a:t>1.</a:t>
             </a:r>
             <a:r>
-              <a:rPr lang="zh-CN" altLang="en-US" sz="2400" dirty="0" smtClean="0"/>
-              <a:t>用户与管理员能正常使用申请采购，标记重要数据，邮件功能和销毁计算资源的功能</a:t>
-            </a:r>
-            <a:endParaRPr lang="en-US" altLang="zh-CN" sz="2400" dirty="0" smtClean="0"/>
+              <a:rPr lang="zh-CN" altLang="en-US" sz="2400" dirty="0"/>
+              <a:t>维修功能完成</a:t>
+            </a:r>
+            <a:endParaRPr lang="en-US" altLang="zh-CN" sz="2400" dirty="0"/>
           </a:p>
           <a:p>
             <a:pPr>
               <a:lnSpc>
-                <a:spcPct val="150000"/>
+                <a:spcPct val="200000"/>
               </a:lnSpc>
             </a:pPr>
             <a:r>
-              <a:rPr lang="en-US" altLang="zh-CN" sz="2400" dirty="0" smtClean="0"/>
-              <a:t>2.</a:t>
-            </a:r>
-            <a:r>
-              <a:rPr lang="zh-CN" altLang="en-US" sz="2400" dirty="0" smtClean="0"/>
-              <a:t>修改了一期的单元测试使得单元测试能正确运行</a:t>
-            </a:r>
-            <a:endParaRPr lang="en-US" altLang="zh-CN" sz="2400" dirty="0" smtClean="0"/>
+              <a:rPr lang="en-US" altLang="zh-CN" sz="2400" dirty="0"/>
+              <a:t>2.Excel</a:t>
+            </a:r>
+            <a:r>
+              <a:rPr lang="zh-CN" altLang="en-US" sz="2400" dirty="0"/>
+              <a:t>与数据库导入导出功能完成</a:t>
+            </a:r>
+            <a:endParaRPr lang="en-US" altLang="zh-CN" sz="2400" dirty="0"/>
+          </a:p>
+          <a:p>
+            <a:pPr>
+              <a:lnSpc>
+                <a:spcPct val="200000"/>
+              </a:lnSpc>
+            </a:pPr>
+            <a:r>
+              <a:rPr lang="en-US" altLang="zh-CN" sz="2400" dirty="0"/>
+              <a:t>3.</a:t>
+            </a:r>
+            <a:r>
+              <a:rPr lang="zh-CN" altLang="en-US" sz="2400" dirty="0"/>
+              <a:t>修改了计算资源部分的前端，统一了整个网站的界面风格</a:t>
+            </a:r>
+            <a:endParaRPr lang="en-US" altLang="zh-CN" sz="2400" dirty="0"/>
           </a:p>
         </p:txBody>
       </p:sp>
     </p:spTree>
     <p:extLst>
       <p:ext uri="{BB962C8B-B14F-4D97-AF65-F5344CB8AC3E}">
-        <p14:creationId xmlns:p14="http://schemas.microsoft.com/office/powerpoint/2010/main" val="3869806364"/>
+        <p14:creationId xmlns:p14="http://schemas.microsoft.com/office/powerpoint/2010/main" val="377810859"/>
       </p:ext>
     </p:extLst>
   </p:cSld>
@@ -8192,10 +8141,10 @@
           <a:lstStyle/>
           <a:p>
             <a:r>
-              <a:rPr lang="zh-CN" altLang="en-US" dirty="0" smtClean="0"/>
+              <a:rPr lang="zh-CN" altLang="en-US" dirty="0"/>
               <a:t>完成的额外任务</a:t>
             </a:r>
-            <a:endParaRPr lang="zh-CN" altLang="en-US" dirty="0"/>
+            <a:endParaRPr lang="zh-CN" altLang="en-US" sz="3200" dirty="0"/>
           </a:p>
         </p:txBody>
       </p:sp>
@@ -8211,8 +8160,8 @@
         </p:nvSpPr>
         <p:spPr>
           <a:xfrm>
-            <a:off x="982133" y="2147777"/>
-            <a:ext cx="7704667" cy="3852039"/>
+            <a:off x="982133" y="1900863"/>
+            <a:ext cx="7704667" cy="4340545"/>
           </a:xfrm>
         </p:spPr>
         <p:txBody>
@@ -8223,69 +8172,76 @@
           <a:p>
             <a:pPr>
               <a:lnSpc>
-                <a:spcPct val="150000"/>
+                <a:spcPct val="200000"/>
               </a:lnSpc>
             </a:pPr>
             <a:r>
-              <a:rPr lang="en-US" altLang="zh-CN" sz="2400" dirty="0" smtClean="0"/>
+              <a:rPr lang="en-US" altLang="zh-CN" sz="2400" dirty="0"/>
               <a:t>1.</a:t>
             </a:r>
             <a:r>
-              <a:rPr lang="zh-CN" altLang="en-US" sz="2400" dirty="0" smtClean="0"/>
-              <a:t>消息中心接口</a:t>
-            </a:r>
-            <a:endParaRPr lang="en-US" altLang="zh-CN" sz="2400" dirty="0" smtClean="0"/>
+              <a:rPr lang="zh-CN" altLang="en-US" sz="2400" dirty="0"/>
+              <a:t>为部分按钮添加二次确认的功能</a:t>
+            </a:r>
+            <a:endParaRPr lang="en-US" altLang="zh-CN" sz="2400" dirty="0"/>
           </a:p>
           <a:p>
             <a:pPr>
               <a:lnSpc>
-                <a:spcPct val="150000"/>
+                <a:spcPct val="200000"/>
               </a:lnSpc>
             </a:pPr>
             <a:r>
-              <a:rPr lang="en-US" altLang="zh-CN" sz="2400" dirty="0" smtClean="0"/>
+              <a:rPr lang="en-US" altLang="zh-CN" sz="2400" dirty="0"/>
               <a:t>2.</a:t>
             </a:r>
             <a:r>
-              <a:rPr lang="zh-CN" altLang="en-US" sz="2400" dirty="0" smtClean="0"/>
-              <a:t>修复了部分页面僵死的</a:t>
-            </a:r>
-            <a:r>
-              <a:rPr lang="en-US" altLang="zh-CN" sz="2400" dirty="0" smtClean="0"/>
-              <a:t>bug</a:t>
-            </a:r>
-            <a:r>
-              <a:rPr lang="zh-CN" altLang="en-US" sz="2400" dirty="0" smtClean="0"/>
-              <a:t>，修改了计算资源套餐的错误消息提醒</a:t>
-            </a:r>
-            <a:endParaRPr lang="en-US" altLang="zh-CN" sz="2400" dirty="0" smtClean="0"/>
+              <a:rPr lang="zh-CN" altLang="en-US" sz="2400" dirty="0"/>
+              <a:t>分离了一期项目中的挂失与归还部分，为已挂失物品添加“找回物品”按钮</a:t>
+            </a:r>
+            <a:endParaRPr lang="en-US" altLang="zh-CN" sz="2400" dirty="0"/>
           </a:p>
           <a:p>
             <a:pPr>
               <a:lnSpc>
-                <a:spcPct val="150000"/>
+                <a:spcPct val="200000"/>
               </a:lnSpc>
             </a:pPr>
             <a:r>
               <a:rPr lang="en-US" altLang="zh-CN" sz="2400" dirty="0"/>
-              <a:t>3</a:t>
-            </a:r>
-            <a:r>
-              <a:rPr lang="en-US" altLang="zh-CN" sz="2400" dirty="0" smtClean="0"/>
-              <a:t>.</a:t>
-            </a:r>
-            <a:r>
-              <a:rPr lang="zh-CN" altLang="en-US" sz="2400" dirty="0" smtClean="0"/>
-              <a:t>修改了用户列表部分的功能，去掉了不该显示的标签，以及加入对用户类型的判定</a:t>
-            </a:r>
-            <a:endParaRPr lang="zh-CN" altLang="en-US" sz="2400" dirty="0"/>
+              <a:t>3.</a:t>
+            </a:r>
+            <a:r>
+              <a:rPr lang="zh-CN" altLang="en-US" sz="2400" dirty="0"/>
+              <a:t>修复了部分一期</a:t>
+            </a:r>
+            <a:r>
+              <a:rPr lang="en-US" altLang="zh-CN" sz="2400" dirty="0"/>
+              <a:t>bug</a:t>
+            </a:r>
+          </a:p>
+          <a:p>
+            <a:pPr>
+              <a:lnSpc>
+                <a:spcPct val="200000"/>
+              </a:lnSpc>
+            </a:pPr>
+            <a:r>
+              <a:rPr lang="en-US" altLang="zh-CN" sz="2400" dirty="0"/>
+              <a:t>4.</a:t>
+            </a:r>
+            <a:r>
+              <a:rPr lang="zh-CN" altLang="en-US" sz="2400" dirty="0"/>
+              <a:t>为一些常用界面添加回车响应</a:t>
+            </a:r>
+            <a:endParaRPr lang="en-US" altLang="zh-CN" sz="2400" dirty="0"/>
           </a:p>
         </p:txBody>
       </p:sp>
     </p:spTree>
     <p:extLst>
       <p:ext uri="{BB962C8B-B14F-4D97-AF65-F5344CB8AC3E}">
-        <p14:creationId xmlns:p14="http://schemas.microsoft.com/office/powerpoint/2010/main" val="1296753519"/>
+        <p14:creationId xmlns:p14="http://schemas.microsoft.com/office/powerpoint/2010/main" val="1710416124"/>
       </p:ext>
     </p:extLst>
   </p:cSld>
